--- a/manuscript/Figures/ProbFC_Knowledge_Effectiveness_Estimate.pptx
+++ b/manuscript/Figures/ProbFC_Knowledge_Effectiveness_Estimate.pptx
@@ -2,12 +2,12 @@
 <file path=ppt/presentation.xml><?xml version="1.0" encoding="utf-8"?>
 <p:presentation xmlns:a="http://schemas.openxmlformats.org/drawingml/2006/main" xmlns:r="http://schemas.openxmlformats.org/officeDocument/2006/relationships" xmlns:p="http://schemas.openxmlformats.org/presentationml/2006/main" saveSubsetFonts="1">
   <p:sldMasterIdLst>
-    <p:sldMasterId id="2147483684" r:id="rId1"/>
+    <p:sldMasterId id="2147483708" r:id="rId1"/>
   </p:sldMasterIdLst>
   <p:sldIdLst>
-    <p:sldId id="256" r:id="rId2"/>
+    <p:sldId id="260" r:id="rId2"/>
   </p:sldIdLst>
-  <p:sldSz cx="3132138" cy="2519363"/>
+  <p:sldSz cx="3276600" cy="2430463"/>
   <p:notesSz cx="6858000" cy="9144000"/>
   <p:defaultTextStyle>
     <a:defPPr>
@@ -107,12 +107,12 @@
   <p:extLst>
     <p:ext uri="{EFAFB233-063F-42B5-8137-9DF3F51BA10A}">
       <p15:sldGuideLst xmlns:p15="http://schemas.microsoft.com/office/powerpoint/2012/main">
-        <p15:guide id="1" orient="horz" pos="794" userDrawn="1">
+        <p15:guide id="1" orient="horz" pos="766" userDrawn="1">
           <p15:clr>
             <a:srgbClr val="A4A3A4"/>
           </p15:clr>
         </p15:guide>
-        <p15:guide id="2" pos="987" userDrawn="1">
+        <p15:guide id="2" pos="1033" userDrawn="1">
           <p15:clr>
             <a:srgbClr val="A4A3A4"/>
           </p15:clr>
@@ -121,6 +121,1696 @@
     </p:ext>
   </p:extLst>
 </p:presentation>
+</file>
+
+<file path=ppt/revisionInfo.xml><?xml version="1.0" encoding="utf-8"?>
+<p1510:revInfo xmlns:a="http://schemas.openxmlformats.org/drawingml/2006/main" xmlns:r="http://schemas.openxmlformats.org/officeDocument/2006/relationships" xmlns:p1510="http://schemas.microsoft.com/office/powerpoint/2015/10/main">
+  <p1510:revLst>
+    <p1510:client id="{3117CC99-A8D8-4417-AA48-A79BC152B569}" v="34" dt="2020-11-30T04:55:09.163"/>
+  </p1510:revLst>
+</p1510:revInfo>
+</file>
+
+<file path=ppt/changesInfos/changesInfo1.xml><?xml version="1.0" encoding="utf-8"?>
+<pc:chgInfo xmlns:a="http://schemas.openxmlformats.org/drawingml/2006/main" xmlns:r="http://schemas.openxmlformats.org/officeDocument/2006/relationships" xmlns:ac="http://schemas.microsoft.com/office/drawing/2013/main/command" xmlns:pc="http://schemas.microsoft.com/office/powerpoint/2013/main/command">
+  <pc:docChgLst>
+    <pc:chgData name="Fatima Pillosu" userId="a6295d4dc9e22643" providerId="LiveId" clId="{3117CC99-A8D8-4417-AA48-A79BC152B569}"/>
+    <pc:docChg chg="undo custSel addSld delSld modSld sldOrd">
+      <pc:chgData name="Fatima Pillosu" userId="a6295d4dc9e22643" providerId="LiveId" clId="{3117CC99-A8D8-4417-AA48-A79BC152B569}" dt="2020-11-30T04:56:23.011" v="535" actId="2696"/>
+      <pc:docMkLst>
+        <pc:docMk/>
+      </pc:docMkLst>
+      <pc:sldChg chg="addSp delSp modSp del">
+        <pc:chgData name="Fatima Pillosu" userId="a6295d4dc9e22643" providerId="LiveId" clId="{3117CC99-A8D8-4417-AA48-A79BC152B569}" dt="2020-11-30T04:55:06.919" v="533" actId="2696"/>
+        <pc:sldMkLst>
+          <pc:docMk/>
+          <pc:sldMk cId="2243467327" sldId="256"/>
+        </pc:sldMkLst>
+        <pc:spChg chg="add del mod">
+          <ac:chgData name="Fatima Pillosu" userId="a6295d4dc9e22643" providerId="LiveId" clId="{3117CC99-A8D8-4417-AA48-A79BC152B569}" dt="2020-11-29T16:43:20.417" v="118" actId="478"/>
+          <ac:spMkLst>
+            <pc:docMk/>
+            <pc:sldMk cId="2243467327" sldId="256"/>
+            <ac:spMk id="18" creationId="{9723CD97-01D0-4D83-8A0C-51BC254DE773}"/>
+          </ac:spMkLst>
+        </pc:spChg>
+        <pc:spChg chg="add del mod">
+          <ac:chgData name="Fatima Pillosu" userId="a6295d4dc9e22643" providerId="LiveId" clId="{3117CC99-A8D8-4417-AA48-A79BC152B569}" dt="2020-11-29T16:43:41.803" v="121" actId="478"/>
+          <ac:spMkLst>
+            <pc:docMk/>
+            <pc:sldMk cId="2243467327" sldId="256"/>
+            <ac:spMk id="19" creationId="{ECDD9EF3-6BF5-47B1-9EBF-8C7F48551626}"/>
+          </ac:spMkLst>
+        </pc:spChg>
+        <pc:spChg chg="del">
+          <ac:chgData name="Fatima Pillosu" userId="a6295d4dc9e22643" providerId="LiveId" clId="{3117CC99-A8D8-4417-AA48-A79BC152B569}" dt="2020-11-29T16:41:15.590" v="93"/>
+          <ac:spMkLst>
+            <pc:docMk/>
+            <pc:sldMk cId="2243467327" sldId="256"/>
+            <ac:spMk id="36" creationId="{E6ED31B0-62A0-42DA-9C36-DD20C396DDAC}"/>
+          </ac:spMkLst>
+        </pc:spChg>
+        <pc:spChg chg="del mod">
+          <ac:chgData name="Fatima Pillosu" userId="a6295d4dc9e22643" providerId="LiveId" clId="{3117CC99-A8D8-4417-AA48-A79BC152B569}" dt="2020-11-29T16:41:15.590" v="93"/>
+          <ac:spMkLst>
+            <pc:docMk/>
+            <pc:sldMk cId="2243467327" sldId="256"/>
+            <ac:spMk id="39" creationId="{76E34627-E798-4EFC-90A5-BF205170CD1F}"/>
+          </ac:spMkLst>
+        </pc:spChg>
+        <pc:spChg chg="del mod">
+          <ac:chgData name="Fatima Pillosu" userId="a6295d4dc9e22643" providerId="LiveId" clId="{3117CC99-A8D8-4417-AA48-A79BC152B569}" dt="2020-11-29T16:41:15.590" v="93"/>
+          <ac:spMkLst>
+            <pc:docMk/>
+            <pc:sldMk cId="2243467327" sldId="256"/>
+            <ac:spMk id="40" creationId="{42DB4541-C977-4637-9D7A-78EAE2D87F21}"/>
+          </ac:spMkLst>
+        </pc:spChg>
+        <pc:spChg chg="del">
+          <ac:chgData name="Fatima Pillosu" userId="a6295d4dc9e22643" providerId="LiveId" clId="{3117CC99-A8D8-4417-AA48-A79BC152B569}" dt="2020-11-29T16:41:15.590" v="93"/>
+          <ac:spMkLst>
+            <pc:docMk/>
+            <pc:sldMk cId="2243467327" sldId="256"/>
+            <ac:spMk id="47" creationId="{84949D9F-8CCA-467B-93B0-1457017402A0}"/>
+          </ac:spMkLst>
+        </pc:spChg>
+        <pc:spChg chg="del">
+          <ac:chgData name="Fatima Pillosu" userId="a6295d4dc9e22643" providerId="LiveId" clId="{3117CC99-A8D8-4417-AA48-A79BC152B569}" dt="2020-11-29T16:41:15.590" v="93"/>
+          <ac:spMkLst>
+            <pc:docMk/>
+            <pc:sldMk cId="2243467327" sldId="256"/>
+            <ac:spMk id="52" creationId="{8EC8BCF6-1DF8-4F84-A844-06FB9635AA63}"/>
+          </ac:spMkLst>
+        </pc:spChg>
+        <pc:spChg chg="del">
+          <ac:chgData name="Fatima Pillosu" userId="a6295d4dc9e22643" providerId="LiveId" clId="{3117CC99-A8D8-4417-AA48-A79BC152B569}" dt="2020-11-29T16:41:15.590" v="93"/>
+          <ac:spMkLst>
+            <pc:docMk/>
+            <pc:sldMk cId="2243467327" sldId="256"/>
+            <ac:spMk id="53" creationId="{470FE2AC-14AE-4305-8A4B-A4A0529A97AD}"/>
+          </ac:spMkLst>
+        </pc:spChg>
+        <pc:spChg chg="del">
+          <ac:chgData name="Fatima Pillosu" userId="a6295d4dc9e22643" providerId="LiveId" clId="{3117CC99-A8D8-4417-AA48-A79BC152B569}" dt="2020-11-29T16:41:15.590" v="93"/>
+          <ac:spMkLst>
+            <pc:docMk/>
+            <pc:sldMk cId="2243467327" sldId="256"/>
+            <ac:spMk id="54" creationId="{3CE350F3-F8C7-44B9-8302-EFB79CE13632}"/>
+          </ac:spMkLst>
+        </pc:spChg>
+        <pc:spChg chg="del">
+          <ac:chgData name="Fatima Pillosu" userId="a6295d4dc9e22643" providerId="LiveId" clId="{3117CC99-A8D8-4417-AA48-A79BC152B569}" dt="2020-11-29T16:41:15.590" v="93"/>
+          <ac:spMkLst>
+            <pc:docMk/>
+            <pc:sldMk cId="2243467327" sldId="256"/>
+            <ac:spMk id="55" creationId="{B8C1964F-9845-4204-82AD-466D9B273734}"/>
+          </ac:spMkLst>
+        </pc:spChg>
+        <pc:spChg chg="del">
+          <ac:chgData name="Fatima Pillosu" userId="a6295d4dc9e22643" providerId="LiveId" clId="{3117CC99-A8D8-4417-AA48-A79BC152B569}" dt="2020-11-29T16:41:15.590" v="93"/>
+          <ac:spMkLst>
+            <pc:docMk/>
+            <pc:sldMk cId="2243467327" sldId="256"/>
+            <ac:spMk id="56" creationId="{DBF43A3C-2D66-4930-ACBE-62C28DCFCA19}"/>
+          </ac:spMkLst>
+        </pc:spChg>
+        <pc:spChg chg="del">
+          <ac:chgData name="Fatima Pillosu" userId="a6295d4dc9e22643" providerId="LiveId" clId="{3117CC99-A8D8-4417-AA48-A79BC152B569}" dt="2020-11-29T16:41:15.590" v="93"/>
+          <ac:spMkLst>
+            <pc:docMk/>
+            <pc:sldMk cId="2243467327" sldId="256"/>
+            <ac:spMk id="58" creationId="{22CEABA5-9ACB-42BF-B3C6-29386EE6537B}"/>
+          </ac:spMkLst>
+        </pc:spChg>
+        <pc:spChg chg="del">
+          <ac:chgData name="Fatima Pillosu" userId="a6295d4dc9e22643" providerId="LiveId" clId="{3117CC99-A8D8-4417-AA48-A79BC152B569}" dt="2020-11-29T16:41:15.590" v="93"/>
+          <ac:spMkLst>
+            <pc:docMk/>
+            <pc:sldMk cId="2243467327" sldId="256"/>
+            <ac:spMk id="59" creationId="{C65672B8-5D74-4AD4-9705-BA50D21CC0CA}"/>
+          </ac:spMkLst>
+        </pc:spChg>
+        <pc:spChg chg="del">
+          <ac:chgData name="Fatima Pillosu" userId="a6295d4dc9e22643" providerId="LiveId" clId="{3117CC99-A8D8-4417-AA48-A79BC152B569}" dt="2020-11-29T16:41:15.590" v="93"/>
+          <ac:spMkLst>
+            <pc:docMk/>
+            <pc:sldMk cId="2243467327" sldId="256"/>
+            <ac:spMk id="60" creationId="{594BF564-575D-431B-B8A2-725A5A0AC68B}"/>
+          </ac:spMkLst>
+        </pc:spChg>
+        <pc:spChg chg="del">
+          <ac:chgData name="Fatima Pillosu" userId="a6295d4dc9e22643" providerId="LiveId" clId="{3117CC99-A8D8-4417-AA48-A79BC152B569}" dt="2020-11-29T16:41:15.590" v="93"/>
+          <ac:spMkLst>
+            <pc:docMk/>
+            <pc:sldMk cId="2243467327" sldId="256"/>
+            <ac:spMk id="61" creationId="{1E1EDDA7-3690-40A3-BFBE-E03F8F083EEF}"/>
+          </ac:spMkLst>
+        </pc:spChg>
+        <pc:spChg chg="del mod">
+          <ac:chgData name="Fatima Pillosu" userId="a6295d4dc9e22643" providerId="LiveId" clId="{3117CC99-A8D8-4417-AA48-A79BC152B569}" dt="2020-11-29T16:41:15.590" v="93"/>
+          <ac:spMkLst>
+            <pc:docMk/>
+            <pc:sldMk cId="2243467327" sldId="256"/>
+            <ac:spMk id="63" creationId="{B0C8B687-3BE9-4DCA-B0BF-593EF052960B}"/>
+          </ac:spMkLst>
+        </pc:spChg>
+        <pc:spChg chg="del mod ord">
+          <ac:chgData name="Fatima Pillosu" userId="a6295d4dc9e22643" providerId="LiveId" clId="{3117CC99-A8D8-4417-AA48-A79BC152B569}" dt="2020-11-29T16:41:15.590" v="93"/>
+          <ac:spMkLst>
+            <pc:docMk/>
+            <pc:sldMk cId="2243467327" sldId="256"/>
+            <ac:spMk id="65" creationId="{E2C74ECC-57A3-43F5-B19C-9D1B9D4A9BBF}"/>
+          </ac:spMkLst>
+        </pc:spChg>
+        <pc:spChg chg="add mod">
+          <ac:chgData name="Fatima Pillosu" userId="a6295d4dc9e22643" providerId="LiveId" clId="{3117CC99-A8D8-4417-AA48-A79BC152B569}" dt="2020-11-29T16:42:05.185" v="108" actId="1037"/>
+          <ac:spMkLst>
+            <pc:docMk/>
+            <pc:sldMk cId="2243467327" sldId="256"/>
+            <ac:spMk id="66" creationId="{A7060780-3292-4BA0-B889-1E173A017B39}"/>
+          </ac:spMkLst>
+        </pc:spChg>
+        <pc:spChg chg="del">
+          <ac:chgData name="Fatima Pillosu" userId="a6295d4dc9e22643" providerId="LiveId" clId="{3117CC99-A8D8-4417-AA48-A79BC152B569}" dt="2020-11-29T16:41:15.590" v="93"/>
+          <ac:spMkLst>
+            <pc:docMk/>
+            <pc:sldMk cId="2243467327" sldId="256"/>
+            <ac:spMk id="69" creationId="{E2119B2D-DC77-4E2E-A42D-6A33BDA08477}"/>
+          </ac:spMkLst>
+        </pc:spChg>
+        <pc:spChg chg="del mod ord">
+          <ac:chgData name="Fatima Pillosu" userId="a6295d4dc9e22643" providerId="LiveId" clId="{3117CC99-A8D8-4417-AA48-A79BC152B569}" dt="2020-11-29T16:41:15.590" v="93"/>
+          <ac:spMkLst>
+            <pc:docMk/>
+            <pc:sldMk cId="2243467327" sldId="256"/>
+            <ac:spMk id="70" creationId="{1744F0DF-7B9C-41BB-919B-B66D0A4ACB8D}"/>
+          </ac:spMkLst>
+        </pc:spChg>
+        <pc:spChg chg="del mod">
+          <ac:chgData name="Fatima Pillosu" userId="a6295d4dc9e22643" providerId="LiveId" clId="{3117CC99-A8D8-4417-AA48-A79BC152B569}" dt="2020-11-29T16:41:15.590" v="93"/>
+          <ac:spMkLst>
+            <pc:docMk/>
+            <pc:sldMk cId="2243467327" sldId="256"/>
+            <ac:spMk id="71" creationId="{A88B364F-1543-41BF-AB4E-CE4273B52488}"/>
+          </ac:spMkLst>
+        </pc:spChg>
+        <pc:spChg chg="del mod">
+          <ac:chgData name="Fatima Pillosu" userId="a6295d4dc9e22643" providerId="LiveId" clId="{3117CC99-A8D8-4417-AA48-A79BC152B569}" dt="2020-11-29T16:41:15.590" v="93"/>
+          <ac:spMkLst>
+            <pc:docMk/>
+            <pc:sldMk cId="2243467327" sldId="256"/>
+            <ac:spMk id="72" creationId="{9F02A1D8-32B5-48B1-9BD1-60F7C1C42D90}"/>
+          </ac:spMkLst>
+        </pc:spChg>
+        <pc:spChg chg="add mod">
+          <ac:chgData name="Fatima Pillosu" userId="a6295d4dc9e22643" providerId="LiveId" clId="{3117CC99-A8D8-4417-AA48-A79BC152B569}" dt="2020-11-29T16:43:49.415" v="122" actId="1076"/>
+          <ac:spMkLst>
+            <pc:docMk/>
+            <pc:sldMk cId="2243467327" sldId="256"/>
+            <ac:spMk id="74" creationId="{214C5511-25D9-4404-9FE8-CEC0BE1CBF65}"/>
+          </ac:spMkLst>
+        </pc:spChg>
+        <pc:spChg chg="del">
+          <ac:chgData name="Fatima Pillosu" userId="a6295d4dc9e22643" providerId="LiveId" clId="{3117CC99-A8D8-4417-AA48-A79BC152B569}" dt="2020-11-29T16:41:15.590" v="93"/>
+          <ac:spMkLst>
+            <pc:docMk/>
+            <pc:sldMk cId="2243467327" sldId="256"/>
+            <ac:spMk id="75" creationId="{C4E1E234-3BB7-462B-822E-50BF8834ADA2}"/>
+          </ac:spMkLst>
+        </pc:spChg>
+        <pc:spChg chg="del mod">
+          <ac:chgData name="Fatima Pillosu" userId="a6295d4dc9e22643" providerId="LiveId" clId="{3117CC99-A8D8-4417-AA48-A79BC152B569}" dt="2020-11-29T16:41:15.590" v="93"/>
+          <ac:spMkLst>
+            <pc:docMk/>
+            <pc:sldMk cId="2243467327" sldId="256"/>
+            <ac:spMk id="76" creationId="{4707B42F-9252-4F3F-8808-FC87942D8D4D}"/>
+          </ac:spMkLst>
+        </pc:spChg>
+        <pc:spChg chg="del">
+          <ac:chgData name="Fatima Pillosu" userId="a6295d4dc9e22643" providerId="LiveId" clId="{3117CC99-A8D8-4417-AA48-A79BC152B569}" dt="2020-11-29T16:41:15.590" v="93"/>
+          <ac:spMkLst>
+            <pc:docMk/>
+            <pc:sldMk cId="2243467327" sldId="256"/>
+            <ac:spMk id="77" creationId="{5D834F6E-8915-40A7-9D06-EBF342220254}"/>
+          </ac:spMkLst>
+        </pc:spChg>
+        <pc:spChg chg="del">
+          <ac:chgData name="Fatima Pillosu" userId="a6295d4dc9e22643" providerId="LiveId" clId="{3117CC99-A8D8-4417-AA48-A79BC152B569}" dt="2020-11-29T16:41:15.590" v="93"/>
+          <ac:spMkLst>
+            <pc:docMk/>
+            <pc:sldMk cId="2243467327" sldId="256"/>
+            <ac:spMk id="78" creationId="{D1437391-FFB2-4EE3-A35F-0752E7FA15F2}"/>
+          </ac:spMkLst>
+        </pc:spChg>
+        <pc:spChg chg="del">
+          <ac:chgData name="Fatima Pillosu" userId="a6295d4dc9e22643" providerId="LiveId" clId="{3117CC99-A8D8-4417-AA48-A79BC152B569}" dt="2020-11-29T16:41:15.590" v="93"/>
+          <ac:spMkLst>
+            <pc:docMk/>
+            <pc:sldMk cId="2243467327" sldId="256"/>
+            <ac:spMk id="79" creationId="{728DD634-A389-4169-BE82-8BBCFA2B18BC}"/>
+          </ac:spMkLst>
+        </pc:spChg>
+        <pc:spChg chg="del">
+          <ac:chgData name="Fatima Pillosu" userId="a6295d4dc9e22643" providerId="LiveId" clId="{3117CC99-A8D8-4417-AA48-A79BC152B569}" dt="2020-11-29T16:41:15.590" v="93"/>
+          <ac:spMkLst>
+            <pc:docMk/>
+            <pc:sldMk cId="2243467327" sldId="256"/>
+            <ac:spMk id="80" creationId="{C4B19EAE-BE06-4638-B169-790B249F06E2}"/>
+          </ac:spMkLst>
+        </pc:spChg>
+        <pc:spChg chg="add mod">
+          <ac:chgData name="Fatima Pillosu" userId="a6295d4dc9e22643" providerId="LiveId" clId="{3117CC99-A8D8-4417-AA48-A79BC152B569}" dt="2020-11-29T16:42:05.185" v="108" actId="1037"/>
+          <ac:spMkLst>
+            <pc:docMk/>
+            <pc:sldMk cId="2243467327" sldId="256"/>
+            <ac:spMk id="81" creationId="{EE517793-C2AA-445E-A4EE-622AF9168443}"/>
+          </ac:spMkLst>
+        </pc:spChg>
+        <pc:spChg chg="add mod">
+          <ac:chgData name="Fatima Pillosu" userId="a6295d4dc9e22643" providerId="LiveId" clId="{3117CC99-A8D8-4417-AA48-A79BC152B569}" dt="2020-11-29T16:42:05.185" v="108" actId="1037"/>
+          <ac:spMkLst>
+            <pc:docMk/>
+            <pc:sldMk cId="2243467327" sldId="256"/>
+            <ac:spMk id="87" creationId="{9CDA5377-5B18-4850-A4A6-2C8155DFFB4F}"/>
+          </ac:spMkLst>
+        </pc:spChg>
+        <pc:spChg chg="add mod">
+          <ac:chgData name="Fatima Pillosu" userId="a6295d4dc9e22643" providerId="LiveId" clId="{3117CC99-A8D8-4417-AA48-A79BC152B569}" dt="2020-11-29T16:42:05.185" v="108" actId="1037"/>
+          <ac:spMkLst>
+            <pc:docMk/>
+            <pc:sldMk cId="2243467327" sldId="256"/>
+            <ac:spMk id="89" creationId="{51D4AE4E-206C-493B-9947-456342677F17}"/>
+          </ac:spMkLst>
+        </pc:spChg>
+        <pc:spChg chg="add mod">
+          <ac:chgData name="Fatima Pillosu" userId="a6295d4dc9e22643" providerId="LiveId" clId="{3117CC99-A8D8-4417-AA48-A79BC152B569}" dt="2020-11-29T16:42:05.185" v="108" actId="1037"/>
+          <ac:spMkLst>
+            <pc:docMk/>
+            <pc:sldMk cId="2243467327" sldId="256"/>
+            <ac:spMk id="90" creationId="{3BF74A70-A12E-4A05-8201-6DFB7990D8A6}"/>
+          </ac:spMkLst>
+        </pc:spChg>
+        <pc:spChg chg="add mod">
+          <ac:chgData name="Fatima Pillosu" userId="a6295d4dc9e22643" providerId="LiveId" clId="{3117CC99-A8D8-4417-AA48-A79BC152B569}" dt="2020-11-29T16:42:05.185" v="108" actId="1037"/>
+          <ac:spMkLst>
+            <pc:docMk/>
+            <pc:sldMk cId="2243467327" sldId="256"/>
+            <ac:spMk id="91" creationId="{0394A57A-F7C2-4280-84AC-05834808BB8E}"/>
+          </ac:spMkLst>
+        </pc:spChg>
+        <pc:spChg chg="add mod">
+          <ac:chgData name="Fatima Pillosu" userId="a6295d4dc9e22643" providerId="LiveId" clId="{3117CC99-A8D8-4417-AA48-A79BC152B569}" dt="2020-11-29T16:42:05.185" v="108" actId="1037"/>
+          <ac:spMkLst>
+            <pc:docMk/>
+            <pc:sldMk cId="2243467327" sldId="256"/>
+            <ac:spMk id="92" creationId="{01009F44-2B77-4932-ADF4-BAA9893459F1}"/>
+          </ac:spMkLst>
+        </pc:spChg>
+        <pc:spChg chg="add mod">
+          <ac:chgData name="Fatima Pillosu" userId="a6295d4dc9e22643" providerId="LiveId" clId="{3117CC99-A8D8-4417-AA48-A79BC152B569}" dt="2020-11-29T16:41:51.391" v="101" actId="1036"/>
+          <ac:spMkLst>
+            <pc:docMk/>
+            <pc:sldMk cId="2243467327" sldId="256"/>
+            <ac:spMk id="93" creationId="{7E68E64C-8FD7-49F4-BF6D-8136999E4024}"/>
+          </ac:spMkLst>
+        </pc:spChg>
+        <pc:spChg chg="add mod">
+          <ac:chgData name="Fatima Pillosu" userId="a6295d4dc9e22643" providerId="LiveId" clId="{3117CC99-A8D8-4417-AA48-A79BC152B569}" dt="2020-11-29T16:42:05.185" v="108" actId="1037"/>
+          <ac:spMkLst>
+            <pc:docMk/>
+            <pc:sldMk cId="2243467327" sldId="256"/>
+            <ac:spMk id="95" creationId="{D47C8978-E72E-4671-865F-9B05973741DB}"/>
+          </ac:spMkLst>
+        </pc:spChg>
+        <pc:spChg chg="add mod">
+          <ac:chgData name="Fatima Pillosu" userId="a6295d4dc9e22643" providerId="LiveId" clId="{3117CC99-A8D8-4417-AA48-A79BC152B569}" dt="2020-11-29T16:42:05.185" v="108" actId="1037"/>
+          <ac:spMkLst>
+            <pc:docMk/>
+            <pc:sldMk cId="2243467327" sldId="256"/>
+            <ac:spMk id="96" creationId="{38A4EFDE-B3BA-4409-B79A-48484F0A7853}"/>
+          </ac:spMkLst>
+        </pc:spChg>
+        <pc:spChg chg="add mod">
+          <ac:chgData name="Fatima Pillosu" userId="a6295d4dc9e22643" providerId="LiveId" clId="{3117CC99-A8D8-4417-AA48-A79BC152B569}" dt="2020-11-29T16:42:05.185" v="108" actId="1037"/>
+          <ac:spMkLst>
+            <pc:docMk/>
+            <pc:sldMk cId="2243467327" sldId="256"/>
+            <ac:spMk id="97" creationId="{D83C6F27-E4AE-4BAA-B90D-6222FDDA7AD8}"/>
+          </ac:spMkLst>
+        </pc:spChg>
+        <pc:spChg chg="add mod">
+          <ac:chgData name="Fatima Pillosu" userId="a6295d4dc9e22643" providerId="LiveId" clId="{3117CC99-A8D8-4417-AA48-A79BC152B569}" dt="2020-11-29T16:42:05.185" v="108" actId="1037"/>
+          <ac:spMkLst>
+            <pc:docMk/>
+            <pc:sldMk cId="2243467327" sldId="256"/>
+            <ac:spMk id="98" creationId="{936F6041-900D-4271-AE13-E16F5C15A6A7}"/>
+          </ac:spMkLst>
+        </pc:spChg>
+        <pc:spChg chg="add mod">
+          <ac:chgData name="Fatima Pillosu" userId="a6295d4dc9e22643" providerId="LiveId" clId="{3117CC99-A8D8-4417-AA48-A79BC152B569}" dt="2020-11-29T16:42:05.185" v="108" actId="1037"/>
+          <ac:spMkLst>
+            <pc:docMk/>
+            <pc:sldMk cId="2243467327" sldId="256"/>
+            <ac:spMk id="100" creationId="{7F6416D9-6CA1-443D-8728-E5CC1406B847}"/>
+          </ac:spMkLst>
+        </pc:spChg>
+        <pc:spChg chg="add mod">
+          <ac:chgData name="Fatima Pillosu" userId="a6295d4dc9e22643" providerId="LiveId" clId="{3117CC99-A8D8-4417-AA48-A79BC152B569}" dt="2020-11-29T16:42:05.185" v="108" actId="1037"/>
+          <ac:spMkLst>
+            <pc:docMk/>
+            <pc:sldMk cId="2243467327" sldId="256"/>
+            <ac:spMk id="102" creationId="{03552800-31B2-4355-8BED-25CC341EB832}"/>
+          </ac:spMkLst>
+        </pc:spChg>
+        <pc:spChg chg="add mod">
+          <ac:chgData name="Fatima Pillosu" userId="a6295d4dc9e22643" providerId="LiveId" clId="{3117CC99-A8D8-4417-AA48-A79BC152B569}" dt="2020-11-29T16:42:05.185" v="108" actId="1037"/>
+          <ac:spMkLst>
+            <pc:docMk/>
+            <pc:sldMk cId="2243467327" sldId="256"/>
+            <ac:spMk id="103" creationId="{6F89BBE2-BADD-41BB-AF0D-620077D41663}"/>
+          </ac:spMkLst>
+        </pc:spChg>
+        <pc:spChg chg="add del mod">
+          <ac:chgData name="Fatima Pillosu" userId="a6295d4dc9e22643" providerId="LiveId" clId="{3117CC99-A8D8-4417-AA48-A79BC152B569}" dt="2020-11-29T16:46:50.733" v="135" actId="478"/>
+          <ac:spMkLst>
+            <pc:docMk/>
+            <pc:sldMk cId="2243467327" sldId="256"/>
+            <ac:spMk id="104" creationId="{EF662C49-FADC-4F90-8AD1-52B241FE6D7A}"/>
+          </ac:spMkLst>
+        </pc:spChg>
+        <pc:spChg chg="add mod">
+          <ac:chgData name="Fatima Pillosu" userId="a6295d4dc9e22643" providerId="LiveId" clId="{3117CC99-A8D8-4417-AA48-A79BC152B569}" dt="2020-11-29T16:42:05.185" v="108" actId="1037"/>
+          <ac:spMkLst>
+            <pc:docMk/>
+            <pc:sldMk cId="2243467327" sldId="256"/>
+            <ac:spMk id="105" creationId="{54BF21AC-EA5A-413F-AB70-7A5E3A21BA2E}"/>
+          </ac:spMkLst>
+        </pc:spChg>
+        <pc:spChg chg="add mod">
+          <ac:chgData name="Fatima Pillosu" userId="a6295d4dc9e22643" providerId="LiveId" clId="{3117CC99-A8D8-4417-AA48-A79BC152B569}" dt="2020-11-29T16:42:05.185" v="108" actId="1037"/>
+          <ac:spMkLst>
+            <pc:docMk/>
+            <pc:sldMk cId="2243467327" sldId="256"/>
+            <ac:spMk id="106" creationId="{B635FCCB-8F73-444C-9CA7-A81128DB4419}"/>
+          </ac:spMkLst>
+        </pc:spChg>
+        <pc:spChg chg="add mod">
+          <ac:chgData name="Fatima Pillosu" userId="a6295d4dc9e22643" providerId="LiveId" clId="{3117CC99-A8D8-4417-AA48-A79BC152B569}" dt="2020-11-29T16:42:05.185" v="108" actId="1037"/>
+          <ac:spMkLst>
+            <pc:docMk/>
+            <pc:sldMk cId="2243467327" sldId="256"/>
+            <ac:spMk id="107" creationId="{BAE69251-066F-450B-9462-0DF8320275CC}"/>
+          </ac:spMkLst>
+        </pc:spChg>
+        <pc:spChg chg="add mod">
+          <ac:chgData name="Fatima Pillosu" userId="a6295d4dc9e22643" providerId="LiveId" clId="{3117CC99-A8D8-4417-AA48-A79BC152B569}" dt="2020-11-29T16:42:05.185" v="108" actId="1037"/>
+          <ac:spMkLst>
+            <pc:docMk/>
+            <pc:sldMk cId="2243467327" sldId="256"/>
+            <ac:spMk id="110" creationId="{805C3AE3-DFF0-4ACE-BB9E-B3D8E1ABF80F}"/>
+          </ac:spMkLst>
+        </pc:spChg>
+        <pc:spChg chg="add mod">
+          <ac:chgData name="Fatima Pillosu" userId="a6295d4dc9e22643" providerId="LiveId" clId="{3117CC99-A8D8-4417-AA48-A79BC152B569}" dt="2020-11-29T16:43:39.594" v="120" actId="12788"/>
+          <ac:spMkLst>
+            <pc:docMk/>
+            <pc:sldMk cId="2243467327" sldId="256"/>
+            <ac:spMk id="113" creationId="{41E3F5C2-C911-4D23-9647-B831353AD7D9}"/>
+          </ac:spMkLst>
+        </pc:spChg>
+        <pc:spChg chg="add mod">
+          <ac:chgData name="Fatima Pillosu" userId="a6295d4dc9e22643" providerId="LiveId" clId="{3117CC99-A8D8-4417-AA48-A79BC152B569}" dt="2020-11-29T16:43:17.842" v="117" actId="12789"/>
+          <ac:spMkLst>
+            <pc:docMk/>
+            <pc:sldMk cId="2243467327" sldId="256"/>
+            <ac:spMk id="114" creationId="{348747D9-A062-46AE-90BB-9E9E03200637}"/>
+          </ac:spMkLst>
+        </pc:spChg>
+        <pc:spChg chg="add mod">
+          <ac:chgData name="Fatima Pillosu" userId="a6295d4dc9e22643" providerId="LiveId" clId="{3117CC99-A8D8-4417-AA48-A79BC152B569}" dt="2020-11-29T16:42:05.185" v="108" actId="1037"/>
+          <ac:spMkLst>
+            <pc:docMk/>
+            <pc:sldMk cId="2243467327" sldId="256"/>
+            <ac:spMk id="115" creationId="{B6191718-1E2B-43D7-BD38-AA269AF919C3}"/>
+          </ac:spMkLst>
+        </pc:spChg>
+        <pc:spChg chg="add mod">
+          <ac:chgData name="Fatima Pillosu" userId="a6295d4dc9e22643" providerId="LiveId" clId="{3117CC99-A8D8-4417-AA48-A79BC152B569}" dt="2020-11-29T16:42:05.185" v="108" actId="1037"/>
+          <ac:spMkLst>
+            <pc:docMk/>
+            <pc:sldMk cId="2243467327" sldId="256"/>
+            <ac:spMk id="116" creationId="{C6750137-2D84-4A60-8CFC-9F4C67172694}"/>
+          </ac:spMkLst>
+        </pc:spChg>
+        <pc:cxnChg chg="add del mod">
+          <ac:chgData name="Fatima Pillosu" userId="a6295d4dc9e22643" providerId="LiveId" clId="{3117CC99-A8D8-4417-AA48-A79BC152B569}" dt="2020-11-29T16:41:13.460" v="92" actId="478"/>
+          <ac:cxnSpMkLst>
+            <pc:docMk/>
+            <pc:sldMk cId="2243467327" sldId="256"/>
+            <ac:cxnSpMk id="9" creationId="{C6E58F6A-7AB5-4344-80E7-12B0C827DBAD}"/>
+          </ac:cxnSpMkLst>
+        </pc:cxnChg>
+        <pc:cxnChg chg="del mod">
+          <ac:chgData name="Fatima Pillosu" userId="a6295d4dc9e22643" providerId="LiveId" clId="{3117CC99-A8D8-4417-AA48-A79BC152B569}" dt="2020-11-29T16:41:15.590" v="93"/>
+          <ac:cxnSpMkLst>
+            <pc:docMk/>
+            <pc:sldMk cId="2243467327" sldId="256"/>
+            <ac:cxnSpMk id="10" creationId="{22447704-08DF-4501-A352-615B08535E70}"/>
+          </ac:cxnSpMkLst>
+        </pc:cxnChg>
+        <pc:cxnChg chg="del mod">
+          <ac:chgData name="Fatima Pillosu" userId="a6295d4dc9e22643" providerId="LiveId" clId="{3117CC99-A8D8-4417-AA48-A79BC152B569}" dt="2020-11-29T16:41:15.590" v="93"/>
+          <ac:cxnSpMkLst>
+            <pc:docMk/>
+            <pc:sldMk cId="2243467327" sldId="256"/>
+            <ac:cxnSpMk id="13" creationId="{C901C5CE-FF76-4D34-A6D4-EABF790FF5B6}"/>
+          </ac:cxnSpMkLst>
+        </pc:cxnChg>
+        <pc:cxnChg chg="del">
+          <ac:chgData name="Fatima Pillosu" userId="a6295d4dc9e22643" providerId="LiveId" clId="{3117CC99-A8D8-4417-AA48-A79BC152B569}" dt="2020-11-29T16:41:15.590" v="93"/>
+          <ac:cxnSpMkLst>
+            <pc:docMk/>
+            <pc:sldMk cId="2243467327" sldId="256"/>
+            <ac:cxnSpMk id="17" creationId="{FF0B7776-C808-433C-A79B-62F1A8A12D78}"/>
+          </ac:cxnSpMkLst>
+        </pc:cxnChg>
+        <pc:cxnChg chg="del">
+          <ac:chgData name="Fatima Pillosu" userId="a6295d4dc9e22643" providerId="LiveId" clId="{3117CC99-A8D8-4417-AA48-A79BC152B569}" dt="2020-11-29T16:41:15.590" v="93"/>
+          <ac:cxnSpMkLst>
+            <pc:docMk/>
+            <pc:sldMk cId="2243467327" sldId="256"/>
+            <ac:cxnSpMk id="37" creationId="{5BC97339-C9D9-4BAA-836C-5F9B70308795}"/>
+          </ac:cxnSpMkLst>
+        </pc:cxnChg>
+        <pc:cxnChg chg="del">
+          <ac:chgData name="Fatima Pillosu" userId="a6295d4dc9e22643" providerId="LiveId" clId="{3117CC99-A8D8-4417-AA48-A79BC152B569}" dt="2020-11-29T16:41:15.590" v="93"/>
+          <ac:cxnSpMkLst>
+            <pc:docMk/>
+            <pc:sldMk cId="2243467327" sldId="256"/>
+            <ac:cxnSpMk id="38" creationId="{387FC92A-08B5-4D6C-B10F-7953FF9ED35B}"/>
+          </ac:cxnSpMkLst>
+        </pc:cxnChg>
+        <pc:cxnChg chg="del">
+          <ac:chgData name="Fatima Pillosu" userId="a6295d4dc9e22643" providerId="LiveId" clId="{3117CC99-A8D8-4417-AA48-A79BC152B569}" dt="2020-11-29T16:41:15.590" v="93"/>
+          <ac:cxnSpMkLst>
+            <pc:docMk/>
+            <pc:sldMk cId="2243467327" sldId="256"/>
+            <ac:cxnSpMk id="41" creationId="{B2F02324-9CD6-48AB-AA5B-7BD69EEB4A15}"/>
+          </ac:cxnSpMkLst>
+        </pc:cxnChg>
+        <pc:cxnChg chg="del">
+          <ac:chgData name="Fatima Pillosu" userId="a6295d4dc9e22643" providerId="LiveId" clId="{3117CC99-A8D8-4417-AA48-A79BC152B569}" dt="2020-11-29T16:41:15.590" v="93"/>
+          <ac:cxnSpMkLst>
+            <pc:docMk/>
+            <pc:sldMk cId="2243467327" sldId="256"/>
+            <ac:cxnSpMk id="42" creationId="{9E85480B-4491-473A-891A-330A4BC07281}"/>
+          </ac:cxnSpMkLst>
+        </pc:cxnChg>
+        <pc:cxnChg chg="del">
+          <ac:chgData name="Fatima Pillosu" userId="a6295d4dc9e22643" providerId="LiveId" clId="{3117CC99-A8D8-4417-AA48-A79BC152B569}" dt="2020-11-29T16:41:15.590" v="93"/>
+          <ac:cxnSpMkLst>
+            <pc:docMk/>
+            <pc:sldMk cId="2243467327" sldId="256"/>
+            <ac:cxnSpMk id="43" creationId="{365CF9F2-43F1-46C7-8663-C728121AFADD}"/>
+          </ac:cxnSpMkLst>
+        </pc:cxnChg>
+        <pc:cxnChg chg="del">
+          <ac:chgData name="Fatima Pillosu" userId="a6295d4dc9e22643" providerId="LiveId" clId="{3117CC99-A8D8-4417-AA48-A79BC152B569}" dt="2020-11-29T16:41:15.590" v="93"/>
+          <ac:cxnSpMkLst>
+            <pc:docMk/>
+            <pc:sldMk cId="2243467327" sldId="256"/>
+            <ac:cxnSpMk id="45" creationId="{436237BF-AC4B-4DA0-9418-88A3BF37DB32}"/>
+          </ac:cxnSpMkLst>
+        </pc:cxnChg>
+        <pc:cxnChg chg="del">
+          <ac:chgData name="Fatima Pillosu" userId="a6295d4dc9e22643" providerId="LiveId" clId="{3117CC99-A8D8-4417-AA48-A79BC152B569}" dt="2020-11-29T16:41:15.590" v="93"/>
+          <ac:cxnSpMkLst>
+            <pc:docMk/>
+            <pc:sldMk cId="2243467327" sldId="256"/>
+            <ac:cxnSpMk id="46" creationId="{97C928B1-B6B5-4E1A-A10A-EFAD40186F16}"/>
+          </ac:cxnSpMkLst>
+        </pc:cxnChg>
+        <pc:cxnChg chg="del">
+          <ac:chgData name="Fatima Pillosu" userId="a6295d4dc9e22643" providerId="LiveId" clId="{3117CC99-A8D8-4417-AA48-A79BC152B569}" dt="2020-11-29T16:41:15.590" v="93"/>
+          <ac:cxnSpMkLst>
+            <pc:docMk/>
+            <pc:sldMk cId="2243467327" sldId="256"/>
+            <ac:cxnSpMk id="48" creationId="{B755A4EC-14E4-48D3-8477-A133510A61B5}"/>
+          </ac:cxnSpMkLst>
+        </pc:cxnChg>
+        <pc:cxnChg chg="del">
+          <ac:chgData name="Fatima Pillosu" userId="a6295d4dc9e22643" providerId="LiveId" clId="{3117CC99-A8D8-4417-AA48-A79BC152B569}" dt="2020-11-29T16:41:15.590" v="93"/>
+          <ac:cxnSpMkLst>
+            <pc:docMk/>
+            <pc:sldMk cId="2243467327" sldId="256"/>
+            <ac:cxnSpMk id="57" creationId="{05D0D401-BBD2-455A-B08B-040A78C5E2B6}"/>
+          </ac:cxnSpMkLst>
+        </pc:cxnChg>
+        <pc:cxnChg chg="del">
+          <ac:chgData name="Fatima Pillosu" userId="a6295d4dc9e22643" providerId="LiveId" clId="{3117CC99-A8D8-4417-AA48-A79BC152B569}" dt="2020-11-29T16:41:15.590" v="93"/>
+          <ac:cxnSpMkLst>
+            <pc:docMk/>
+            <pc:sldMk cId="2243467327" sldId="256"/>
+            <ac:cxnSpMk id="62" creationId="{DC0006B8-975A-4CC1-AEE0-30243DC4926A}"/>
+          </ac:cxnSpMkLst>
+        </pc:cxnChg>
+        <pc:cxnChg chg="del">
+          <ac:chgData name="Fatima Pillosu" userId="a6295d4dc9e22643" providerId="LiveId" clId="{3117CC99-A8D8-4417-AA48-A79BC152B569}" dt="2020-11-29T16:41:15.590" v="93"/>
+          <ac:cxnSpMkLst>
+            <pc:docMk/>
+            <pc:sldMk cId="2243467327" sldId="256"/>
+            <ac:cxnSpMk id="64" creationId="{DA89D749-CE49-43D5-B3EC-2C01CF7A1B00}"/>
+          </ac:cxnSpMkLst>
+        </pc:cxnChg>
+        <pc:cxnChg chg="add mod">
+          <ac:chgData name="Fatima Pillosu" userId="a6295d4dc9e22643" providerId="LiveId" clId="{3117CC99-A8D8-4417-AA48-A79BC152B569}" dt="2020-11-29T16:42:05.185" v="108" actId="1037"/>
+          <ac:cxnSpMkLst>
+            <pc:docMk/>
+            <pc:sldMk cId="2243467327" sldId="256"/>
+            <ac:cxnSpMk id="67" creationId="{99992EAB-183A-4B5B-880E-F20F229CEDAC}"/>
+          </ac:cxnSpMkLst>
+        </pc:cxnChg>
+        <pc:cxnChg chg="add mod">
+          <ac:chgData name="Fatima Pillosu" userId="a6295d4dc9e22643" providerId="LiveId" clId="{3117CC99-A8D8-4417-AA48-A79BC152B569}" dt="2020-11-29T16:42:05.185" v="108" actId="1037"/>
+          <ac:cxnSpMkLst>
+            <pc:docMk/>
+            <pc:sldMk cId="2243467327" sldId="256"/>
+            <ac:cxnSpMk id="68" creationId="{68213B1E-006A-44A2-9676-FA6753FBA010}"/>
+          </ac:cxnSpMkLst>
+        </pc:cxnChg>
+        <pc:cxnChg chg="del">
+          <ac:chgData name="Fatima Pillosu" userId="a6295d4dc9e22643" providerId="LiveId" clId="{3117CC99-A8D8-4417-AA48-A79BC152B569}" dt="2020-11-29T16:41:15.590" v="93"/>
+          <ac:cxnSpMkLst>
+            <pc:docMk/>
+            <pc:sldMk cId="2243467327" sldId="256"/>
+            <ac:cxnSpMk id="73" creationId="{274A09F6-8DB0-47C9-BE59-A21477561DF2}"/>
+          </ac:cxnSpMkLst>
+        </pc:cxnChg>
+        <pc:cxnChg chg="add mod">
+          <ac:chgData name="Fatima Pillosu" userId="a6295d4dc9e22643" providerId="LiveId" clId="{3117CC99-A8D8-4417-AA48-A79BC152B569}" dt="2020-11-29T16:42:05.185" v="108" actId="1037"/>
+          <ac:cxnSpMkLst>
+            <pc:docMk/>
+            <pc:sldMk cId="2243467327" sldId="256"/>
+            <ac:cxnSpMk id="82" creationId="{34635302-AC61-4FF2-81DA-5C169FB6B8AF}"/>
+          </ac:cxnSpMkLst>
+        </pc:cxnChg>
+        <pc:cxnChg chg="add mod">
+          <ac:chgData name="Fatima Pillosu" userId="a6295d4dc9e22643" providerId="LiveId" clId="{3117CC99-A8D8-4417-AA48-A79BC152B569}" dt="2020-11-29T16:42:05.185" v="108" actId="1037"/>
+          <ac:cxnSpMkLst>
+            <pc:docMk/>
+            <pc:sldMk cId="2243467327" sldId="256"/>
+            <ac:cxnSpMk id="83" creationId="{71EA6C51-5FB6-4BB8-B37F-F4CB4B38F400}"/>
+          </ac:cxnSpMkLst>
+        </pc:cxnChg>
+        <pc:cxnChg chg="add mod">
+          <ac:chgData name="Fatima Pillosu" userId="a6295d4dc9e22643" providerId="LiveId" clId="{3117CC99-A8D8-4417-AA48-A79BC152B569}" dt="2020-11-29T16:42:05.185" v="108" actId="1037"/>
+          <ac:cxnSpMkLst>
+            <pc:docMk/>
+            <pc:sldMk cId="2243467327" sldId="256"/>
+            <ac:cxnSpMk id="84" creationId="{84B893C5-5D7D-482F-B39A-40784AB0B60B}"/>
+          </ac:cxnSpMkLst>
+        </pc:cxnChg>
+        <pc:cxnChg chg="add mod">
+          <ac:chgData name="Fatima Pillosu" userId="a6295d4dc9e22643" providerId="LiveId" clId="{3117CC99-A8D8-4417-AA48-A79BC152B569}" dt="2020-11-29T16:42:05.185" v="108" actId="1037"/>
+          <ac:cxnSpMkLst>
+            <pc:docMk/>
+            <pc:sldMk cId="2243467327" sldId="256"/>
+            <ac:cxnSpMk id="85" creationId="{C1C36D6E-F1DF-40F6-A99E-CFF6DD27FBED}"/>
+          </ac:cxnSpMkLst>
+        </pc:cxnChg>
+        <pc:cxnChg chg="add mod">
+          <ac:chgData name="Fatima Pillosu" userId="a6295d4dc9e22643" providerId="LiveId" clId="{3117CC99-A8D8-4417-AA48-A79BC152B569}" dt="2020-11-29T16:42:05.185" v="108" actId="1037"/>
+          <ac:cxnSpMkLst>
+            <pc:docMk/>
+            <pc:sldMk cId="2243467327" sldId="256"/>
+            <ac:cxnSpMk id="86" creationId="{6F69F8E6-B846-4DAF-9757-665F7C6C67C0}"/>
+          </ac:cxnSpMkLst>
+        </pc:cxnChg>
+        <pc:cxnChg chg="add mod">
+          <ac:chgData name="Fatima Pillosu" userId="a6295d4dc9e22643" providerId="LiveId" clId="{3117CC99-A8D8-4417-AA48-A79BC152B569}" dt="2020-11-29T16:42:05.185" v="108" actId="1037"/>
+          <ac:cxnSpMkLst>
+            <pc:docMk/>
+            <pc:sldMk cId="2243467327" sldId="256"/>
+            <ac:cxnSpMk id="88" creationId="{66A6D2BF-36F5-478C-B457-A74C1500FDA3}"/>
+          </ac:cxnSpMkLst>
+        </pc:cxnChg>
+        <pc:cxnChg chg="add mod">
+          <ac:chgData name="Fatima Pillosu" userId="a6295d4dc9e22643" providerId="LiveId" clId="{3117CC99-A8D8-4417-AA48-A79BC152B569}" dt="2020-11-29T16:42:05.185" v="108" actId="1037"/>
+          <ac:cxnSpMkLst>
+            <pc:docMk/>
+            <pc:sldMk cId="2243467327" sldId="256"/>
+            <ac:cxnSpMk id="94" creationId="{0745CABD-656F-4286-B069-FAACD85E165B}"/>
+          </ac:cxnSpMkLst>
+        </pc:cxnChg>
+        <pc:cxnChg chg="add mod">
+          <ac:chgData name="Fatima Pillosu" userId="a6295d4dc9e22643" providerId="LiveId" clId="{3117CC99-A8D8-4417-AA48-A79BC152B569}" dt="2020-11-29T16:42:05.185" v="108" actId="1037"/>
+          <ac:cxnSpMkLst>
+            <pc:docMk/>
+            <pc:sldMk cId="2243467327" sldId="256"/>
+            <ac:cxnSpMk id="99" creationId="{AC933E4E-2E7C-4A50-86F5-81ABF1047715}"/>
+          </ac:cxnSpMkLst>
+        </pc:cxnChg>
+        <pc:cxnChg chg="add mod">
+          <ac:chgData name="Fatima Pillosu" userId="a6295d4dc9e22643" providerId="LiveId" clId="{3117CC99-A8D8-4417-AA48-A79BC152B569}" dt="2020-11-29T16:42:05.185" v="108" actId="1037"/>
+          <ac:cxnSpMkLst>
+            <pc:docMk/>
+            <pc:sldMk cId="2243467327" sldId="256"/>
+            <ac:cxnSpMk id="101" creationId="{4DCF2A54-2CF7-4FFB-B3DB-4A9DBBE2F99B}"/>
+          </ac:cxnSpMkLst>
+        </pc:cxnChg>
+        <pc:cxnChg chg="add mod">
+          <ac:chgData name="Fatima Pillosu" userId="a6295d4dc9e22643" providerId="LiveId" clId="{3117CC99-A8D8-4417-AA48-A79BC152B569}" dt="2020-11-29T16:42:05.185" v="108" actId="1037"/>
+          <ac:cxnSpMkLst>
+            <pc:docMk/>
+            <pc:sldMk cId="2243467327" sldId="256"/>
+            <ac:cxnSpMk id="108" creationId="{FAF2D0B1-126D-4655-B05B-573D0DBCB3B9}"/>
+          </ac:cxnSpMkLst>
+        </pc:cxnChg>
+        <pc:cxnChg chg="add mod">
+          <ac:chgData name="Fatima Pillosu" userId="a6295d4dc9e22643" providerId="LiveId" clId="{3117CC99-A8D8-4417-AA48-A79BC152B569}" dt="2020-11-29T16:42:05.185" v="108" actId="1037"/>
+          <ac:cxnSpMkLst>
+            <pc:docMk/>
+            <pc:sldMk cId="2243467327" sldId="256"/>
+            <ac:cxnSpMk id="109" creationId="{4D63810A-FE6D-4286-BF33-695226F339BF}"/>
+          </ac:cxnSpMkLst>
+        </pc:cxnChg>
+        <pc:cxnChg chg="add mod">
+          <ac:chgData name="Fatima Pillosu" userId="a6295d4dc9e22643" providerId="LiveId" clId="{3117CC99-A8D8-4417-AA48-A79BC152B569}" dt="2020-11-29T16:43:39.594" v="120" actId="12788"/>
+          <ac:cxnSpMkLst>
+            <pc:docMk/>
+            <pc:sldMk cId="2243467327" sldId="256"/>
+            <ac:cxnSpMk id="111" creationId="{DD95A26B-945D-4BCB-8CF5-610C20F34ADE}"/>
+          </ac:cxnSpMkLst>
+        </pc:cxnChg>
+        <pc:cxnChg chg="add mod">
+          <ac:chgData name="Fatima Pillosu" userId="a6295d4dc9e22643" providerId="LiveId" clId="{3117CC99-A8D8-4417-AA48-A79BC152B569}" dt="2020-11-29T16:43:17.842" v="117" actId="12789"/>
+          <ac:cxnSpMkLst>
+            <pc:docMk/>
+            <pc:sldMk cId="2243467327" sldId="256"/>
+            <ac:cxnSpMk id="112" creationId="{BD0A5D20-0431-42D1-AF75-1EC6049FFE10}"/>
+          </ac:cxnSpMkLst>
+        </pc:cxnChg>
+      </pc:sldChg>
+      <pc:sldChg chg="add del setBg">
+        <pc:chgData name="Fatima Pillosu" userId="a6295d4dc9e22643" providerId="LiveId" clId="{3117CC99-A8D8-4417-AA48-A79BC152B569}" dt="2020-11-29T16:57:41.994" v="366" actId="2696"/>
+        <pc:sldMkLst>
+          <pc:docMk/>
+          <pc:sldMk cId="2252402608" sldId="258"/>
+        </pc:sldMkLst>
+      </pc:sldChg>
+      <pc:sldChg chg="addSp delSp modSp add del">
+        <pc:chgData name="Fatima Pillosu" userId="a6295d4dc9e22643" providerId="LiveId" clId="{3117CC99-A8D8-4417-AA48-A79BC152B569}" dt="2020-11-30T04:56:23.011" v="535" actId="2696"/>
+        <pc:sldMkLst>
+          <pc:docMk/>
+          <pc:sldMk cId="1084030898" sldId="259"/>
+        </pc:sldMkLst>
+        <pc:spChg chg="add del mod ord">
+          <ac:chgData name="Fatima Pillosu" userId="a6295d4dc9e22643" providerId="LiveId" clId="{3117CC99-A8D8-4417-AA48-A79BC152B569}" dt="2020-11-30T04:52:57.482" v="474"/>
+          <ac:spMkLst>
+            <pc:docMk/>
+            <pc:sldMk cId="1084030898" sldId="259"/>
+            <ac:spMk id="42" creationId="{ADE35BBF-A77A-4073-8429-9BA9DC3E2792}"/>
+          </ac:spMkLst>
+        </pc:spChg>
+        <pc:spChg chg="add del mod">
+          <ac:chgData name="Fatima Pillosu" userId="a6295d4dc9e22643" providerId="LiveId" clId="{3117CC99-A8D8-4417-AA48-A79BC152B569}" dt="2020-11-29T16:54:41.447" v="260" actId="478"/>
+          <ac:spMkLst>
+            <pc:docMk/>
+            <pc:sldMk cId="1084030898" sldId="259"/>
+            <ac:spMk id="44" creationId="{DE80BDD1-64E2-4941-9B64-48E95C0D7D26}"/>
+          </ac:spMkLst>
+        </pc:spChg>
+        <pc:spChg chg="add del mod">
+          <ac:chgData name="Fatima Pillosu" userId="a6295d4dc9e22643" providerId="LiveId" clId="{3117CC99-A8D8-4417-AA48-A79BC152B569}" dt="2020-11-30T04:52:57.482" v="474"/>
+          <ac:spMkLst>
+            <pc:docMk/>
+            <pc:sldMk cId="1084030898" sldId="259"/>
+            <ac:spMk id="45" creationId="{A419E91E-1461-4791-BEE8-67A74C146568}"/>
+          </ac:spMkLst>
+        </pc:spChg>
+        <pc:spChg chg="add del mod">
+          <ac:chgData name="Fatima Pillosu" userId="a6295d4dc9e22643" providerId="LiveId" clId="{3117CC99-A8D8-4417-AA48-A79BC152B569}" dt="2020-11-30T04:52:57.482" v="474"/>
+          <ac:spMkLst>
+            <pc:docMk/>
+            <pc:sldMk cId="1084030898" sldId="259"/>
+            <ac:spMk id="47" creationId="{3574EC46-1CA3-4449-8677-710D4DB1A3D4}"/>
+          </ac:spMkLst>
+        </pc:spChg>
+        <pc:spChg chg="add del mod">
+          <ac:chgData name="Fatima Pillosu" userId="a6295d4dc9e22643" providerId="LiveId" clId="{3117CC99-A8D8-4417-AA48-A79BC152B569}" dt="2020-11-30T04:52:57.482" v="474"/>
+          <ac:spMkLst>
+            <pc:docMk/>
+            <pc:sldMk cId="1084030898" sldId="259"/>
+            <ac:spMk id="48" creationId="{733E3F28-67F1-4F95-A59F-33CB01AE47A1}"/>
+          </ac:spMkLst>
+        </pc:spChg>
+        <pc:spChg chg="add del mod">
+          <ac:chgData name="Fatima Pillosu" userId="a6295d4dc9e22643" providerId="LiveId" clId="{3117CC99-A8D8-4417-AA48-A79BC152B569}" dt="2020-11-30T04:52:57.482" v="474"/>
+          <ac:spMkLst>
+            <pc:docMk/>
+            <pc:sldMk cId="1084030898" sldId="259"/>
+            <ac:spMk id="49" creationId="{BB4F86D7-A83D-4EEB-843E-F6AF59E8CDC2}"/>
+          </ac:spMkLst>
+        </pc:spChg>
+        <pc:spChg chg="add del mod">
+          <ac:chgData name="Fatima Pillosu" userId="a6295d4dc9e22643" providerId="LiveId" clId="{3117CC99-A8D8-4417-AA48-A79BC152B569}" dt="2020-11-30T04:52:57.482" v="474"/>
+          <ac:spMkLst>
+            <pc:docMk/>
+            <pc:sldMk cId="1084030898" sldId="259"/>
+            <ac:spMk id="50" creationId="{56E7F2E2-78EA-4DC4-A35C-5A3BB010C60B}"/>
+          </ac:spMkLst>
+        </pc:spChg>
+        <pc:spChg chg="add del mod">
+          <ac:chgData name="Fatima Pillosu" userId="a6295d4dc9e22643" providerId="LiveId" clId="{3117CC99-A8D8-4417-AA48-A79BC152B569}" dt="2020-11-30T04:52:57.482" v="474"/>
+          <ac:spMkLst>
+            <pc:docMk/>
+            <pc:sldMk cId="1084030898" sldId="259"/>
+            <ac:spMk id="51" creationId="{AD8D5E40-CAD1-47F6-A0B1-8EFD88B2FB53}"/>
+          </ac:spMkLst>
+        </pc:spChg>
+        <pc:spChg chg="add del">
+          <ac:chgData name="Fatima Pillosu" userId="a6295d4dc9e22643" providerId="LiveId" clId="{3117CC99-A8D8-4417-AA48-A79BC152B569}" dt="2020-11-30T04:52:57.482" v="474"/>
+          <ac:spMkLst>
+            <pc:docMk/>
+            <pc:sldMk cId="1084030898" sldId="259"/>
+            <ac:spMk id="66" creationId="{A7060780-3292-4BA0-B889-1E173A017B39}"/>
+          </ac:spMkLst>
+        </pc:spChg>
+        <pc:spChg chg="add del mod">
+          <ac:chgData name="Fatima Pillosu" userId="a6295d4dc9e22643" providerId="LiveId" clId="{3117CC99-A8D8-4417-AA48-A79BC152B569}" dt="2020-11-30T04:52:57.482" v="474"/>
+          <ac:spMkLst>
+            <pc:docMk/>
+            <pc:sldMk cId="1084030898" sldId="259"/>
+            <ac:spMk id="74" creationId="{214C5511-25D9-4404-9FE8-CEC0BE1CBF65}"/>
+          </ac:spMkLst>
+        </pc:spChg>
+        <pc:spChg chg="add del mod">
+          <ac:chgData name="Fatima Pillosu" userId="a6295d4dc9e22643" providerId="LiveId" clId="{3117CC99-A8D8-4417-AA48-A79BC152B569}" dt="2020-11-30T04:52:57.482" v="474"/>
+          <ac:spMkLst>
+            <pc:docMk/>
+            <pc:sldMk cId="1084030898" sldId="259"/>
+            <ac:spMk id="76" creationId="{F2991844-6F8D-4F0D-83E0-01251304CE45}"/>
+          </ac:spMkLst>
+        </pc:spChg>
+        <pc:spChg chg="add del mod">
+          <ac:chgData name="Fatima Pillosu" userId="a6295d4dc9e22643" providerId="LiveId" clId="{3117CC99-A8D8-4417-AA48-A79BC152B569}" dt="2020-11-30T04:52:57.482" v="474"/>
+          <ac:spMkLst>
+            <pc:docMk/>
+            <pc:sldMk cId="1084030898" sldId="259"/>
+            <ac:spMk id="81" creationId="{EE517793-C2AA-445E-A4EE-622AF9168443}"/>
+          </ac:spMkLst>
+        </pc:spChg>
+        <pc:spChg chg="add del">
+          <ac:chgData name="Fatima Pillosu" userId="a6295d4dc9e22643" providerId="LiveId" clId="{3117CC99-A8D8-4417-AA48-A79BC152B569}" dt="2020-11-30T04:52:57.482" v="474"/>
+          <ac:spMkLst>
+            <pc:docMk/>
+            <pc:sldMk cId="1084030898" sldId="259"/>
+            <ac:spMk id="87" creationId="{9CDA5377-5B18-4850-A4A6-2C8155DFFB4F}"/>
+          </ac:spMkLst>
+        </pc:spChg>
+        <pc:spChg chg="add del">
+          <ac:chgData name="Fatima Pillosu" userId="a6295d4dc9e22643" providerId="LiveId" clId="{3117CC99-A8D8-4417-AA48-A79BC152B569}" dt="2020-11-30T04:52:57.482" v="474"/>
+          <ac:spMkLst>
+            <pc:docMk/>
+            <pc:sldMk cId="1084030898" sldId="259"/>
+            <ac:spMk id="89" creationId="{51D4AE4E-206C-493B-9947-456342677F17}"/>
+          </ac:spMkLst>
+        </pc:spChg>
+        <pc:spChg chg="add del">
+          <ac:chgData name="Fatima Pillosu" userId="a6295d4dc9e22643" providerId="LiveId" clId="{3117CC99-A8D8-4417-AA48-A79BC152B569}" dt="2020-11-30T04:52:57.482" v="474"/>
+          <ac:spMkLst>
+            <pc:docMk/>
+            <pc:sldMk cId="1084030898" sldId="259"/>
+            <ac:spMk id="90" creationId="{3BF74A70-A12E-4A05-8201-6DFB7990D8A6}"/>
+          </ac:spMkLst>
+        </pc:spChg>
+        <pc:spChg chg="add del">
+          <ac:chgData name="Fatima Pillosu" userId="a6295d4dc9e22643" providerId="LiveId" clId="{3117CC99-A8D8-4417-AA48-A79BC152B569}" dt="2020-11-30T04:52:57.482" v="474"/>
+          <ac:spMkLst>
+            <pc:docMk/>
+            <pc:sldMk cId="1084030898" sldId="259"/>
+            <ac:spMk id="91" creationId="{0394A57A-F7C2-4280-84AC-05834808BB8E}"/>
+          </ac:spMkLst>
+        </pc:spChg>
+        <pc:spChg chg="add del">
+          <ac:chgData name="Fatima Pillosu" userId="a6295d4dc9e22643" providerId="LiveId" clId="{3117CC99-A8D8-4417-AA48-A79BC152B569}" dt="2020-11-30T04:52:57.482" v="474"/>
+          <ac:spMkLst>
+            <pc:docMk/>
+            <pc:sldMk cId="1084030898" sldId="259"/>
+            <ac:spMk id="92" creationId="{01009F44-2B77-4932-ADF4-BAA9893459F1}"/>
+          </ac:spMkLst>
+        </pc:spChg>
+        <pc:spChg chg="add del">
+          <ac:chgData name="Fatima Pillosu" userId="a6295d4dc9e22643" providerId="LiveId" clId="{3117CC99-A8D8-4417-AA48-A79BC152B569}" dt="2020-11-30T04:52:57.482" v="474"/>
+          <ac:spMkLst>
+            <pc:docMk/>
+            <pc:sldMk cId="1084030898" sldId="259"/>
+            <ac:spMk id="93" creationId="{7E68E64C-8FD7-49F4-BF6D-8136999E4024}"/>
+          </ac:spMkLst>
+        </pc:spChg>
+        <pc:spChg chg="add del">
+          <ac:chgData name="Fatima Pillosu" userId="a6295d4dc9e22643" providerId="LiveId" clId="{3117CC99-A8D8-4417-AA48-A79BC152B569}" dt="2020-11-30T04:52:57.482" v="474"/>
+          <ac:spMkLst>
+            <pc:docMk/>
+            <pc:sldMk cId="1084030898" sldId="259"/>
+            <ac:spMk id="95" creationId="{D47C8978-E72E-4671-865F-9B05973741DB}"/>
+          </ac:spMkLst>
+        </pc:spChg>
+        <pc:spChg chg="add del">
+          <ac:chgData name="Fatima Pillosu" userId="a6295d4dc9e22643" providerId="LiveId" clId="{3117CC99-A8D8-4417-AA48-A79BC152B569}" dt="2020-11-30T04:52:57.482" v="474"/>
+          <ac:spMkLst>
+            <pc:docMk/>
+            <pc:sldMk cId="1084030898" sldId="259"/>
+            <ac:spMk id="96" creationId="{38A4EFDE-B3BA-4409-B79A-48484F0A7853}"/>
+          </ac:spMkLst>
+        </pc:spChg>
+        <pc:spChg chg="add del">
+          <ac:chgData name="Fatima Pillosu" userId="a6295d4dc9e22643" providerId="LiveId" clId="{3117CC99-A8D8-4417-AA48-A79BC152B569}" dt="2020-11-30T04:52:57.482" v="474"/>
+          <ac:spMkLst>
+            <pc:docMk/>
+            <pc:sldMk cId="1084030898" sldId="259"/>
+            <ac:spMk id="97" creationId="{D83C6F27-E4AE-4BAA-B90D-6222FDDA7AD8}"/>
+          </ac:spMkLst>
+        </pc:spChg>
+        <pc:spChg chg="add del">
+          <ac:chgData name="Fatima Pillosu" userId="a6295d4dc9e22643" providerId="LiveId" clId="{3117CC99-A8D8-4417-AA48-A79BC152B569}" dt="2020-11-30T04:52:57.482" v="474"/>
+          <ac:spMkLst>
+            <pc:docMk/>
+            <pc:sldMk cId="1084030898" sldId="259"/>
+            <ac:spMk id="98" creationId="{936F6041-900D-4271-AE13-E16F5C15A6A7}"/>
+          </ac:spMkLst>
+        </pc:spChg>
+        <pc:spChg chg="add del mod">
+          <ac:chgData name="Fatima Pillosu" userId="a6295d4dc9e22643" providerId="LiveId" clId="{3117CC99-A8D8-4417-AA48-A79BC152B569}" dt="2020-11-30T04:52:57.482" v="474"/>
+          <ac:spMkLst>
+            <pc:docMk/>
+            <pc:sldMk cId="1084030898" sldId="259"/>
+            <ac:spMk id="100" creationId="{7F6416D9-6CA1-443D-8728-E5CC1406B847}"/>
+          </ac:spMkLst>
+        </pc:spChg>
+        <pc:spChg chg="add del">
+          <ac:chgData name="Fatima Pillosu" userId="a6295d4dc9e22643" providerId="LiveId" clId="{3117CC99-A8D8-4417-AA48-A79BC152B569}" dt="2020-11-30T04:52:57.482" v="474"/>
+          <ac:spMkLst>
+            <pc:docMk/>
+            <pc:sldMk cId="1084030898" sldId="259"/>
+            <ac:spMk id="102" creationId="{03552800-31B2-4355-8BED-25CC341EB832}"/>
+          </ac:spMkLst>
+        </pc:spChg>
+        <pc:spChg chg="add del">
+          <ac:chgData name="Fatima Pillosu" userId="a6295d4dc9e22643" providerId="LiveId" clId="{3117CC99-A8D8-4417-AA48-A79BC152B569}" dt="2020-11-30T04:52:57.482" v="474"/>
+          <ac:spMkLst>
+            <pc:docMk/>
+            <pc:sldMk cId="1084030898" sldId="259"/>
+            <ac:spMk id="103" creationId="{6F89BBE2-BADD-41BB-AF0D-620077D41663}"/>
+          </ac:spMkLst>
+        </pc:spChg>
+        <pc:spChg chg="add del mod">
+          <ac:chgData name="Fatima Pillosu" userId="a6295d4dc9e22643" providerId="LiveId" clId="{3117CC99-A8D8-4417-AA48-A79BC152B569}" dt="2020-11-30T04:52:57.482" v="474"/>
+          <ac:spMkLst>
+            <pc:docMk/>
+            <pc:sldMk cId="1084030898" sldId="259"/>
+            <ac:spMk id="104" creationId="{EF662C49-FADC-4F90-8AD1-52B241FE6D7A}"/>
+          </ac:spMkLst>
+        </pc:spChg>
+        <pc:spChg chg="add del mod">
+          <ac:chgData name="Fatima Pillosu" userId="a6295d4dc9e22643" providerId="LiveId" clId="{3117CC99-A8D8-4417-AA48-A79BC152B569}" dt="2020-11-30T04:52:57.482" v="474"/>
+          <ac:spMkLst>
+            <pc:docMk/>
+            <pc:sldMk cId="1084030898" sldId="259"/>
+            <ac:spMk id="105" creationId="{54BF21AC-EA5A-413F-AB70-7A5E3A21BA2E}"/>
+          </ac:spMkLst>
+        </pc:spChg>
+        <pc:spChg chg="add del mod">
+          <ac:chgData name="Fatima Pillosu" userId="a6295d4dc9e22643" providerId="LiveId" clId="{3117CC99-A8D8-4417-AA48-A79BC152B569}" dt="2020-11-30T04:52:57.482" v="474"/>
+          <ac:spMkLst>
+            <pc:docMk/>
+            <pc:sldMk cId="1084030898" sldId="259"/>
+            <ac:spMk id="106" creationId="{B635FCCB-8F73-444C-9CA7-A81128DB4419}"/>
+          </ac:spMkLst>
+        </pc:spChg>
+        <pc:spChg chg="add del">
+          <ac:chgData name="Fatima Pillosu" userId="a6295d4dc9e22643" providerId="LiveId" clId="{3117CC99-A8D8-4417-AA48-A79BC152B569}" dt="2020-11-30T04:52:57.482" v="474"/>
+          <ac:spMkLst>
+            <pc:docMk/>
+            <pc:sldMk cId="1084030898" sldId="259"/>
+            <ac:spMk id="107" creationId="{BAE69251-066F-450B-9462-0DF8320275CC}"/>
+          </ac:spMkLst>
+        </pc:spChg>
+        <pc:spChg chg="add del mod">
+          <ac:chgData name="Fatima Pillosu" userId="a6295d4dc9e22643" providerId="LiveId" clId="{3117CC99-A8D8-4417-AA48-A79BC152B569}" dt="2020-11-30T04:52:57.482" v="474"/>
+          <ac:spMkLst>
+            <pc:docMk/>
+            <pc:sldMk cId="1084030898" sldId="259"/>
+            <ac:spMk id="110" creationId="{805C3AE3-DFF0-4ACE-BB9E-B3D8E1ABF80F}"/>
+          </ac:spMkLst>
+        </pc:spChg>
+        <pc:spChg chg="add del">
+          <ac:chgData name="Fatima Pillosu" userId="a6295d4dc9e22643" providerId="LiveId" clId="{3117CC99-A8D8-4417-AA48-A79BC152B569}" dt="2020-11-30T04:52:57.482" v="474"/>
+          <ac:spMkLst>
+            <pc:docMk/>
+            <pc:sldMk cId="1084030898" sldId="259"/>
+            <ac:spMk id="113" creationId="{41E3F5C2-C911-4D23-9647-B831353AD7D9}"/>
+          </ac:spMkLst>
+        </pc:spChg>
+        <pc:spChg chg="add del">
+          <ac:chgData name="Fatima Pillosu" userId="a6295d4dc9e22643" providerId="LiveId" clId="{3117CC99-A8D8-4417-AA48-A79BC152B569}" dt="2020-11-30T04:52:57.482" v="474"/>
+          <ac:spMkLst>
+            <pc:docMk/>
+            <pc:sldMk cId="1084030898" sldId="259"/>
+            <ac:spMk id="114" creationId="{348747D9-A062-46AE-90BB-9E9E03200637}"/>
+          </ac:spMkLst>
+        </pc:spChg>
+        <pc:spChg chg="add del">
+          <ac:chgData name="Fatima Pillosu" userId="a6295d4dc9e22643" providerId="LiveId" clId="{3117CC99-A8D8-4417-AA48-A79BC152B569}" dt="2020-11-30T04:52:57.482" v="474"/>
+          <ac:spMkLst>
+            <pc:docMk/>
+            <pc:sldMk cId="1084030898" sldId="259"/>
+            <ac:spMk id="115" creationId="{B6191718-1E2B-43D7-BD38-AA269AF919C3}"/>
+          </ac:spMkLst>
+        </pc:spChg>
+        <pc:spChg chg="add del">
+          <ac:chgData name="Fatima Pillosu" userId="a6295d4dc9e22643" providerId="LiveId" clId="{3117CC99-A8D8-4417-AA48-A79BC152B569}" dt="2020-11-30T04:52:57.482" v="474"/>
+          <ac:spMkLst>
+            <pc:docMk/>
+            <pc:sldMk cId="1084030898" sldId="259"/>
+            <ac:spMk id="116" creationId="{C6750137-2D84-4A60-8CFC-9F4C67172694}"/>
+          </ac:spMkLst>
+        </pc:spChg>
+        <pc:spChg chg="add mod">
+          <ac:chgData name="Fatima Pillosu" userId="a6295d4dc9e22643" providerId="LiveId" clId="{3117CC99-A8D8-4417-AA48-A79BC152B569}" dt="2020-11-30T04:54:11.758" v="518" actId="1035"/>
+          <ac:spMkLst>
+            <pc:docMk/>
+            <pc:sldMk cId="1084030898" sldId="259"/>
+            <ac:spMk id="117" creationId="{D1C31FDC-53F8-4E0A-BD1F-75754661FE84}"/>
+          </ac:spMkLst>
+        </pc:spChg>
+        <pc:spChg chg="add mod">
+          <ac:chgData name="Fatima Pillosu" userId="a6295d4dc9e22643" providerId="LiveId" clId="{3117CC99-A8D8-4417-AA48-A79BC152B569}" dt="2020-11-30T04:54:11.758" v="518" actId="1035"/>
+          <ac:spMkLst>
+            <pc:docMk/>
+            <pc:sldMk cId="1084030898" sldId="259"/>
+            <ac:spMk id="118" creationId="{D7EAF5BE-3802-4486-9696-E36FD0802E70}"/>
+          </ac:spMkLst>
+        </pc:spChg>
+        <pc:spChg chg="add mod">
+          <ac:chgData name="Fatima Pillosu" userId="a6295d4dc9e22643" providerId="LiveId" clId="{3117CC99-A8D8-4417-AA48-A79BC152B569}" dt="2020-11-30T04:54:11.758" v="518" actId="1035"/>
+          <ac:spMkLst>
+            <pc:docMk/>
+            <pc:sldMk cId="1084030898" sldId="259"/>
+            <ac:spMk id="121" creationId="{77D43699-6543-4F2F-B211-E711B179F19E}"/>
+          </ac:spMkLst>
+        </pc:spChg>
+        <pc:spChg chg="add mod">
+          <ac:chgData name="Fatima Pillosu" userId="a6295d4dc9e22643" providerId="LiveId" clId="{3117CC99-A8D8-4417-AA48-A79BC152B569}" dt="2020-11-30T04:54:11.758" v="518" actId="1035"/>
+          <ac:spMkLst>
+            <pc:docMk/>
+            <pc:sldMk cId="1084030898" sldId="259"/>
+            <ac:spMk id="122" creationId="{FC88BF95-950A-4784-99DA-2FF069E0EC95}"/>
+          </ac:spMkLst>
+        </pc:spChg>
+        <pc:spChg chg="add mod">
+          <ac:chgData name="Fatima Pillosu" userId="a6295d4dc9e22643" providerId="LiveId" clId="{3117CC99-A8D8-4417-AA48-A79BC152B569}" dt="2020-11-30T04:54:11.758" v="518" actId="1035"/>
+          <ac:spMkLst>
+            <pc:docMk/>
+            <pc:sldMk cId="1084030898" sldId="259"/>
+            <ac:spMk id="128" creationId="{E9D1C55F-474A-4F86-BD32-F566AF11B2E4}"/>
+          </ac:spMkLst>
+        </pc:spChg>
+        <pc:spChg chg="add mod">
+          <ac:chgData name="Fatima Pillosu" userId="a6295d4dc9e22643" providerId="LiveId" clId="{3117CC99-A8D8-4417-AA48-A79BC152B569}" dt="2020-11-30T04:54:11.758" v="518" actId="1035"/>
+          <ac:spMkLst>
+            <pc:docMk/>
+            <pc:sldMk cId="1084030898" sldId="259"/>
+            <ac:spMk id="130" creationId="{40DDE356-114C-4C18-8373-1D58F3D01A2D}"/>
+          </ac:spMkLst>
+        </pc:spChg>
+        <pc:spChg chg="add mod">
+          <ac:chgData name="Fatima Pillosu" userId="a6295d4dc9e22643" providerId="LiveId" clId="{3117CC99-A8D8-4417-AA48-A79BC152B569}" dt="2020-11-30T04:54:11.758" v="518" actId="1035"/>
+          <ac:spMkLst>
+            <pc:docMk/>
+            <pc:sldMk cId="1084030898" sldId="259"/>
+            <ac:spMk id="131" creationId="{01993258-2D42-4049-B8E5-B4676345BECD}"/>
+          </ac:spMkLst>
+        </pc:spChg>
+        <pc:spChg chg="add mod">
+          <ac:chgData name="Fatima Pillosu" userId="a6295d4dc9e22643" providerId="LiveId" clId="{3117CC99-A8D8-4417-AA48-A79BC152B569}" dt="2020-11-30T04:54:11.758" v="518" actId="1035"/>
+          <ac:spMkLst>
+            <pc:docMk/>
+            <pc:sldMk cId="1084030898" sldId="259"/>
+            <ac:spMk id="132" creationId="{09391332-6AFD-4497-9962-73BABE8C7493}"/>
+          </ac:spMkLst>
+        </pc:spChg>
+        <pc:spChg chg="add mod">
+          <ac:chgData name="Fatima Pillosu" userId="a6295d4dc9e22643" providerId="LiveId" clId="{3117CC99-A8D8-4417-AA48-A79BC152B569}" dt="2020-11-30T04:54:11.758" v="518" actId="1035"/>
+          <ac:spMkLst>
+            <pc:docMk/>
+            <pc:sldMk cId="1084030898" sldId="259"/>
+            <ac:spMk id="133" creationId="{6D7E80E1-D66E-45F3-8948-EDFDAB64E7FB}"/>
+          </ac:spMkLst>
+        </pc:spChg>
+        <pc:spChg chg="add mod">
+          <ac:chgData name="Fatima Pillosu" userId="a6295d4dc9e22643" providerId="LiveId" clId="{3117CC99-A8D8-4417-AA48-A79BC152B569}" dt="2020-11-30T04:54:11.758" v="518" actId="1035"/>
+          <ac:spMkLst>
+            <pc:docMk/>
+            <pc:sldMk cId="1084030898" sldId="259"/>
+            <ac:spMk id="134" creationId="{DA35C2FB-9256-4E91-8D07-E37F38CF4089}"/>
+          </ac:spMkLst>
+        </pc:spChg>
+        <pc:spChg chg="add mod">
+          <ac:chgData name="Fatima Pillosu" userId="a6295d4dc9e22643" providerId="LiveId" clId="{3117CC99-A8D8-4417-AA48-A79BC152B569}" dt="2020-11-30T04:54:11.758" v="518" actId="1035"/>
+          <ac:spMkLst>
+            <pc:docMk/>
+            <pc:sldMk cId="1084030898" sldId="259"/>
+            <ac:spMk id="136" creationId="{DD2344AC-16F0-452B-B21A-739B2EC85ECD}"/>
+          </ac:spMkLst>
+        </pc:spChg>
+        <pc:spChg chg="add mod">
+          <ac:chgData name="Fatima Pillosu" userId="a6295d4dc9e22643" providerId="LiveId" clId="{3117CC99-A8D8-4417-AA48-A79BC152B569}" dt="2020-11-30T04:54:11.758" v="518" actId="1035"/>
+          <ac:spMkLst>
+            <pc:docMk/>
+            <pc:sldMk cId="1084030898" sldId="259"/>
+            <ac:spMk id="137" creationId="{57E3D636-4F49-4F9A-B8DA-BE2E8FCAB48D}"/>
+          </ac:spMkLst>
+        </pc:spChg>
+        <pc:spChg chg="add mod">
+          <ac:chgData name="Fatima Pillosu" userId="a6295d4dc9e22643" providerId="LiveId" clId="{3117CC99-A8D8-4417-AA48-A79BC152B569}" dt="2020-11-30T04:54:11.758" v="518" actId="1035"/>
+          <ac:spMkLst>
+            <pc:docMk/>
+            <pc:sldMk cId="1084030898" sldId="259"/>
+            <ac:spMk id="138" creationId="{C686689D-00B3-4CD4-8EED-584D50ECC5DC}"/>
+          </ac:spMkLst>
+        </pc:spChg>
+        <pc:spChg chg="add mod">
+          <ac:chgData name="Fatima Pillosu" userId="a6295d4dc9e22643" providerId="LiveId" clId="{3117CC99-A8D8-4417-AA48-A79BC152B569}" dt="2020-11-30T04:54:11.758" v="518" actId="1035"/>
+          <ac:spMkLst>
+            <pc:docMk/>
+            <pc:sldMk cId="1084030898" sldId="259"/>
+            <ac:spMk id="139" creationId="{C45905E5-C1AD-46E6-81F6-D8CBA15ADC71}"/>
+          </ac:spMkLst>
+        </pc:spChg>
+        <pc:spChg chg="add mod">
+          <ac:chgData name="Fatima Pillosu" userId="a6295d4dc9e22643" providerId="LiveId" clId="{3117CC99-A8D8-4417-AA48-A79BC152B569}" dt="2020-11-30T04:54:11.758" v="518" actId="1035"/>
+          <ac:spMkLst>
+            <pc:docMk/>
+            <pc:sldMk cId="1084030898" sldId="259"/>
+            <ac:spMk id="141" creationId="{C8690B1B-7EB6-477F-8A08-9BB2F7F2C5A6}"/>
+          </ac:spMkLst>
+        </pc:spChg>
+        <pc:spChg chg="add mod">
+          <ac:chgData name="Fatima Pillosu" userId="a6295d4dc9e22643" providerId="LiveId" clId="{3117CC99-A8D8-4417-AA48-A79BC152B569}" dt="2020-11-30T04:54:11.758" v="518" actId="1035"/>
+          <ac:spMkLst>
+            <pc:docMk/>
+            <pc:sldMk cId="1084030898" sldId="259"/>
+            <ac:spMk id="143" creationId="{A9374C4D-6BDD-4CA1-BC53-08C2E7056D5D}"/>
+          </ac:spMkLst>
+        </pc:spChg>
+        <pc:spChg chg="add mod">
+          <ac:chgData name="Fatima Pillosu" userId="a6295d4dc9e22643" providerId="LiveId" clId="{3117CC99-A8D8-4417-AA48-A79BC152B569}" dt="2020-11-30T04:54:11.758" v="518" actId="1035"/>
+          <ac:spMkLst>
+            <pc:docMk/>
+            <pc:sldMk cId="1084030898" sldId="259"/>
+            <ac:spMk id="144" creationId="{519FF198-B9AD-457F-93BE-E6DD47B03BCE}"/>
+          </ac:spMkLst>
+        </pc:spChg>
+        <pc:spChg chg="add mod">
+          <ac:chgData name="Fatima Pillosu" userId="a6295d4dc9e22643" providerId="LiveId" clId="{3117CC99-A8D8-4417-AA48-A79BC152B569}" dt="2020-11-30T04:54:11.758" v="518" actId="1035"/>
+          <ac:spMkLst>
+            <pc:docMk/>
+            <pc:sldMk cId="1084030898" sldId="259"/>
+            <ac:spMk id="145" creationId="{CE4CDC11-0D92-4D7C-9AAE-9F58AFAF2C2E}"/>
+          </ac:spMkLst>
+        </pc:spChg>
+        <pc:spChg chg="add mod">
+          <ac:chgData name="Fatima Pillosu" userId="a6295d4dc9e22643" providerId="LiveId" clId="{3117CC99-A8D8-4417-AA48-A79BC152B569}" dt="2020-11-30T04:54:11.758" v="518" actId="1035"/>
+          <ac:spMkLst>
+            <pc:docMk/>
+            <pc:sldMk cId="1084030898" sldId="259"/>
+            <ac:spMk id="146" creationId="{51B8912C-76F7-4001-8A6F-963913AAF60B}"/>
+          </ac:spMkLst>
+        </pc:spChg>
+        <pc:spChg chg="add mod">
+          <ac:chgData name="Fatima Pillosu" userId="a6295d4dc9e22643" providerId="LiveId" clId="{3117CC99-A8D8-4417-AA48-A79BC152B569}" dt="2020-11-30T04:54:11.758" v="518" actId="1035"/>
+          <ac:spMkLst>
+            <pc:docMk/>
+            <pc:sldMk cId="1084030898" sldId="259"/>
+            <ac:spMk id="147" creationId="{6C40F420-1A80-43F7-8237-E469B4ECB1DE}"/>
+          </ac:spMkLst>
+        </pc:spChg>
+        <pc:spChg chg="add mod">
+          <ac:chgData name="Fatima Pillosu" userId="a6295d4dc9e22643" providerId="LiveId" clId="{3117CC99-A8D8-4417-AA48-A79BC152B569}" dt="2020-11-30T04:54:11.758" v="518" actId="1035"/>
+          <ac:spMkLst>
+            <pc:docMk/>
+            <pc:sldMk cId="1084030898" sldId="259"/>
+            <ac:spMk id="148" creationId="{476866D5-1329-411B-8E00-6054BCDBB4BE}"/>
+          </ac:spMkLst>
+        </pc:spChg>
+        <pc:spChg chg="add mod">
+          <ac:chgData name="Fatima Pillosu" userId="a6295d4dc9e22643" providerId="LiveId" clId="{3117CC99-A8D8-4417-AA48-A79BC152B569}" dt="2020-11-30T04:54:11.758" v="518" actId="1035"/>
+          <ac:spMkLst>
+            <pc:docMk/>
+            <pc:sldMk cId="1084030898" sldId="259"/>
+            <ac:spMk id="151" creationId="{15FADE80-A39C-4E9F-85C7-24A19456D068}"/>
+          </ac:spMkLst>
+        </pc:spChg>
+        <pc:spChg chg="add mod">
+          <ac:chgData name="Fatima Pillosu" userId="a6295d4dc9e22643" providerId="LiveId" clId="{3117CC99-A8D8-4417-AA48-A79BC152B569}" dt="2020-11-30T04:54:11.758" v="518" actId="1035"/>
+          <ac:spMkLst>
+            <pc:docMk/>
+            <pc:sldMk cId="1084030898" sldId="259"/>
+            <ac:spMk id="154" creationId="{B116ED5D-3418-478C-A80B-3C79FA5EA377}"/>
+          </ac:spMkLst>
+        </pc:spChg>
+        <pc:spChg chg="add mod">
+          <ac:chgData name="Fatima Pillosu" userId="a6295d4dc9e22643" providerId="LiveId" clId="{3117CC99-A8D8-4417-AA48-A79BC152B569}" dt="2020-11-30T04:54:11.758" v="518" actId="1035"/>
+          <ac:spMkLst>
+            <pc:docMk/>
+            <pc:sldMk cId="1084030898" sldId="259"/>
+            <ac:spMk id="155" creationId="{CE64A30D-C032-40AE-A77E-F0CC31E36A5E}"/>
+          </ac:spMkLst>
+        </pc:spChg>
+        <pc:spChg chg="add mod">
+          <ac:chgData name="Fatima Pillosu" userId="a6295d4dc9e22643" providerId="LiveId" clId="{3117CC99-A8D8-4417-AA48-A79BC152B569}" dt="2020-11-30T04:54:11.758" v="518" actId="1035"/>
+          <ac:spMkLst>
+            <pc:docMk/>
+            <pc:sldMk cId="1084030898" sldId="259"/>
+            <ac:spMk id="156" creationId="{A1953EBF-74B3-45CF-8FFB-F2311C2027A3}"/>
+          </ac:spMkLst>
+        </pc:spChg>
+        <pc:spChg chg="add mod">
+          <ac:chgData name="Fatima Pillosu" userId="a6295d4dc9e22643" providerId="LiveId" clId="{3117CC99-A8D8-4417-AA48-A79BC152B569}" dt="2020-11-30T04:54:11.758" v="518" actId="1035"/>
+          <ac:spMkLst>
+            <pc:docMk/>
+            <pc:sldMk cId="1084030898" sldId="259"/>
+            <ac:spMk id="157" creationId="{8B743732-842B-4E6A-9ABE-4D7766E04B16}"/>
+          </ac:spMkLst>
+        </pc:spChg>
+        <pc:spChg chg="add mod">
+          <ac:chgData name="Fatima Pillosu" userId="a6295d4dc9e22643" providerId="LiveId" clId="{3117CC99-A8D8-4417-AA48-A79BC152B569}" dt="2020-11-30T04:54:11.758" v="518" actId="1035"/>
+          <ac:spMkLst>
+            <pc:docMk/>
+            <pc:sldMk cId="1084030898" sldId="259"/>
+            <ac:spMk id="158" creationId="{B3B723C9-4F75-4C9D-A6B4-03B3C3059697}"/>
+          </ac:spMkLst>
+        </pc:spChg>
+        <pc:spChg chg="add mod">
+          <ac:chgData name="Fatima Pillosu" userId="a6295d4dc9e22643" providerId="LiveId" clId="{3117CC99-A8D8-4417-AA48-A79BC152B569}" dt="2020-11-30T04:54:11.758" v="518" actId="1035"/>
+          <ac:spMkLst>
+            <pc:docMk/>
+            <pc:sldMk cId="1084030898" sldId="259"/>
+            <ac:spMk id="160" creationId="{76F0BFA6-50E1-4DD5-9533-3196A2E398D5}"/>
+          </ac:spMkLst>
+        </pc:spChg>
+        <pc:spChg chg="add mod">
+          <ac:chgData name="Fatima Pillosu" userId="a6295d4dc9e22643" providerId="LiveId" clId="{3117CC99-A8D8-4417-AA48-A79BC152B569}" dt="2020-11-30T04:54:11.758" v="518" actId="1035"/>
+          <ac:spMkLst>
+            <pc:docMk/>
+            <pc:sldMk cId="1084030898" sldId="259"/>
+            <ac:spMk id="161" creationId="{4851B2E3-A735-458C-AD34-86837021656B}"/>
+          </ac:spMkLst>
+        </pc:spChg>
+        <pc:spChg chg="add mod">
+          <ac:chgData name="Fatima Pillosu" userId="a6295d4dc9e22643" providerId="LiveId" clId="{3117CC99-A8D8-4417-AA48-A79BC152B569}" dt="2020-11-30T04:54:11.758" v="518" actId="1035"/>
+          <ac:spMkLst>
+            <pc:docMk/>
+            <pc:sldMk cId="1084030898" sldId="259"/>
+            <ac:spMk id="162" creationId="{31FDEF19-37DD-4615-BCE2-9D54DFAC4CE5}"/>
+          </ac:spMkLst>
+        </pc:spChg>
+        <pc:spChg chg="add mod">
+          <ac:chgData name="Fatima Pillosu" userId="a6295d4dc9e22643" providerId="LiveId" clId="{3117CC99-A8D8-4417-AA48-A79BC152B569}" dt="2020-11-30T04:54:11.758" v="518" actId="1035"/>
+          <ac:spMkLst>
+            <pc:docMk/>
+            <pc:sldMk cId="1084030898" sldId="259"/>
+            <ac:spMk id="163" creationId="{6D4AA04D-1BA2-4E1B-8945-B0CC772F620A}"/>
+          </ac:spMkLst>
+        </pc:spChg>
+        <pc:spChg chg="add mod">
+          <ac:chgData name="Fatima Pillosu" userId="a6295d4dc9e22643" providerId="LiveId" clId="{3117CC99-A8D8-4417-AA48-A79BC152B569}" dt="2020-11-30T04:54:11.758" v="518" actId="1035"/>
+          <ac:spMkLst>
+            <pc:docMk/>
+            <pc:sldMk cId="1084030898" sldId="259"/>
+            <ac:spMk id="164" creationId="{65A8B8C1-8F38-411A-BDA0-ECC9FB534B81}"/>
+          </ac:spMkLst>
+        </pc:spChg>
+        <pc:spChg chg="add mod">
+          <ac:chgData name="Fatima Pillosu" userId="a6295d4dc9e22643" providerId="LiveId" clId="{3117CC99-A8D8-4417-AA48-A79BC152B569}" dt="2020-11-30T04:54:11.758" v="518" actId="1035"/>
+          <ac:spMkLst>
+            <pc:docMk/>
+            <pc:sldMk cId="1084030898" sldId="259"/>
+            <ac:spMk id="168" creationId="{E516D3E9-1341-430B-B1E7-5B2EA93074B2}"/>
+          </ac:spMkLst>
+        </pc:spChg>
+        <pc:cxnChg chg="add del mod">
+          <ac:chgData name="Fatima Pillosu" userId="a6295d4dc9e22643" providerId="LiveId" clId="{3117CC99-A8D8-4417-AA48-A79BC152B569}" dt="2020-11-30T04:50:35.296" v="453" actId="478"/>
+          <ac:cxnSpMkLst>
+            <pc:docMk/>
+            <pc:sldMk cId="1084030898" sldId="259"/>
+            <ac:cxnSpMk id="24" creationId="{5DD9EA65-7533-4159-85F1-9BD325516641}"/>
+          </ac:cxnSpMkLst>
+        </pc:cxnChg>
+        <pc:cxnChg chg="add del mod">
+          <ac:chgData name="Fatima Pillosu" userId="a6295d4dc9e22643" providerId="LiveId" clId="{3117CC99-A8D8-4417-AA48-A79BC152B569}" dt="2020-11-30T04:52:32.387" v="471" actId="478"/>
+          <ac:cxnSpMkLst>
+            <pc:docMk/>
+            <pc:sldMk cId="1084030898" sldId="259"/>
+            <ac:cxnSpMk id="40" creationId="{B4DB342D-29CC-4F6A-BC7E-168CC91982F7}"/>
+          </ac:cxnSpMkLst>
+        </pc:cxnChg>
+        <pc:cxnChg chg="add del mod">
+          <ac:chgData name="Fatima Pillosu" userId="a6295d4dc9e22643" providerId="LiveId" clId="{3117CC99-A8D8-4417-AA48-A79BC152B569}" dt="2020-11-29T16:54:42.577" v="261" actId="478"/>
+          <ac:cxnSpMkLst>
+            <pc:docMk/>
+            <pc:sldMk cId="1084030898" sldId="259"/>
+            <ac:cxnSpMk id="43" creationId="{5DD4D3B6-5E49-4E24-B047-1C49B0A7F557}"/>
+          </ac:cxnSpMkLst>
+        </pc:cxnChg>
+        <pc:cxnChg chg="add del mod">
+          <ac:chgData name="Fatima Pillosu" userId="a6295d4dc9e22643" providerId="LiveId" clId="{3117CC99-A8D8-4417-AA48-A79BC152B569}" dt="2020-11-30T04:52:57.482" v="474"/>
+          <ac:cxnSpMkLst>
+            <pc:docMk/>
+            <pc:sldMk cId="1084030898" sldId="259"/>
+            <ac:cxnSpMk id="46" creationId="{EC8DFD28-7C39-4229-BD4E-13B6B502E858}"/>
+          </ac:cxnSpMkLst>
+        </pc:cxnChg>
+        <pc:cxnChg chg="add del mod">
+          <ac:chgData name="Fatima Pillosu" userId="a6295d4dc9e22643" providerId="LiveId" clId="{3117CC99-A8D8-4417-AA48-A79BC152B569}" dt="2020-11-30T04:52:52.374" v="473" actId="478"/>
+          <ac:cxnSpMkLst>
+            <pc:docMk/>
+            <pc:sldMk cId="1084030898" sldId="259"/>
+            <ac:cxnSpMk id="52" creationId="{9A4CFDB1-F6C5-48B8-A1C4-0E7ADA28587A}"/>
+          </ac:cxnSpMkLst>
+        </pc:cxnChg>
+        <pc:cxnChg chg="add del mod">
+          <ac:chgData name="Fatima Pillosu" userId="a6295d4dc9e22643" providerId="LiveId" clId="{3117CC99-A8D8-4417-AA48-A79BC152B569}" dt="2020-11-30T04:52:57.482" v="474"/>
+          <ac:cxnSpMkLst>
+            <pc:docMk/>
+            <pc:sldMk cId="1084030898" sldId="259"/>
+            <ac:cxnSpMk id="53" creationId="{F72E7EB5-C4C5-49DD-A20B-1F537EFAC470}"/>
+          </ac:cxnSpMkLst>
+        </pc:cxnChg>
+        <pc:cxnChg chg="add del">
+          <ac:chgData name="Fatima Pillosu" userId="a6295d4dc9e22643" providerId="LiveId" clId="{3117CC99-A8D8-4417-AA48-A79BC152B569}" dt="2020-11-30T04:52:57.482" v="474"/>
+          <ac:cxnSpMkLst>
+            <pc:docMk/>
+            <pc:sldMk cId="1084030898" sldId="259"/>
+            <ac:cxnSpMk id="67" creationId="{99992EAB-183A-4B5B-880E-F20F229CEDAC}"/>
+          </ac:cxnSpMkLst>
+        </pc:cxnChg>
+        <pc:cxnChg chg="add del">
+          <ac:chgData name="Fatima Pillosu" userId="a6295d4dc9e22643" providerId="LiveId" clId="{3117CC99-A8D8-4417-AA48-A79BC152B569}" dt="2020-11-30T04:52:57.482" v="474"/>
+          <ac:cxnSpMkLst>
+            <pc:docMk/>
+            <pc:sldMk cId="1084030898" sldId="259"/>
+            <ac:cxnSpMk id="68" creationId="{68213B1E-006A-44A2-9676-FA6753FBA010}"/>
+          </ac:cxnSpMkLst>
+        </pc:cxnChg>
+        <pc:cxnChg chg="add del mod">
+          <ac:chgData name="Fatima Pillosu" userId="a6295d4dc9e22643" providerId="LiveId" clId="{3117CC99-A8D8-4417-AA48-A79BC152B569}" dt="2020-11-30T04:52:57.482" v="474"/>
+          <ac:cxnSpMkLst>
+            <pc:docMk/>
+            <pc:sldMk cId="1084030898" sldId="259"/>
+            <ac:cxnSpMk id="72" creationId="{AA2FDA87-5199-416F-A4E0-D9D83F8B9242}"/>
+          </ac:cxnSpMkLst>
+        </pc:cxnChg>
+        <pc:cxnChg chg="add del mod">
+          <ac:chgData name="Fatima Pillosu" userId="a6295d4dc9e22643" providerId="LiveId" clId="{3117CC99-A8D8-4417-AA48-A79BC152B569}" dt="2020-11-30T04:52:57.482" v="474"/>
+          <ac:cxnSpMkLst>
+            <pc:docMk/>
+            <pc:sldMk cId="1084030898" sldId="259"/>
+            <ac:cxnSpMk id="73" creationId="{E4407AA5-0376-49D4-AFEF-7B78B1355A97}"/>
+          </ac:cxnSpMkLst>
+        </pc:cxnChg>
+        <pc:cxnChg chg="add del mod">
+          <ac:chgData name="Fatima Pillosu" userId="a6295d4dc9e22643" providerId="LiveId" clId="{3117CC99-A8D8-4417-AA48-A79BC152B569}" dt="2020-11-30T04:50:34.101" v="452" actId="478"/>
+          <ac:cxnSpMkLst>
+            <pc:docMk/>
+            <pc:sldMk cId="1084030898" sldId="259"/>
+            <ac:cxnSpMk id="79" creationId="{06ECC490-BD7E-457D-BFE5-28A6E7152DFA}"/>
+          </ac:cxnSpMkLst>
+        </pc:cxnChg>
+        <pc:cxnChg chg="add del">
+          <ac:chgData name="Fatima Pillosu" userId="a6295d4dc9e22643" providerId="LiveId" clId="{3117CC99-A8D8-4417-AA48-A79BC152B569}" dt="2020-11-30T04:52:57.482" v="474"/>
+          <ac:cxnSpMkLst>
+            <pc:docMk/>
+            <pc:sldMk cId="1084030898" sldId="259"/>
+            <ac:cxnSpMk id="82" creationId="{34635302-AC61-4FF2-81DA-5C169FB6B8AF}"/>
+          </ac:cxnSpMkLst>
+        </pc:cxnChg>
+        <pc:cxnChg chg="add del">
+          <ac:chgData name="Fatima Pillosu" userId="a6295d4dc9e22643" providerId="LiveId" clId="{3117CC99-A8D8-4417-AA48-A79BC152B569}" dt="2020-11-30T04:52:57.482" v="474"/>
+          <ac:cxnSpMkLst>
+            <pc:docMk/>
+            <pc:sldMk cId="1084030898" sldId="259"/>
+            <ac:cxnSpMk id="83" creationId="{71EA6C51-5FB6-4BB8-B37F-F4CB4B38F400}"/>
+          </ac:cxnSpMkLst>
+        </pc:cxnChg>
+        <pc:cxnChg chg="add del">
+          <ac:chgData name="Fatima Pillosu" userId="a6295d4dc9e22643" providerId="LiveId" clId="{3117CC99-A8D8-4417-AA48-A79BC152B569}" dt="2020-11-30T04:52:57.482" v="474"/>
+          <ac:cxnSpMkLst>
+            <pc:docMk/>
+            <pc:sldMk cId="1084030898" sldId="259"/>
+            <ac:cxnSpMk id="84" creationId="{84B893C5-5D7D-482F-B39A-40784AB0B60B}"/>
+          </ac:cxnSpMkLst>
+        </pc:cxnChg>
+        <pc:cxnChg chg="add del">
+          <ac:chgData name="Fatima Pillosu" userId="a6295d4dc9e22643" providerId="LiveId" clId="{3117CC99-A8D8-4417-AA48-A79BC152B569}" dt="2020-11-30T04:52:57.482" v="474"/>
+          <ac:cxnSpMkLst>
+            <pc:docMk/>
+            <pc:sldMk cId="1084030898" sldId="259"/>
+            <ac:cxnSpMk id="85" creationId="{C1C36D6E-F1DF-40F6-A99E-CFF6DD27FBED}"/>
+          </ac:cxnSpMkLst>
+        </pc:cxnChg>
+        <pc:cxnChg chg="add del">
+          <ac:chgData name="Fatima Pillosu" userId="a6295d4dc9e22643" providerId="LiveId" clId="{3117CC99-A8D8-4417-AA48-A79BC152B569}" dt="2020-11-30T04:52:57.482" v="474"/>
+          <ac:cxnSpMkLst>
+            <pc:docMk/>
+            <pc:sldMk cId="1084030898" sldId="259"/>
+            <ac:cxnSpMk id="86" creationId="{6F69F8E6-B846-4DAF-9757-665F7C6C67C0}"/>
+          </ac:cxnSpMkLst>
+        </pc:cxnChg>
+        <pc:cxnChg chg="add del">
+          <ac:chgData name="Fatima Pillosu" userId="a6295d4dc9e22643" providerId="LiveId" clId="{3117CC99-A8D8-4417-AA48-A79BC152B569}" dt="2020-11-30T04:52:57.482" v="474"/>
+          <ac:cxnSpMkLst>
+            <pc:docMk/>
+            <pc:sldMk cId="1084030898" sldId="259"/>
+            <ac:cxnSpMk id="88" creationId="{66A6D2BF-36F5-478C-B457-A74C1500FDA3}"/>
+          </ac:cxnSpMkLst>
+        </pc:cxnChg>
+        <pc:cxnChg chg="add del">
+          <ac:chgData name="Fatima Pillosu" userId="a6295d4dc9e22643" providerId="LiveId" clId="{3117CC99-A8D8-4417-AA48-A79BC152B569}" dt="2020-11-30T04:52:57.482" v="474"/>
+          <ac:cxnSpMkLst>
+            <pc:docMk/>
+            <pc:sldMk cId="1084030898" sldId="259"/>
+            <ac:cxnSpMk id="94" creationId="{0745CABD-656F-4286-B069-FAACD85E165B}"/>
+          </ac:cxnSpMkLst>
+        </pc:cxnChg>
+        <pc:cxnChg chg="add del">
+          <ac:chgData name="Fatima Pillosu" userId="a6295d4dc9e22643" providerId="LiveId" clId="{3117CC99-A8D8-4417-AA48-A79BC152B569}" dt="2020-11-30T04:52:57.482" v="474"/>
+          <ac:cxnSpMkLst>
+            <pc:docMk/>
+            <pc:sldMk cId="1084030898" sldId="259"/>
+            <ac:cxnSpMk id="99" creationId="{AC933E4E-2E7C-4A50-86F5-81ABF1047715}"/>
+          </ac:cxnSpMkLst>
+        </pc:cxnChg>
+        <pc:cxnChg chg="add del mod">
+          <ac:chgData name="Fatima Pillosu" userId="a6295d4dc9e22643" providerId="LiveId" clId="{3117CC99-A8D8-4417-AA48-A79BC152B569}" dt="2020-11-30T04:52:57.482" v="474"/>
+          <ac:cxnSpMkLst>
+            <pc:docMk/>
+            <pc:sldMk cId="1084030898" sldId="259"/>
+            <ac:cxnSpMk id="101" creationId="{4DCF2A54-2CF7-4FFB-B3DB-4A9DBBE2F99B}"/>
+          </ac:cxnSpMkLst>
+        </pc:cxnChg>
+        <pc:cxnChg chg="add del mod">
+          <ac:chgData name="Fatima Pillosu" userId="a6295d4dc9e22643" providerId="LiveId" clId="{3117CC99-A8D8-4417-AA48-A79BC152B569}" dt="2020-11-30T04:52:57.482" v="474"/>
+          <ac:cxnSpMkLst>
+            <pc:docMk/>
+            <pc:sldMk cId="1084030898" sldId="259"/>
+            <ac:cxnSpMk id="108" creationId="{FAF2D0B1-126D-4655-B05B-573D0DBCB3B9}"/>
+          </ac:cxnSpMkLst>
+        </pc:cxnChg>
+        <pc:cxnChg chg="add del mod">
+          <ac:chgData name="Fatima Pillosu" userId="a6295d4dc9e22643" providerId="LiveId" clId="{3117CC99-A8D8-4417-AA48-A79BC152B569}" dt="2020-11-30T04:52:57.482" v="474"/>
+          <ac:cxnSpMkLst>
+            <pc:docMk/>
+            <pc:sldMk cId="1084030898" sldId="259"/>
+            <ac:cxnSpMk id="109" creationId="{4D63810A-FE6D-4286-BF33-695226F339BF}"/>
+          </ac:cxnSpMkLst>
+        </pc:cxnChg>
+        <pc:cxnChg chg="add del">
+          <ac:chgData name="Fatima Pillosu" userId="a6295d4dc9e22643" providerId="LiveId" clId="{3117CC99-A8D8-4417-AA48-A79BC152B569}" dt="2020-11-30T04:52:57.482" v="474"/>
+          <ac:cxnSpMkLst>
+            <pc:docMk/>
+            <pc:sldMk cId="1084030898" sldId="259"/>
+            <ac:cxnSpMk id="111" creationId="{DD95A26B-945D-4BCB-8CF5-610C20F34ADE}"/>
+          </ac:cxnSpMkLst>
+        </pc:cxnChg>
+        <pc:cxnChg chg="add del">
+          <ac:chgData name="Fatima Pillosu" userId="a6295d4dc9e22643" providerId="LiveId" clId="{3117CC99-A8D8-4417-AA48-A79BC152B569}" dt="2020-11-30T04:52:57.482" v="474"/>
+          <ac:cxnSpMkLst>
+            <pc:docMk/>
+            <pc:sldMk cId="1084030898" sldId="259"/>
+            <ac:cxnSpMk id="112" creationId="{BD0A5D20-0431-42D1-AF75-1EC6049FFE10}"/>
+          </ac:cxnSpMkLst>
+        </pc:cxnChg>
+        <pc:cxnChg chg="add mod">
+          <ac:chgData name="Fatima Pillosu" userId="a6295d4dc9e22643" providerId="LiveId" clId="{3117CC99-A8D8-4417-AA48-A79BC152B569}" dt="2020-11-30T04:54:11.758" v="518" actId="1035"/>
+          <ac:cxnSpMkLst>
+            <pc:docMk/>
+            <pc:sldMk cId="1084030898" sldId="259"/>
+            <ac:cxnSpMk id="119" creationId="{F8E50899-CFFF-48C9-84FA-805441248CDA}"/>
+          </ac:cxnSpMkLst>
+        </pc:cxnChg>
+        <pc:cxnChg chg="add mod">
+          <ac:chgData name="Fatima Pillosu" userId="a6295d4dc9e22643" providerId="LiveId" clId="{3117CC99-A8D8-4417-AA48-A79BC152B569}" dt="2020-11-30T04:54:11.758" v="518" actId="1035"/>
+          <ac:cxnSpMkLst>
+            <pc:docMk/>
+            <pc:sldMk cId="1084030898" sldId="259"/>
+            <ac:cxnSpMk id="120" creationId="{42DF6A30-E21A-43D6-ABD4-BD838D3A5562}"/>
+          </ac:cxnSpMkLst>
+        </pc:cxnChg>
+        <pc:cxnChg chg="add mod">
+          <ac:chgData name="Fatima Pillosu" userId="a6295d4dc9e22643" providerId="LiveId" clId="{3117CC99-A8D8-4417-AA48-A79BC152B569}" dt="2020-11-30T04:54:11.758" v="518" actId="1035"/>
+          <ac:cxnSpMkLst>
+            <pc:docMk/>
+            <pc:sldMk cId="1084030898" sldId="259"/>
+            <ac:cxnSpMk id="123" creationId="{5C0260F0-3C1C-45A0-9E5D-95B7AC88C26A}"/>
+          </ac:cxnSpMkLst>
+        </pc:cxnChg>
+        <pc:cxnChg chg="add mod">
+          <ac:chgData name="Fatima Pillosu" userId="a6295d4dc9e22643" providerId="LiveId" clId="{3117CC99-A8D8-4417-AA48-A79BC152B569}" dt="2020-11-30T04:54:11.758" v="518" actId="1035"/>
+          <ac:cxnSpMkLst>
+            <pc:docMk/>
+            <pc:sldMk cId="1084030898" sldId="259"/>
+            <ac:cxnSpMk id="124" creationId="{E7CC4479-8C1E-46A1-AF6B-7EF92793D54D}"/>
+          </ac:cxnSpMkLst>
+        </pc:cxnChg>
+        <pc:cxnChg chg="add mod">
+          <ac:chgData name="Fatima Pillosu" userId="a6295d4dc9e22643" providerId="LiveId" clId="{3117CC99-A8D8-4417-AA48-A79BC152B569}" dt="2020-11-30T04:54:11.758" v="518" actId="1035"/>
+          <ac:cxnSpMkLst>
+            <pc:docMk/>
+            <pc:sldMk cId="1084030898" sldId="259"/>
+            <ac:cxnSpMk id="125" creationId="{12194293-3104-4441-ACD5-2D33DA8D5A5A}"/>
+          </ac:cxnSpMkLst>
+        </pc:cxnChg>
+        <pc:cxnChg chg="add mod">
+          <ac:chgData name="Fatima Pillosu" userId="a6295d4dc9e22643" providerId="LiveId" clId="{3117CC99-A8D8-4417-AA48-A79BC152B569}" dt="2020-11-30T04:54:11.758" v="518" actId="1035"/>
+          <ac:cxnSpMkLst>
+            <pc:docMk/>
+            <pc:sldMk cId="1084030898" sldId="259"/>
+            <ac:cxnSpMk id="126" creationId="{FAD1AD1E-C85C-4644-A3B6-CB72DE1B77FD}"/>
+          </ac:cxnSpMkLst>
+        </pc:cxnChg>
+        <pc:cxnChg chg="add mod">
+          <ac:chgData name="Fatima Pillosu" userId="a6295d4dc9e22643" providerId="LiveId" clId="{3117CC99-A8D8-4417-AA48-A79BC152B569}" dt="2020-11-30T04:54:11.758" v="518" actId="1035"/>
+          <ac:cxnSpMkLst>
+            <pc:docMk/>
+            <pc:sldMk cId="1084030898" sldId="259"/>
+            <ac:cxnSpMk id="127" creationId="{14856509-04CC-48D1-A498-C12ADCF0E994}"/>
+          </ac:cxnSpMkLst>
+        </pc:cxnChg>
+        <pc:cxnChg chg="add mod">
+          <ac:chgData name="Fatima Pillosu" userId="a6295d4dc9e22643" providerId="LiveId" clId="{3117CC99-A8D8-4417-AA48-A79BC152B569}" dt="2020-11-30T04:54:11.758" v="518" actId="1035"/>
+          <ac:cxnSpMkLst>
+            <pc:docMk/>
+            <pc:sldMk cId="1084030898" sldId="259"/>
+            <ac:cxnSpMk id="129" creationId="{06D91AA9-8A5E-4168-B251-50CCDB3ECA34}"/>
+          </ac:cxnSpMkLst>
+        </pc:cxnChg>
+        <pc:cxnChg chg="add mod">
+          <ac:chgData name="Fatima Pillosu" userId="a6295d4dc9e22643" providerId="LiveId" clId="{3117CC99-A8D8-4417-AA48-A79BC152B569}" dt="2020-11-30T04:54:11.758" v="518" actId="1035"/>
+          <ac:cxnSpMkLst>
+            <pc:docMk/>
+            <pc:sldMk cId="1084030898" sldId="259"/>
+            <ac:cxnSpMk id="135" creationId="{B829B954-8ED3-4F75-8769-CDA7A3296382}"/>
+          </ac:cxnSpMkLst>
+        </pc:cxnChg>
+        <pc:cxnChg chg="add mod">
+          <ac:chgData name="Fatima Pillosu" userId="a6295d4dc9e22643" providerId="LiveId" clId="{3117CC99-A8D8-4417-AA48-A79BC152B569}" dt="2020-11-30T04:54:11.758" v="518" actId="1035"/>
+          <ac:cxnSpMkLst>
+            <pc:docMk/>
+            <pc:sldMk cId="1084030898" sldId="259"/>
+            <ac:cxnSpMk id="140" creationId="{783B6CC4-C1AC-4F4E-94B3-600BCE2A1A03}"/>
+          </ac:cxnSpMkLst>
+        </pc:cxnChg>
+        <pc:cxnChg chg="add mod">
+          <ac:chgData name="Fatima Pillosu" userId="a6295d4dc9e22643" providerId="LiveId" clId="{3117CC99-A8D8-4417-AA48-A79BC152B569}" dt="2020-11-30T04:54:11.758" v="518" actId="1035"/>
+          <ac:cxnSpMkLst>
+            <pc:docMk/>
+            <pc:sldMk cId="1084030898" sldId="259"/>
+            <ac:cxnSpMk id="142" creationId="{F353CC3A-0F1F-4D34-A664-8FE32AB7FD53}"/>
+          </ac:cxnSpMkLst>
+        </pc:cxnChg>
+        <pc:cxnChg chg="add mod">
+          <ac:chgData name="Fatima Pillosu" userId="a6295d4dc9e22643" providerId="LiveId" clId="{3117CC99-A8D8-4417-AA48-A79BC152B569}" dt="2020-11-30T04:54:11.758" v="518" actId="1035"/>
+          <ac:cxnSpMkLst>
+            <pc:docMk/>
+            <pc:sldMk cId="1084030898" sldId="259"/>
+            <ac:cxnSpMk id="149" creationId="{0D7C4CEF-49CD-4693-B536-8214DE9B278B}"/>
+          </ac:cxnSpMkLst>
+        </pc:cxnChg>
+        <pc:cxnChg chg="add mod">
+          <ac:chgData name="Fatima Pillosu" userId="a6295d4dc9e22643" providerId="LiveId" clId="{3117CC99-A8D8-4417-AA48-A79BC152B569}" dt="2020-11-30T04:54:11.758" v="518" actId="1035"/>
+          <ac:cxnSpMkLst>
+            <pc:docMk/>
+            <pc:sldMk cId="1084030898" sldId="259"/>
+            <ac:cxnSpMk id="150" creationId="{E6968A13-247B-406E-A618-8B4828738B85}"/>
+          </ac:cxnSpMkLst>
+        </pc:cxnChg>
+        <pc:cxnChg chg="add mod">
+          <ac:chgData name="Fatima Pillosu" userId="a6295d4dc9e22643" providerId="LiveId" clId="{3117CC99-A8D8-4417-AA48-A79BC152B569}" dt="2020-11-30T04:54:11.758" v="518" actId="1035"/>
+          <ac:cxnSpMkLst>
+            <pc:docMk/>
+            <pc:sldMk cId="1084030898" sldId="259"/>
+            <ac:cxnSpMk id="152" creationId="{CF5BEE33-FBCD-4B9D-9E81-8EC2F9C18506}"/>
+          </ac:cxnSpMkLst>
+        </pc:cxnChg>
+        <pc:cxnChg chg="add mod">
+          <ac:chgData name="Fatima Pillosu" userId="a6295d4dc9e22643" providerId="LiveId" clId="{3117CC99-A8D8-4417-AA48-A79BC152B569}" dt="2020-11-30T04:54:11.758" v="518" actId="1035"/>
+          <ac:cxnSpMkLst>
+            <pc:docMk/>
+            <pc:sldMk cId="1084030898" sldId="259"/>
+            <ac:cxnSpMk id="153" creationId="{2104AB99-6E01-43DD-B865-F382F2BF1402}"/>
+          </ac:cxnSpMkLst>
+        </pc:cxnChg>
+        <pc:cxnChg chg="add mod">
+          <ac:chgData name="Fatima Pillosu" userId="a6295d4dc9e22643" providerId="LiveId" clId="{3117CC99-A8D8-4417-AA48-A79BC152B569}" dt="2020-11-30T04:54:11.758" v="518" actId="1035"/>
+          <ac:cxnSpMkLst>
+            <pc:docMk/>
+            <pc:sldMk cId="1084030898" sldId="259"/>
+            <ac:cxnSpMk id="159" creationId="{21E19572-AA4B-4D8B-A926-033E574726C2}"/>
+          </ac:cxnSpMkLst>
+        </pc:cxnChg>
+        <pc:cxnChg chg="add mod">
+          <ac:chgData name="Fatima Pillosu" userId="a6295d4dc9e22643" providerId="LiveId" clId="{3117CC99-A8D8-4417-AA48-A79BC152B569}" dt="2020-11-30T04:54:11.758" v="518" actId="1035"/>
+          <ac:cxnSpMkLst>
+            <pc:docMk/>
+            <pc:sldMk cId="1084030898" sldId="259"/>
+            <ac:cxnSpMk id="165" creationId="{A1450339-08CB-40DF-87A0-CE03925BB3A1}"/>
+          </ac:cxnSpMkLst>
+        </pc:cxnChg>
+        <pc:cxnChg chg="add mod">
+          <ac:chgData name="Fatima Pillosu" userId="a6295d4dc9e22643" providerId="LiveId" clId="{3117CC99-A8D8-4417-AA48-A79BC152B569}" dt="2020-11-30T04:54:11.758" v="518" actId="1035"/>
+          <ac:cxnSpMkLst>
+            <pc:docMk/>
+            <pc:sldMk cId="1084030898" sldId="259"/>
+            <ac:cxnSpMk id="166" creationId="{414061A2-ECF1-4754-ADF2-51241B983E4A}"/>
+          </ac:cxnSpMkLst>
+        </pc:cxnChg>
+        <pc:cxnChg chg="add mod">
+          <ac:chgData name="Fatima Pillosu" userId="a6295d4dc9e22643" providerId="LiveId" clId="{3117CC99-A8D8-4417-AA48-A79BC152B569}" dt="2020-11-30T04:54:11.758" v="518" actId="1035"/>
+          <ac:cxnSpMkLst>
+            <pc:docMk/>
+            <pc:sldMk cId="1084030898" sldId="259"/>
+            <ac:cxnSpMk id="167" creationId="{5DDE5355-0A18-4026-985F-C4E75DED6F89}"/>
+          </ac:cxnSpMkLst>
+        </pc:cxnChg>
+      </pc:sldChg>
+      <pc:sldChg chg="delSp modSp add ord">
+        <pc:chgData name="Fatima Pillosu" userId="a6295d4dc9e22643" providerId="LiveId" clId="{3117CC99-A8D8-4417-AA48-A79BC152B569}" dt="2020-11-30T04:55:09.163" v="534"/>
+        <pc:sldMkLst>
+          <pc:docMk/>
+          <pc:sldMk cId="142998642" sldId="260"/>
+        </pc:sldMkLst>
+        <pc:spChg chg="del">
+          <ac:chgData name="Fatima Pillosu" userId="a6295d4dc9e22643" providerId="LiveId" clId="{3117CC99-A8D8-4417-AA48-A79BC152B569}" dt="2020-11-30T04:54:33.084" v="523" actId="478"/>
+          <ac:spMkLst>
+            <pc:docMk/>
+            <pc:sldMk cId="142998642" sldId="260"/>
+            <ac:spMk id="117" creationId="{D1C31FDC-53F8-4E0A-BD1F-75754661FE84}"/>
+          </ac:spMkLst>
+        </pc:spChg>
+        <pc:spChg chg="del">
+          <ac:chgData name="Fatima Pillosu" userId="a6295d4dc9e22643" providerId="LiveId" clId="{3117CC99-A8D8-4417-AA48-A79BC152B569}" dt="2020-11-30T04:54:36.561" v="524" actId="478"/>
+          <ac:spMkLst>
+            <pc:docMk/>
+            <pc:sldMk cId="142998642" sldId="260"/>
+            <ac:spMk id="158" creationId="{B3B723C9-4F75-4C9D-A6B4-03B3C3059697}"/>
+          </ac:spMkLst>
+        </pc:spChg>
+        <pc:spChg chg="del">
+          <ac:chgData name="Fatima Pillosu" userId="a6295d4dc9e22643" providerId="LiveId" clId="{3117CC99-A8D8-4417-AA48-A79BC152B569}" dt="2020-11-30T04:54:48.069" v="532" actId="478"/>
+          <ac:spMkLst>
+            <pc:docMk/>
+            <pc:sldMk cId="142998642" sldId="260"/>
+            <ac:spMk id="160" creationId="{76F0BFA6-50E1-4DD5-9533-3196A2E398D5}"/>
+          </ac:spMkLst>
+        </pc:spChg>
+        <pc:spChg chg="del">
+          <ac:chgData name="Fatima Pillosu" userId="a6295d4dc9e22643" providerId="LiveId" clId="{3117CC99-A8D8-4417-AA48-A79BC152B569}" dt="2020-11-30T04:54:43.227" v="530" actId="478"/>
+          <ac:spMkLst>
+            <pc:docMk/>
+            <pc:sldMk cId="142998642" sldId="260"/>
+            <ac:spMk id="161" creationId="{4851B2E3-A735-458C-AD34-86837021656B}"/>
+          </ac:spMkLst>
+        </pc:spChg>
+        <pc:spChg chg="del">
+          <ac:chgData name="Fatima Pillosu" userId="a6295d4dc9e22643" providerId="LiveId" clId="{3117CC99-A8D8-4417-AA48-A79BC152B569}" dt="2020-11-30T04:54:41.837" v="529" actId="478"/>
+          <ac:spMkLst>
+            <pc:docMk/>
+            <pc:sldMk cId="142998642" sldId="260"/>
+            <ac:spMk id="162" creationId="{31FDEF19-37DD-4615-BCE2-9D54DFAC4CE5}"/>
+          </ac:spMkLst>
+        </pc:spChg>
+        <pc:spChg chg="del">
+          <ac:chgData name="Fatima Pillosu" userId="a6295d4dc9e22643" providerId="LiveId" clId="{3117CC99-A8D8-4417-AA48-A79BC152B569}" dt="2020-11-30T04:54:39.926" v="527" actId="478"/>
+          <ac:spMkLst>
+            <pc:docMk/>
+            <pc:sldMk cId="142998642" sldId="260"/>
+            <ac:spMk id="163" creationId="{6D4AA04D-1BA2-4E1B-8945-B0CC772F620A}"/>
+          </ac:spMkLst>
+        </pc:spChg>
+        <pc:spChg chg="del mod">
+          <ac:chgData name="Fatima Pillosu" userId="a6295d4dc9e22643" providerId="LiveId" clId="{3117CC99-A8D8-4417-AA48-A79BC152B569}" dt="2020-11-30T04:54:38.566" v="526" actId="478"/>
+          <ac:spMkLst>
+            <pc:docMk/>
+            <pc:sldMk cId="142998642" sldId="260"/>
+            <ac:spMk id="164" creationId="{65A8B8C1-8F38-411A-BDA0-ECC9FB534B81}"/>
+          </ac:spMkLst>
+        </pc:spChg>
+        <pc:spChg chg="del">
+          <ac:chgData name="Fatima Pillosu" userId="a6295d4dc9e22643" providerId="LiveId" clId="{3117CC99-A8D8-4417-AA48-A79BC152B569}" dt="2020-11-30T04:54:29.763" v="520" actId="478"/>
+          <ac:spMkLst>
+            <pc:docMk/>
+            <pc:sldMk cId="142998642" sldId="260"/>
+            <ac:spMk id="168" creationId="{E516D3E9-1341-430B-B1E7-5B2EA93074B2}"/>
+          </ac:spMkLst>
+        </pc:spChg>
+        <pc:cxnChg chg="del">
+          <ac:chgData name="Fatima Pillosu" userId="a6295d4dc9e22643" providerId="LiveId" clId="{3117CC99-A8D8-4417-AA48-A79BC152B569}" dt="2020-11-30T04:54:44.155" v="531" actId="478"/>
+          <ac:cxnSpMkLst>
+            <pc:docMk/>
+            <pc:sldMk cId="142998642" sldId="260"/>
+            <ac:cxnSpMk id="159" creationId="{21E19572-AA4B-4D8B-A926-033E574726C2}"/>
+          </ac:cxnSpMkLst>
+        </pc:cxnChg>
+        <pc:cxnChg chg="del mod">
+          <ac:chgData name="Fatima Pillosu" userId="a6295d4dc9e22643" providerId="LiveId" clId="{3117CC99-A8D8-4417-AA48-A79BC152B569}" dt="2020-11-30T04:54:40.836" v="528" actId="478"/>
+          <ac:cxnSpMkLst>
+            <pc:docMk/>
+            <pc:sldMk cId="142998642" sldId="260"/>
+            <ac:cxnSpMk id="165" creationId="{A1450339-08CB-40DF-87A0-CE03925BB3A1}"/>
+          </ac:cxnSpMkLst>
+        </pc:cxnChg>
+        <pc:cxnChg chg="del">
+          <ac:chgData name="Fatima Pillosu" userId="a6295d4dc9e22643" providerId="LiveId" clId="{3117CC99-A8D8-4417-AA48-A79BC152B569}" dt="2020-11-30T04:54:32.002" v="522" actId="478"/>
+          <ac:cxnSpMkLst>
+            <pc:docMk/>
+            <pc:sldMk cId="142998642" sldId="260"/>
+            <ac:cxnSpMk id="166" creationId="{414061A2-ECF1-4754-ADF2-51241B983E4A}"/>
+          </ac:cxnSpMkLst>
+        </pc:cxnChg>
+        <pc:cxnChg chg="del">
+          <ac:chgData name="Fatima Pillosu" userId="a6295d4dc9e22643" providerId="LiveId" clId="{3117CC99-A8D8-4417-AA48-A79BC152B569}" dt="2020-11-30T04:54:30.823" v="521" actId="478"/>
+          <ac:cxnSpMkLst>
+            <pc:docMk/>
+            <pc:sldMk cId="142998642" sldId="260"/>
+            <ac:cxnSpMk id="167" creationId="{5DDE5355-0A18-4026-985F-C4E75DED6F89}"/>
+          </ac:cxnSpMkLst>
+        </pc:cxnChg>
+      </pc:sldChg>
+    </pc:docChg>
+  </pc:docChgLst>
+</pc:chgInfo>
 </file>
 
 <file path=ppt/slideLayouts/slideLayout1.xml><?xml version="1.0" encoding="utf-8"?>
@@ -152,15 +1842,15 @@
         </p:nvSpPr>
         <p:spPr>
           <a:xfrm>
-            <a:off x="234911" y="412312"/>
-            <a:ext cx="2662317" cy="877112"/>
+            <a:off x="245745" y="397764"/>
+            <a:ext cx="2785110" cy="846161"/>
           </a:xfrm>
         </p:spPr>
         <p:txBody>
           <a:bodyPr anchor="b"/>
           <a:lstStyle>
             <a:lvl1pPr algn="ctr">
-              <a:defRPr sz="2055"/>
+              <a:defRPr sz="2126"/>
             </a:lvl1pPr>
           </a:lstStyle>
           <a:p>
@@ -184,8 +1874,8 @@
         </p:nvSpPr>
         <p:spPr>
           <a:xfrm>
-            <a:off x="391517" y="1323249"/>
-            <a:ext cx="2349104" cy="608263"/>
+            <a:off x="409575" y="1276556"/>
+            <a:ext cx="2457450" cy="586799"/>
           </a:xfrm>
         </p:spPr>
         <p:txBody>
@@ -193,39 +1883,39 @@
           <a:lstStyle>
             <a:lvl1pPr marL="0" indent="0" algn="ctr">
               <a:buNone/>
-              <a:defRPr sz="822"/>
+              <a:defRPr sz="851"/>
             </a:lvl1pPr>
-            <a:lvl2pPr marL="156591" indent="0" algn="ctr">
+            <a:lvl2pPr marL="162032" indent="0" algn="ctr">
               <a:buNone/>
-              <a:defRPr sz="685"/>
+              <a:defRPr sz="709"/>
             </a:lvl2pPr>
-            <a:lvl3pPr marL="313182" indent="0" algn="ctr">
+            <a:lvl3pPr marL="324063" indent="0" algn="ctr">
               <a:buNone/>
-              <a:defRPr sz="617"/>
+              <a:defRPr sz="638"/>
             </a:lvl3pPr>
-            <a:lvl4pPr marL="469773" indent="0" algn="ctr">
+            <a:lvl4pPr marL="486095" indent="0" algn="ctr">
               <a:buNone/>
-              <a:defRPr sz="548"/>
+              <a:defRPr sz="567"/>
             </a:lvl4pPr>
-            <a:lvl5pPr marL="626364" indent="0" algn="ctr">
+            <a:lvl5pPr marL="648127" indent="0" algn="ctr">
               <a:buNone/>
-              <a:defRPr sz="548"/>
+              <a:defRPr sz="567"/>
             </a:lvl5pPr>
-            <a:lvl6pPr marL="782955" indent="0" algn="ctr">
+            <a:lvl6pPr marL="810158" indent="0" algn="ctr">
               <a:buNone/>
-              <a:defRPr sz="548"/>
+              <a:defRPr sz="567"/>
             </a:lvl6pPr>
-            <a:lvl7pPr marL="939546" indent="0" algn="ctr">
+            <a:lvl7pPr marL="972190" indent="0" algn="ctr">
               <a:buNone/>
-              <a:defRPr sz="548"/>
+              <a:defRPr sz="567"/>
             </a:lvl7pPr>
-            <a:lvl8pPr marL="1096137" indent="0" algn="ctr">
+            <a:lvl8pPr marL="1134222" indent="0" algn="ctr">
               <a:buNone/>
-              <a:defRPr sz="548"/>
+              <a:defRPr sz="567"/>
             </a:lvl8pPr>
-            <a:lvl9pPr marL="1252728" indent="0" algn="ctr">
+            <a:lvl9pPr marL="1296253" indent="0" algn="ctr">
               <a:buNone/>
-              <a:defRPr sz="548"/>
+              <a:defRPr sz="567"/>
             </a:lvl9pPr>
           </a:lstStyle>
           <a:p>
@@ -254,7 +1944,7 @@
           <a:p>
             <a:fld id="{167D0764-9DAD-4C7F-9AA0-390EE444472D}" type="datetimeFigureOut">
               <a:rPr lang="en-GB" smtClean="0"/>
-              <a:t>28/11/2020</a:t>
+              <a:t>30/11/2020</a:t>
             </a:fld>
             <a:endParaRPr lang="en-GB"/>
           </a:p>
@@ -296,7 +1986,7 @@
           <a:p>
             <a:fld id="{28530C72-7499-4C53-B4CA-7B6378FC2FF7}" type="slidenum">
               <a:rPr lang="en-GB" smtClean="0"/>
-              <a:t>‹N›</a:t>
+              <a:t>‹#›</a:t>
             </a:fld>
             <a:endParaRPr lang="en-GB"/>
           </a:p>
@@ -305,7 +1995,7 @@
     </p:spTree>
     <p:extLst>
       <p:ext uri="{BB962C8B-B14F-4D97-AF65-F5344CB8AC3E}">
-        <p14:creationId xmlns:p14="http://schemas.microsoft.com/office/powerpoint/2010/main" val="1949071519"/>
+        <p14:creationId xmlns:p14="http://schemas.microsoft.com/office/powerpoint/2010/main" val="444970431"/>
       </p:ext>
     </p:extLst>
   </p:cSld>
@@ -424,7 +2114,7 @@
           <a:p>
             <a:fld id="{167D0764-9DAD-4C7F-9AA0-390EE444472D}" type="datetimeFigureOut">
               <a:rPr lang="en-GB" smtClean="0"/>
-              <a:t>28/11/2020</a:t>
+              <a:t>30/11/2020</a:t>
             </a:fld>
             <a:endParaRPr lang="en-GB"/>
           </a:p>
@@ -466,7 +2156,7 @@
           <a:p>
             <a:fld id="{28530C72-7499-4C53-B4CA-7B6378FC2FF7}" type="slidenum">
               <a:rPr lang="en-GB" smtClean="0"/>
-              <a:t>‹N›</a:t>
+              <a:t>‹#›</a:t>
             </a:fld>
             <a:endParaRPr lang="en-GB"/>
           </a:p>
@@ -475,7 +2165,7 @@
     </p:spTree>
     <p:extLst>
       <p:ext uri="{BB962C8B-B14F-4D97-AF65-F5344CB8AC3E}">
-        <p14:creationId xmlns:p14="http://schemas.microsoft.com/office/powerpoint/2010/main" val="498474611"/>
+        <p14:creationId xmlns:p14="http://schemas.microsoft.com/office/powerpoint/2010/main" val="1052232198"/>
       </p:ext>
     </p:extLst>
   </p:cSld>
@@ -514,8 +2204,8 @@
         </p:nvSpPr>
         <p:spPr>
           <a:xfrm>
-            <a:off x="2241437" y="134133"/>
-            <a:ext cx="675367" cy="2135044"/>
+            <a:off x="2344817" y="129400"/>
+            <a:ext cx="706517" cy="2059705"/>
           </a:xfrm>
         </p:spPr>
         <p:txBody>
@@ -542,8 +2232,8 @@
         </p:nvSpPr>
         <p:spPr>
           <a:xfrm>
-            <a:off x="215335" y="134133"/>
-            <a:ext cx="1986950" cy="2135044"/>
+            <a:off x="225266" y="129400"/>
+            <a:ext cx="2078593" cy="2059705"/>
           </a:xfrm>
         </p:spPr>
         <p:txBody>
@@ -604,7 +2294,7 @@
           <a:p>
             <a:fld id="{167D0764-9DAD-4C7F-9AA0-390EE444472D}" type="datetimeFigureOut">
               <a:rPr lang="en-GB" smtClean="0"/>
-              <a:t>28/11/2020</a:t>
+              <a:t>30/11/2020</a:t>
             </a:fld>
             <a:endParaRPr lang="en-GB"/>
           </a:p>
@@ -646,7 +2336,7 @@
           <a:p>
             <a:fld id="{28530C72-7499-4C53-B4CA-7B6378FC2FF7}" type="slidenum">
               <a:rPr lang="en-GB" smtClean="0"/>
-              <a:t>‹N›</a:t>
+              <a:t>‹#›</a:t>
             </a:fld>
             <a:endParaRPr lang="en-GB"/>
           </a:p>
@@ -655,7 +2345,7 @@
     </p:spTree>
     <p:extLst>
       <p:ext uri="{BB962C8B-B14F-4D97-AF65-F5344CB8AC3E}">
-        <p14:creationId xmlns:p14="http://schemas.microsoft.com/office/powerpoint/2010/main" val="4064792036"/>
+        <p14:creationId xmlns:p14="http://schemas.microsoft.com/office/powerpoint/2010/main" val="1450200208"/>
       </p:ext>
     </p:extLst>
   </p:cSld>
@@ -774,7 +2464,7 @@
           <a:p>
             <a:fld id="{167D0764-9DAD-4C7F-9AA0-390EE444472D}" type="datetimeFigureOut">
               <a:rPr lang="en-GB" smtClean="0"/>
-              <a:t>28/11/2020</a:t>
+              <a:t>30/11/2020</a:t>
             </a:fld>
             <a:endParaRPr lang="en-GB"/>
           </a:p>
@@ -816,7 +2506,7 @@
           <a:p>
             <a:fld id="{28530C72-7499-4C53-B4CA-7B6378FC2FF7}" type="slidenum">
               <a:rPr lang="en-GB" smtClean="0"/>
-              <a:t>‹N›</a:t>
+              <a:t>‹#›</a:t>
             </a:fld>
             <a:endParaRPr lang="en-GB"/>
           </a:p>
@@ -825,7 +2515,7 @@
     </p:spTree>
     <p:extLst>
       <p:ext uri="{BB962C8B-B14F-4D97-AF65-F5344CB8AC3E}">
-        <p14:creationId xmlns:p14="http://schemas.microsoft.com/office/powerpoint/2010/main" val="521159117"/>
+        <p14:creationId xmlns:p14="http://schemas.microsoft.com/office/powerpoint/2010/main" val="495508448"/>
       </p:ext>
     </p:extLst>
   </p:cSld>
@@ -864,15 +2554,15 @@
         </p:nvSpPr>
         <p:spPr>
           <a:xfrm>
-            <a:off x="213703" y="628092"/>
-            <a:ext cx="2701469" cy="1047985"/>
+            <a:off x="223560" y="605929"/>
+            <a:ext cx="2826068" cy="1011005"/>
           </a:xfrm>
         </p:spPr>
         <p:txBody>
           <a:bodyPr anchor="b"/>
           <a:lstStyle>
             <a:lvl1pPr>
-              <a:defRPr sz="2055"/>
+              <a:defRPr sz="2126"/>
             </a:lvl1pPr>
           </a:lstStyle>
           <a:p>
@@ -896,8 +2586,8 @@
         </p:nvSpPr>
         <p:spPr>
           <a:xfrm>
-            <a:off x="213703" y="1685991"/>
-            <a:ext cx="2701469" cy="551110"/>
+            <a:off x="223560" y="1626498"/>
+            <a:ext cx="2826068" cy="531664"/>
           </a:xfrm>
         </p:spPr>
         <p:txBody>
@@ -905,15 +2595,15 @@
           <a:lstStyle>
             <a:lvl1pPr marL="0" indent="0">
               <a:buNone/>
-              <a:defRPr sz="822">
+              <a:defRPr sz="851">
                 <a:solidFill>
                   <a:schemeClr val="tx1"/>
                 </a:solidFill>
               </a:defRPr>
             </a:lvl1pPr>
-            <a:lvl2pPr marL="156591" indent="0">
+            <a:lvl2pPr marL="162032" indent="0">
               <a:buNone/>
-              <a:defRPr sz="685">
+              <a:defRPr sz="709">
                 <a:solidFill>
                   <a:schemeClr val="tx1">
                     <a:tint val="75000"/>
@@ -921,9 +2611,9 @@
                 </a:solidFill>
               </a:defRPr>
             </a:lvl2pPr>
-            <a:lvl3pPr marL="313182" indent="0">
+            <a:lvl3pPr marL="324063" indent="0">
               <a:buNone/>
-              <a:defRPr sz="617">
+              <a:defRPr sz="638">
                 <a:solidFill>
                   <a:schemeClr val="tx1">
                     <a:tint val="75000"/>
@@ -931,9 +2621,9 @@
                 </a:solidFill>
               </a:defRPr>
             </a:lvl3pPr>
-            <a:lvl4pPr marL="469773" indent="0">
+            <a:lvl4pPr marL="486095" indent="0">
               <a:buNone/>
-              <a:defRPr sz="548">
+              <a:defRPr sz="567">
                 <a:solidFill>
                   <a:schemeClr val="tx1">
                     <a:tint val="75000"/>
@@ -941,9 +2631,9 @@
                 </a:solidFill>
               </a:defRPr>
             </a:lvl4pPr>
-            <a:lvl5pPr marL="626364" indent="0">
+            <a:lvl5pPr marL="648127" indent="0">
               <a:buNone/>
-              <a:defRPr sz="548">
+              <a:defRPr sz="567">
                 <a:solidFill>
                   <a:schemeClr val="tx1">
                     <a:tint val="75000"/>
@@ -951,9 +2641,9 @@
                 </a:solidFill>
               </a:defRPr>
             </a:lvl5pPr>
-            <a:lvl6pPr marL="782955" indent="0">
+            <a:lvl6pPr marL="810158" indent="0">
               <a:buNone/>
-              <a:defRPr sz="548">
+              <a:defRPr sz="567">
                 <a:solidFill>
                   <a:schemeClr val="tx1">
                     <a:tint val="75000"/>
@@ -961,9 +2651,9 @@
                 </a:solidFill>
               </a:defRPr>
             </a:lvl6pPr>
-            <a:lvl7pPr marL="939546" indent="0">
+            <a:lvl7pPr marL="972190" indent="0">
               <a:buNone/>
-              <a:defRPr sz="548">
+              <a:defRPr sz="567">
                 <a:solidFill>
                   <a:schemeClr val="tx1">
                     <a:tint val="75000"/>
@@ -971,9 +2661,9 @@
                 </a:solidFill>
               </a:defRPr>
             </a:lvl7pPr>
-            <a:lvl8pPr marL="1096137" indent="0">
+            <a:lvl8pPr marL="1134222" indent="0">
               <a:buNone/>
-              <a:defRPr sz="548">
+              <a:defRPr sz="567">
                 <a:solidFill>
                   <a:schemeClr val="tx1">
                     <a:tint val="75000"/>
@@ -981,9 +2671,9 @@
                 </a:solidFill>
               </a:defRPr>
             </a:lvl8pPr>
-            <a:lvl9pPr marL="1252728" indent="0">
+            <a:lvl9pPr marL="1296253" indent="0">
               <a:buNone/>
-              <a:defRPr sz="548">
+              <a:defRPr sz="567">
                 <a:solidFill>
                   <a:schemeClr val="tx1">
                     <a:tint val="75000"/>
@@ -1018,7 +2708,7 @@
           <a:p>
             <a:fld id="{167D0764-9DAD-4C7F-9AA0-390EE444472D}" type="datetimeFigureOut">
               <a:rPr lang="en-GB" smtClean="0"/>
-              <a:t>28/11/2020</a:t>
+              <a:t>30/11/2020</a:t>
             </a:fld>
             <a:endParaRPr lang="en-GB"/>
           </a:p>
@@ -1060,7 +2750,7 @@
           <a:p>
             <a:fld id="{28530C72-7499-4C53-B4CA-7B6378FC2FF7}" type="slidenum">
               <a:rPr lang="en-GB" smtClean="0"/>
-              <a:t>‹N›</a:t>
+              <a:t>‹#›</a:t>
             </a:fld>
             <a:endParaRPr lang="en-GB"/>
           </a:p>
@@ -1069,7 +2759,7 @@
     </p:spTree>
     <p:extLst>
       <p:ext uri="{BB962C8B-B14F-4D97-AF65-F5344CB8AC3E}">
-        <p14:creationId xmlns:p14="http://schemas.microsoft.com/office/powerpoint/2010/main" val="2076703057"/>
+        <p14:creationId xmlns:p14="http://schemas.microsoft.com/office/powerpoint/2010/main" val="432138779"/>
       </p:ext>
     </p:extLst>
   </p:cSld>
@@ -1131,8 +2821,8 @@
         </p:nvSpPr>
         <p:spPr>
           <a:xfrm>
-            <a:off x="215334" y="670664"/>
-            <a:ext cx="1331159" cy="1598513"/>
+            <a:off x="225266" y="646998"/>
+            <a:ext cx="1392555" cy="1542106"/>
           </a:xfrm>
         </p:spPr>
         <p:txBody>
@@ -1188,8 +2878,8 @@
         </p:nvSpPr>
         <p:spPr>
           <a:xfrm>
-            <a:off x="1585645" y="670664"/>
-            <a:ext cx="1331159" cy="1598513"/>
+            <a:off x="1658779" y="646998"/>
+            <a:ext cx="1392555" cy="1542106"/>
           </a:xfrm>
         </p:spPr>
         <p:txBody>
@@ -1250,7 +2940,7 @@
           <a:p>
             <a:fld id="{167D0764-9DAD-4C7F-9AA0-390EE444472D}" type="datetimeFigureOut">
               <a:rPr lang="en-GB" smtClean="0"/>
-              <a:t>28/11/2020</a:t>
+              <a:t>30/11/2020</a:t>
             </a:fld>
             <a:endParaRPr lang="en-GB"/>
           </a:p>
@@ -1292,7 +2982,7 @@
           <a:p>
             <a:fld id="{28530C72-7499-4C53-B4CA-7B6378FC2FF7}" type="slidenum">
               <a:rPr lang="en-GB" smtClean="0"/>
-              <a:t>‹N›</a:t>
+              <a:t>‹#›</a:t>
             </a:fld>
             <a:endParaRPr lang="en-GB"/>
           </a:p>
@@ -1301,7 +2991,7 @@
     </p:spTree>
     <p:extLst>
       <p:ext uri="{BB962C8B-B14F-4D97-AF65-F5344CB8AC3E}">
-        <p14:creationId xmlns:p14="http://schemas.microsoft.com/office/powerpoint/2010/main" val="1284870049"/>
+        <p14:creationId xmlns:p14="http://schemas.microsoft.com/office/powerpoint/2010/main" val="2340731804"/>
       </p:ext>
     </p:extLst>
   </p:cSld>
@@ -1340,8 +3030,8 @@
         </p:nvSpPr>
         <p:spPr>
           <a:xfrm>
-            <a:off x="215742" y="134133"/>
-            <a:ext cx="2701469" cy="486960"/>
+            <a:off x="225693" y="129400"/>
+            <a:ext cx="2826068" cy="469777"/>
           </a:xfrm>
         </p:spPr>
         <p:txBody>
@@ -1368,8 +3058,8 @@
         </p:nvSpPr>
         <p:spPr>
           <a:xfrm>
-            <a:off x="215743" y="617594"/>
-            <a:ext cx="1325041" cy="302673"/>
+            <a:off x="225693" y="595801"/>
+            <a:ext cx="1386155" cy="291993"/>
           </a:xfrm>
         </p:spPr>
         <p:txBody>
@@ -1377,39 +3067,39 @@
           <a:lstStyle>
             <a:lvl1pPr marL="0" indent="0">
               <a:buNone/>
-              <a:defRPr sz="822" b="1"/>
+              <a:defRPr sz="851" b="1"/>
             </a:lvl1pPr>
-            <a:lvl2pPr marL="156591" indent="0">
+            <a:lvl2pPr marL="162032" indent="0">
               <a:buNone/>
-              <a:defRPr sz="685" b="1"/>
+              <a:defRPr sz="709" b="1"/>
             </a:lvl2pPr>
-            <a:lvl3pPr marL="313182" indent="0">
+            <a:lvl3pPr marL="324063" indent="0">
               <a:buNone/>
-              <a:defRPr sz="617" b="1"/>
+              <a:defRPr sz="638" b="1"/>
             </a:lvl3pPr>
-            <a:lvl4pPr marL="469773" indent="0">
+            <a:lvl4pPr marL="486095" indent="0">
               <a:buNone/>
-              <a:defRPr sz="548" b="1"/>
+              <a:defRPr sz="567" b="1"/>
             </a:lvl4pPr>
-            <a:lvl5pPr marL="626364" indent="0">
+            <a:lvl5pPr marL="648127" indent="0">
               <a:buNone/>
-              <a:defRPr sz="548" b="1"/>
+              <a:defRPr sz="567" b="1"/>
             </a:lvl5pPr>
-            <a:lvl6pPr marL="782955" indent="0">
+            <a:lvl6pPr marL="810158" indent="0">
               <a:buNone/>
-              <a:defRPr sz="548" b="1"/>
+              <a:defRPr sz="567" b="1"/>
             </a:lvl6pPr>
-            <a:lvl7pPr marL="939546" indent="0">
+            <a:lvl7pPr marL="972190" indent="0">
               <a:buNone/>
-              <a:defRPr sz="548" b="1"/>
+              <a:defRPr sz="567" b="1"/>
             </a:lvl7pPr>
-            <a:lvl8pPr marL="1096137" indent="0">
+            <a:lvl8pPr marL="1134222" indent="0">
               <a:buNone/>
-              <a:defRPr sz="548" b="1"/>
+              <a:defRPr sz="567" b="1"/>
             </a:lvl8pPr>
-            <a:lvl9pPr marL="1252728" indent="0">
+            <a:lvl9pPr marL="1296253" indent="0">
               <a:buNone/>
-              <a:defRPr sz="548" b="1"/>
+              <a:defRPr sz="567" b="1"/>
             </a:lvl9pPr>
           </a:lstStyle>
           <a:p>
@@ -1433,8 +3123,8 @@
         </p:nvSpPr>
         <p:spPr>
           <a:xfrm>
-            <a:off x="215743" y="920267"/>
-            <a:ext cx="1325041" cy="1353575"/>
+            <a:off x="225693" y="887794"/>
+            <a:ext cx="1386155" cy="1305811"/>
           </a:xfrm>
         </p:spPr>
         <p:txBody>
@@ -1490,8 +3180,8 @@
         </p:nvSpPr>
         <p:spPr>
           <a:xfrm>
-            <a:off x="1585645" y="617594"/>
-            <a:ext cx="1331567" cy="302673"/>
+            <a:off x="1658779" y="595801"/>
+            <a:ext cx="1392982" cy="291993"/>
           </a:xfrm>
         </p:spPr>
         <p:txBody>
@@ -1499,39 +3189,39 @@
           <a:lstStyle>
             <a:lvl1pPr marL="0" indent="0">
               <a:buNone/>
-              <a:defRPr sz="822" b="1"/>
+              <a:defRPr sz="851" b="1"/>
             </a:lvl1pPr>
-            <a:lvl2pPr marL="156591" indent="0">
+            <a:lvl2pPr marL="162032" indent="0">
               <a:buNone/>
-              <a:defRPr sz="685" b="1"/>
+              <a:defRPr sz="709" b="1"/>
             </a:lvl2pPr>
-            <a:lvl3pPr marL="313182" indent="0">
+            <a:lvl3pPr marL="324063" indent="0">
               <a:buNone/>
-              <a:defRPr sz="617" b="1"/>
+              <a:defRPr sz="638" b="1"/>
             </a:lvl3pPr>
-            <a:lvl4pPr marL="469773" indent="0">
+            <a:lvl4pPr marL="486095" indent="0">
               <a:buNone/>
-              <a:defRPr sz="548" b="1"/>
+              <a:defRPr sz="567" b="1"/>
             </a:lvl4pPr>
-            <a:lvl5pPr marL="626364" indent="0">
+            <a:lvl5pPr marL="648127" indent="0">
               <a:buNone/>
-              <a:defRPr sz="548" b="1"/>
+              <a:defRPr sz="567" b="1"/>
             </a:lvl5pPr>
-            <a:lvl6pPr marL="782955" indent="0">
+            <a:lvl6pPr marL="810158" indent="0">
               <a:buNone/>
-              <a:defRPr sz="548" b="1"/>
+              <a:defRPr sz="567" b="1"/>
             </a:lvl6pPr>
-            <a:lvl7pPr marL="939546" indent="0">
+            <a:lvl7pPr marL="972190" indent="0">
               <a:buNone/>
-              <a:defRPr sz="548" b="1"/>
+              <a:defRPr sz="567" b="1"/>
             </a:lvl7pPr>
-            <a:lvl8pPr marL="1096137" indent="0">
+            <a:lvl8pPr marL="1134222" indent="0">
               <a:buNone/>
-              <a:defRPr sz="548" b="1"/>
+              <a:defRPr sz="567" b="1"/>
             </a:lvl8pPr>
-            <a:lvl9pPr marL="1252728" indent="0">
+            <a:lvl9pPr marL="1296253" indent="0">
               <a:buNone/>
-              <a:defRPr sz="548" b="1"/>
+              <a:defRPr sz="567" b="1"/>
             </a:lvl9pPr>
           </a:lstStyle>
           <a:p>
@@ -1555,8 +3245,8 @@
         </p:nvSpPr>
         <p:spPr>
           <a:xfrm>
-            <a:off x="1585645" y="920267"/>
-            <a:ext cx="1331567" cy="1353575"/>
+            <a:off x="1658779" y="887794"/>
+            <a:ext cx="1392982" cy="1305811"/>
           </a:xfrm>
         </p:spPr>
         <p:txBody>
@@ -1617,7 +3307,7 @@
           <a:p>
             <a:fld id="{167D0764-9DAD-4C7F-9AA0-390EE444472D}" type="datetimeFigureOut">
               <a:rPr lang="en-GB" smtClean="0"/>
-              <a:t>28/11/2020</a:t>
+              <a:t>30/11/2020</a:t>
             </a:fld>
             <a:endParaRPr lang="en-GB"/>
           </a:p>
@@ -1659,7 +3349,7 @@
           <a:p>
             <a:fld id="{28530C72-7499-4C53-B4CA-7B6378FC2FF7}" type="slidenum">
               <a:rPr lang="en-GB" smtClean="0"/>
-              <a:t>‹N›</a:t>
+              <a:t>‹#›</a:t>
             </a:fld>
             <a:endParaRPr lang="en-GB"/>
           </a:p>
@@ -1668,7 +3358,7 @@
     </p:spTree>
     <p:extLst>
       <p:ext uri="{BB962C8B-B14F-4D97-AF65-F5344CB8AC3E}">
-        <p14:creationId xmlns:p14="http://schemas.microsoft.com/office/powerpoint/2010/main" val="2069591222"/>
+        <p14:creationId xmlns:p14="http://schemas.microsoft.com/office/powerpoint/2010/main" val="3714474719"/>
       </p:ext>
     </p:extLst>
   </p:cSld>
@@ -1735,7 +3425,7 @@
           <a:p>
             <a:fld id="{167D0764-9DAD-4C7F-9AA0-390EE444472D}" type="datetimeFigureOut">
               <a:rPr lang="en-GB" smtClean="0"/>
-              <a:t>28/11/2020</a:t>
+              <a:t>30/11/2020</a:t>
             </a:fld>
             <a:endParaRPr lang="en-GB"/>
           </a:p>
@@ -1777,7 +3467,7 @@
           <a:p>
             <a:fld id="{28530C72-7499-4C53-B4CA-7B6378FC2FF7}" type="slidenum">
               <a:rPr lang="en-GB" smtClean="0"/>
-              <a:t>‹N›</a:t>
+              <a:t>‹#›</a:t>
             </a:fld>
             <a:endParaRPr lang="en-GB"/>
           </a:p>
@@ -1786,7 +3476,7 @@
     </p:spTree>
     <p:extLst>
       <p:ext uri="{BB962C8B-B14F-4D97-AF65-F5344CB8AC3E}">
-        <p14:creationId xmlns:p14="http://schemas.microsoft.com/office/powerpoint/2010/main" val="2469373200"/>
+        <p14:creationId xmlns:p14="http://schemas.microsoft.com/office/powerpoint/2010/main" val="3035498205"/>
       </p:ext>
     </p:extLst>
   </p:cSld>
@@ -1830,7 +3520,7 @@
           <a:p>
             <a:fld id="{167D0764-9DAD-4C7F-9AA0-390EE444472D}" type="datetimeFigureOut">
               <a:rPr lang="en-GB" smtClean="0"/>
-              <a:t>28/11/2020</a:t>
+              <a:t>30/11/2020</a:t>
             </a:fld>
             <a:endParaRPr lang="en-GB"/>
           </a:p>
@@ -1872,7 +3562,7 @@
           <a:p>
             <a:fld id="{28530C72-7499-4C53-B4CA-7B6378FC2FF7}" type="slidenum">
               <a:rPr lang="en-GB" smtClean="0"/>
-              <a:t>‹N›</a:t>
+              <a:t>‹#›</a:t>
             </a:fld>
             <a:endParaRPr lang="en-GB"/>
           </a:p>
@@ -1881,7 +3571,7 @@
     </p:spTree>
     <p:extLst>
       <p:ext uri="{BB962C8B-B14F-4D97-AF65-F5344CB8AC3E}">
-        <p14:creationId xmlns:p14="http://schemas.microsoft.com/office/powerpoint/2010/main" val="1262708832"/>
+        <p14:creationId xmlns:p14="http://schemas.microsoft.com/office/powerpoint/2010/main" val="1502137959"/>
       </p:ext>
     </p:extLst>
   </p:cSld>
@@ -1920,15 +3610,15 @@
         </p:nvSpPr>
         <p:spPr>
           <a:xfrm>
-            <a:off x="215742" y="167958"/>
-            <a:ext cx="1010196" cy="587851"/>
+            <a:off x="225693" y="162031"/>
+            <a:ext cx="1056789" cy="567108"/>
           </a:xfrm>
         </p:spPr>
         <p:txBody>
           <a:bodyPr anchor="b"/>
           <a:lstStyle>
             <a:lvl1pPr>
-              <a:defRPr sz="1096"/>
+              <a:defRPr sz="1134"/>
             </a:lvl1pPr>
           </a:lstStyle>
           <a:p>
@@ -1952,39 +3642,39 @@
         </p:nvSpPr>
         <p:spPr>
           <a:xfrm>
-            <a:off x="1331567" y="362742"/>
-            <a:ext cx="1585645" cy="1790381"/>
+            <a:off x="1392982" y="349942"/>
+            <a:ext cx="1658779" cy="1727204"/>
           </a:xfrm>
         </p:spPr>
         <p:txBody>
           <a:bodyPr/>
           <a:lstStyle>
             <a:lvl1pPr>
-              <a:defRPr sz="1096"/>
+              <a:defRPr sz="1134"/>
             </a:lvl1pPr>
             <a:lvl2pPr>
-              <a:defRPr sz="959"/>
+              <a:defRPr sz="992"/>
             </a:lvl2pPr>
             <a:lvl3pPr>
-              <a:defRPr sz="822"/>
+              <a:defRPr sz="851"/>
             </a:lvl3pPr>
             <a:lvl4pPr>
-              <a:defRPr sz="685"/>
+              <a:defRPr sz="709"/>
             </a:lvl4pPr>
             <a:lvl5pPr>
-              <a:defRPr sz="685"/>
+              <a:defRPr sz="709"/>
             </a:lvl5pPr>
             <a:lvl6pPr>
-              <a:defRPr sz="685"/>
+              <a:defRPr sz="709"/>
             </a:lvl6pPr>
             <a:lvl7pPr>
-              <a:defRPr sz="685"/>
+              <a:defRPr sz="709"/>
             </a:lvl7pPr>
             <a:lvl8pPr>
-              <a:defRPr sz="685"/>
+              <a:defRPr sz="709"/>
             </a:lvl8pPr>
             <a:lvl9pPr>
-              <a:defRPr sz="685"/>
+              <a:defRPr sz="709"/>
             </a:lvl9pPr>
           </a:lstStyle>
           <a:p>
@@ -2037,8 +3727,8 @@
         </p:nvSpPr>
         <p:spPr>
           <a:xfrm>
-            <a:off x="215742" y="755809"/>
-            <a:ext cx="1010196" cy="1400229"/>
+            <a:off x="225693" y="729139"/>
+            <a:ext cx="1056789" cy="1350820"/>
           </a:xfrm>
         </p:spPr>
         <p:txBody>
@@ -2046,39 +3736,39 @@
           <a:lstStyle>
             <a:lvl1pPr marL="0" indent="0">
               <a:buNone/>
-              <a:defRPr sz="548"/>
+              <a:defRPr sz="567"/>
             </a:lvl1pPr>
-            <a:lvl2pPr marL="156591" indent="0">
+            <a:lvl2pPr marL="162032" indent="0">
               <a:buNone/>
-              <a:defRPr sz="480"/>
+              <a:defRPr sz="496"/>
             </a:lvl2pPr>
-            <a:lvl3pPr marL="313182" indent="0">
+            <a:lvl3pPr marL="324063" indent="0">
               <a:buNone/>
-              <a:defRPr sz="411"/>
+              <a:defRPr sz="425"/>
             </a:lvl3pPr>
-            <a:lvl4pPr marL="469773" indent="0">
+            <a:lvl4pPr marL="486095" indent="0">
               <a:buNone/>
-              <a:defRPr sz="343"/>
+              <a:defRPr sz="354"/>
             </a:lvl4pPr>
-            <a:lvl5pPr marL="626364" indent="0">
+            <a:lvl5pPr marL="648127" indent="0">
               <a:buNone/>
-              <a:defRPr sz="343"/>
+              <a:defRPr sz="354"/>
             </a:lvl5pPr>
-            <a:lvl6pPr marL="782955" indent="0">
+            <a:lvl6pPr marL="810158" indent="0">
               <a:buNone/>
-              <a:defRPr sz="343"/>
+              <a:defRPr sz="354"/>
             </a:lvl6pPr>
-            <a:lvl7pPr marL="939546" indent="0">
+            <a:lvl7pPr marL="972190" indent="0">
               <a:buNone/>
-              <a:defRPr sz="343"/>
+              <a:defRPr sz="354"/>
             </a:lvl7pPr>
-            <a:lvl8pPr marL="1096137" indent="0">
+            <a:lvl8pPr marL="1134222" indent="0">
               <a:buNone/>
-              <a:defRPr sz="343"/>
+              <a:defRPr sz="354"/>
             </a:lvl8pPr>
-            <a:lvl9pPr marL="1252728" indent="0">
+            <a:lvl9pPr marL="1296253" indent="0">
               <a:buNone/>
-              <a:defRPr sz="343"/>
+              <a:defRPr sz="354"/>
             </a:lvl9pPr>
           </a:lstStyle>
           <a:p>
@@ -2107,7 +3797,7 @@
           <a:p>
             <a:fld id="{167D0764-9DAD-4C7F-9AA0-390EE444472D}" type="datetimeFigureOut">
               <a:rPr lang="en-GB" smtClean="0"/>
-              <a:t>28/11/2020</a:t>
+              <a:t>30/11/2020</a:t>
             </a:fld>
             <a:endParaRPr lang="en-GB"/>
           </a:p>
@@ -2149,7 +3839,7 @@
           <a:p>
             <a:fld id="{28530C72-7499-4C53-B4CA-7B6378FC2FF7}" type="slidenum">
               <a:rPr lang="en-GB" smtClean="0"/>
-              <a:t>‹N›</a:t>
+              <a:t>‹#›</a:t>
             </a:fld>
             <a:endParaRPr lang="en-GB"/>
           </a:p>
@@ -2158,7 +3848,7 @@
     </p:spTree>
     <p:extLst>
       <p:ext uri="{BB962C8B-B14F-4D97-AF65-F5344CB8AC3E}">
-        <p14:creationId xmlns:p14="http://schemas.microsoft.com/office/powerpoint/2010/main" val="2917158873"/>
+        <p14:creationId xmlns:p14="http://schemas.microsoft.com/office/powerpoint/2010/main" val="1131301422"/>
       </p:ext>
     </p:extLst>
   </p:cSld>
@@ -2197,15 +3887,15 @@
         </p:nvSpPr>
         <p:spPr>
           <a:xfrm>
-            <a:off x="215742" y="167958"/>
-            <a:ext cx="1010196" cy="587851"/>
+            <a:off x="225693" y="162031"/>
+            <a:ext cx="1056789" cy="567108"/>
           </a:xfrm>
         </p:spPr>
         <p:txBody>
           <a:bodyPr anchor="b"/>
           <a:lstStyle>
             <a:lvl1pPr>
-              <a:defRPr sz="1096"/>
+              <a:defRPr sz="1134"/>
             </a:lvl1pPr>
           </a:lstStyle>
           <a:p>
@@ -2229,8 +3919,8 @@
         </p:nvSpPr>
         <p:spPr>
           <a:xfrm>
-            <a:off x="1331567" y="362742"/>
-            <a:ext cx="1585645" cy="1790381"/>
+            <a:off x="1392982" y="349942"/>
+            <a:ext cx="1658779" cy="1727204"/>
           </a:xfrm>
         </p:spPr>
         <p:txBody>
@@ -2238,39 +3928,39 @@
           <a:lstStyle>
             <a:lvl1pPr marL="0" indent="0">
               <a:buNone/>
-              <a:defRPr sz="1096"/>
+              <a:defRPr sz="1134"/>
             </a:lvl1pPr>
-            <a:lvl2pPr marL="156591" indent="0">
+            <a:lvl2pPr marL="162032" indent="0">
               <a:buNone/>
-              <a:defRPr sz="959"/>
+              <a:defRPr sz="992"/>
             </a:lvl2pPr>
-            <a:lvl3pPr marL="313182" indent="0">
+            <a:lvl3pPr marL="324063" indent="0">
               <a:buNone/>
-              <a:defRPr sz="822"/>
+              <a:defRPr sz="851"/>
             </a:lvl3pPr>
-            <a:lvl4pPr marL="469773" indent="0">
+            <a:lvl4pPr marL="486095" indent="0">
               <a:buNone/>
-              <a:defRPr sz="685"/>
+              <a:defRPr sz="709"/>
             </a:lvl4pPr>
-            <a:lvl5pPr marL="626364" indent="0">
+            <a:lvl5pPr marL="648127" indent="0">
               <a:buNone/>
-              <a:defRPr sz="685"/>
+              <a:defRPr sz="709"/>
             </a:lvl5pPr>
-            <a:lvl6pPr marL="782955" indent="0">
+            <a:lvl6pPr marL="810158" indent="0">
               <a:buNone/>
-              <a:defRPr sz="685"/>
+              <a:defRPr sz="709"/>
             </a:lvl6pPr>
-            <a:lvl7pPr marL="939546" indent="0">
+            <a:lvl7pPr marL="972190" indent="0">
               <a:buNone/>
-              <a:defRPr sz="685"/>
+              <a:defRPr sz="709"/>
             </a:lvl7pPr>
-            <a:lvl8pPr marL="1096137" indent="0">
+            <a:lvl8pPr marL="1134222" indent="0">
               <a:buNone/>
-              <a:defRPr sz="685"/>
+              <a:defRPr sz="709"/>
             </a:lvl8pPr>
-            <a:lvl9pPr marL="1252728" indent="0">
+            <a:lvl9pPr marL="1296253" indent="0">
               <a:buNone/>
-              <a:defRPr sz="685"/>
+              <a:defRPr sz="709"/>
             </a:lvl9pPr>
           </a:lstStyle>
           <a:p>
@@ -2294,8 +3984,8 @@
         </p:nvSpPr>
         <p:spPr>
           <a:xfrm>
-            <a:off x="215742" y="755809"/>
-            <a:ext cx="1010196" cy="1400229"/>
+            <a:off x="225693" y="729139"/>
+            <a:ext cx="1056789" cy="1350820"/>
           </a:xfrm>
         </p:spPr>
         <p:txBody>
@@ -2303,39 +3993,39 @@
           <a:lstStyle>
             <a:lvl1pPr marL="0" indent="0">
               <a:buNone/>
-              <a:defRPr sz="548"/>
+              <a:defRPr sz="567"/>
             </a:lvl1pPr>
-            <a:lvl2pPr marL="156591" indent="0">
+            <a:lvl2pPr marL="162032" indent="0">
               <a:buNone/>
-              <a:defRPr sz="480"/>
+              <a:defRPr sz="496"/>
             </a:lvl2pPr>
-            <a:lvl3pPr marL="313182" indent="0">
+            <a:lvl3pPr marL="324063" indent="0">
               <a:buNone/>
-              <a:defRPr sz="411"/>
+              <a:defRPr sz="425"/>
             </a:lvl3pPr>
-            <a:lvl4pPr marL="469773" indent="0">
+            <a:lvl4pPr marL="486095" indent="0">
               <a:buNone/>
-              <a:defRPr sz="343"/>
+              <a:defRPr sz="354"/>
             </a:lvl4pPr>
-            <a:lvl5pPr marL="626364" indent="0">
+            <a:lvl5pPr marL="648127" indent="0">
               <a:buNone/>
-              <a:defRPr sz="343"/>
+              <a:defRPr sz="354"/>
             </a:lvl5pPr>
-            <a:lvl6pPr marL="782955" indent="0">
+            <a:lvl6pPr marL="810158" indent="0">
               <a:buNone/>
-              <a:defRPr sz="343"/>
+              <a:defRPr sz="354"/>
             </a:lvl6pPr>
-            <a:lvl7pPr marL="939546" indent="0">
+            <a:lvl7pPr marL="972190" indent="0">
               <a:buNone/>
-              <a:defRPr sz="343"/>
+              <a:defRPr sz="354"/>
             </a:lvl7pPr>
-            <a:lvl8pPr marL="1096137" indent="0">
+            <a:lvl8pPr marL="1134222" indent="0">
               <a:buNone/>
-              <a:defRPr sz="343"/>
+              <a:defRPr sz="354"/>
             </a:lvl8pPr>
-            <a:lvl9pPr marL="1252728" indent="0">
+            <a:lvl9pPr marL="1296253" indent="0">
               <a:buNone/>
-              <a:defRPr sz="343"/>
+              <a:defRPr sz="354"/>
             </a:lvl9pPr>
           </a:lstStyle>
           <a:p>
@@ -2364,7 +4054,7 @@
           <a:p>
             <a:fld id="{167D0764-9DAD-4C7F-9AA0-390EE444472D}" type="datetimeFigureOut">
               <a:rPr lang="en-GB" smtClean="0"/>
-              <a:t>28/11/2020</a:t>
+              <a:t>30/11/2020</a:t>
             </a:fld>
             <a:endParaRPr lang="en-GB"/>
           </a:p>
@@ -2406,7 +4096,7 @@
           <a:p>
             <a:fld id="{28530C72-7499-4C53-B4CA-7B6378FC2FF7}" type="slidenum">
               <a:rPr lang="en-GB" smtClean="0"/>
-              <a:t>‹N›</a:t>
+              <a:t>‹#›</a:t>
             </a:fld>
             <a:endParaRPr lang="en-GB"/>
           </a:p>
@@ -2415,7 +4105,7 @@
     </p:spTree>
     <p:extLst>
       <p:ext uri="{BB962C8B-B14F-4D97-AF65-F5344CB8AC3E}">
-        <p14:creationId xmlns:p14="http://schemas.microsoft.com/office/powerpoint/2010/main" val="155234848"/>
+        <p14:creationId xmlns:p14="http://schemas.microsoft.com/office/powerpoint/2010/main" val="4174305693"/>
       </p:ext>
     </p:extLst>
   </p:cSld>
@@ -2459,8 +4149,8 @@
         </p:nvSpPr>
         <p:spPr>
           <a:xfrm>
-            <a:off x="215335" y="134133"/>
-            <a:ext cx="2701469" cy="486960"/>
+            <a:off x="225266" y="129400"/>
+            <a:ext cx="2826068" cy="469777"/>
           </a:xfrm>
           <a:prstGeom prst="rect">
             <a:avLst/>
@@ -2492,8 +4182,8 @@
         </p:nvSpPr>
         <p:spPr>
           <a:xfrm>
-            <a:off x="215335" y="670664"/>
-            <a:ext cx="2701469" cy="1598513"/>
+            <a:off x="225266" y="646998"/>
+            <a:ext cx="2826068" cy="1542106"/>
           </a:xfrm>
           <a:prstGeom prst="rect">
             <a:avLst/>
@@ -2554,8 +4244,8 @@
         </p:nvSpPr>
         <p:spPr>
           <a:xfrm>
-            <a:off x="215335" y="2335077"/>
-            <a:ext cx="704731" cy="134133"/>
+            <a:off x="225266" y="2252679"/>
+            <a:ext cx="737235" cy="129400"/>
           </a:xfrm>
           <a:prstGeom prst="rect">
             <a:avLst/>
@@ -2565,7 +4255,7 @@
           <a:bodyPr vert="horz" lIns="91440" tIns="45720" rIns="91440" bIns="45720" rtlCol="0" anchor="ctr"/>
           <a:lstStyle>
             <a:lvl1pPr algn="l">
-              <a:defRPr sz="411">
+              <a:defRPr sz="425">
                 <a:solidFill>
                   <a:schemeClr val="tx1">
                     <a:tint val="75000"/>
@@ -2577,7 +4267,7 @@
           <a:p>
             <a:fld id="{167D0764-9DAD-4C7F-9AA0-390EE444472D}" type="datetimeFigureOut">
               <a:rPr lang="en-GB" smtClean="0"/>
-              <a:t>28/11/2020</a:t>
+              <a:t>30/11/2020</a:t>
             </a:fld>
             <a:endParaRPr lang="en-GB"/>
           </a:p>
@@ -2595,8 +4285,8 @@
         </p:nvSpPr>
         <p:spPr>
           <a:xfrm>
-            <a:off x="1037521" y="2335077"/>
-            <a:ext cx="1057097" cy="134133"/>
+            <a:off x="1085374" y="2252679"/>
+            <a:ext cx="1105853" cy="129400"/>
           </a:xfrm>
           <a:prstGeom prst="rect">
             <a:avLst/>
@@ -2606,7 +4296,7 @@
           <a:bodyPr vert="horz" lIns="91440" tIns="45720" rIns="91440" bIns="45720" rtlCol="0" anchor="ctr"/>
           <a:lstStyle>
             <a:lvl1pPr algn="ctr">
-              <a:defRPr sz="411">
+              <a:defRPr sz="425">
                 <a:solidFill>
                   <a:schemeClr val="tx1">
                     <a:tint val="75000"/>
@@ -2632,8 +4322,8 @@
         </p:nvSpPr>
         <p:spPr>
           <a:xfrm>
-            <a:off x="2212072" y="2335077"/>
-            <a:ext cx="704731" cy="134133"/>
+            <a:off x="2314099" y="2252679"/>
+            <a:ext cx="737235" cy="129400"/>
           </a:xfrm>
           <a:prstGeom prst="rect">
             <a:avLst/>
@@ -2643,7 +4333,7 @@
           <a:bodyPr vert="horz" lIns="91440" tIns="45720" rIns="91440" bIns="45720" rtlCol="0" anchor="ctr"/>
           <a:lstStyle>
             <a:lvl1pPr algn="r">
-              <a:defRPr sz="411">
+              <a:defRPr sz="425">
                 <a:solidFill>
                   <a:schemeClr val="tx1">
                     <a:tint val="75000"/>
@@ -2655,7 +4345,7 @@
           <a:p>
             <a:fld id="{28530C72-7499-4C53-B4CA-7B6378FC2FF7}" type="slidenum">
               <a:rPr lang="en-GB" smtClean="0"/>
-              <a:t>‹N›</a:t>
+              <a:t>‹#›</a:t>
             </a:fld>
             <a:endParaRPr lang="en-GB"/>
           </a:p>
@@ -2664,27 +4354,27 @@
     </p:spTree>
     <p:extLst>
       <p:ext uri="{BB962C8B-B14F-4D97-AF65-F5344CB8AC3E}">
-        <p14:creationId xmlns:p14="http://schemas.microsoft.com/office/powerpoint/2010/main" val="2224098852"/>
+        <p14:creationId xmlns:p14="http://schemas.microsoft.com/office/powerpoint/2010/main" val="2365061257"/>
       </p:ext>
     </p:extLst>
   </p:cSld>
   <p:clrMap bg1="lt1" tx1="dk1" bg2="lt2" tx2="dk2" accent1="accent1" accent2="accent2" accent3="accent3" accent4="accent4" accent5="accent5" accent6="accent6" hlink="hlink" folHlink="folHlink"/>
   <p:sldLayoutIdLst>
-    <p:sldLayoutId id="2147483685" r:id="rId1"/>
-    <p:sldLayoutId id="2147483686" r:id="rId2"/>
-    <p:sldLayoutId id="2147483687" r:id="rId3"/>
-    <p:sldLayoutId id="2147483688" r:id="rId4"/>
-    <p:sldLayoutId id="2147483689" r:id="rId5"/>
-    <p:sldLayoutId id="2147483690" r:id="rId6"/>
-    <p:sldLayoutId id="2147483691" r:id="rId7"/>
-    <p:sldLayoutId id="2147483692" r:id="rId8"/>
-    <p:sldLayoutId id="2147483693" r:id="rId9"/>
-    <p:sldLayoutId id="2147483694" r:id="rId10"/>
-    <p:sldLayoutId id="2147483695" r:id="rId11"/>
+    <p:sldLayoutId id="2147483709" r:id="rId1"/>
+    <p:sldLayoutId id="2147483710" r:id="rId2"/>
+    <p:sldLayoutId id="2147483711" r:id="rId3"/>
+    <p:sldLayoutId id="2147483712" r:id="rId4"/>
+    <p:sldLayoutId id="2147483713" r:id="rId5"/>
+    <p:sldLayoutId id="2147483714" r:id="rId6"/>
+    <p:sldLayoutId id="2147483715" r:id="rId7"/>
+    <p:sldLayoutId id="2147483716" r:id="rId8"/>
+    <p:sldLayoutId id="2147483717" r:id="rId9"/>
+    <p:sldLayoutId id="2147483718" r:id="rId10"/>
+    <p:sldLayoutId id="2147483719" r:id="rId11"/>
   </p:sldLayoutIdLst>
   <p:txStyles>
     <p:titleStyle>
-      <a:lvl1pPr algn="l" defTabSz="313182" rtl="0" eaLnBrk="1" latinLnBrk="0" hangingPunct="1">
+      <a:lvl1pPr algn="l" defTabSz="324063" rtl="0" eaLnBrk="1" latinLnBrk="0" hangingPunct="1">
         <a:lnSpc>
           <a:spcPct val="90000"/>
         </a:lnSpc>
@@ -2692,7 +4382,7 @@
           <a:spcPct val="0"/>
         </a:spcBef>
         <a:buNone/>
-        <a:defRPr sz="1507" kern="1200">
+        <a:defRPr sz="1559" kern="1200">
           <a:solidFill>
             <a:schemeClr val="tx1"/>
           </a:solidFill>
@@ -2703,16 +4393,16 @@
       </a:lvl1pPr>
     </p:titleStyle>
     <p:bodyStyle>
-      <a:lvl1pPr marL="78296" indent="-78296" algn="l" defTabSz="313182" rtl="0" eaLnBrk="1" latinLnBrk="0" hangingPunct="1">
+      <a:lvl1pPr marL="81016" indent="-81016" algn="l" defTabSz="324063" rtl="0" eaLnBrk="1" latinLnBrk="0" hangingPunct="1">
         <a:lnSpc>
           <a:spcPct val="90000"/>
         </a:lnSpc>
         <a:spcBef>
-          <a:spcPts val="343"/>
+          <a:spcPts val="354"/>
         </a:spcBef>
         <a:buFont typeface="Arial" panose="020B0604020202020204" pitchFamily="34" charset="0"/>
         <a:buChar char="•"/>
-        <a:defRPr sz="959" kern="1200">
+        <a:defRPr sz="992" kern="1200">
           <a:solidFill>
             <a:schemeClr val="tx1"/>
           </a:solidFill>
@@ -2721,16 +4411,16 @@
           <a:cs typeface="+mn-cs"/>
         </a:defRPr>
       </a:lvl1pPr>
-      <a:lvl2pPr marL="234887" indent="-78296" algn="l" defTabSz="313182" rtl="0" eaLnBrk="1" latinLnBrk="0" hangingPunct="1">
+      <a:lvl2pPr marL="243048" indent="-81016" algn="l" defTabSz="324063" rtl="0" eaLnBrk="1" latinLnBrk="0" hangingPunct="1">
         <a:lnSpc>
           <a:spcPct val="90000"/>
         </a:lnSpc>
         <a:spcBef>
-          <a:spcPts val="171"/>
+          <a:spcPts val="177"/>
         </a:spcBef>
         <a:buFont typeface="Arial" panose="020B0604020202020204" pitchFamily="34" charset="0"/>
         <a:buChar char="•"/>
-        <a:defRPr sz="822" kern="1200">
+        <a:defRPr sz="851" kern="1200">
           <a:solidFill>
             <a:schemeClr val="tx1"/>
           </a:solidFill>
@@ -2739,16 +4429,16 @@
           <a:cs typeface="+mn-cs"/>
         </a:defRPr>
       </a:lvl2pPr>
-      <a:lvl3pPr marL="391478" indent="-78296" algn="l" defTabSz="313182" rtl="0" eaLnBrk="1" latinLnBrk="0" hangingPunct="1">
+      <a:lvl3pPr marL="405079" indent="-81016" algn="l" defTabSz="324063" rtl="0" eaLnBrk="1" latinLnBrk="0" hangingPunct="1">
         <a:lnSpc>
           <a:spcPct val="90000"/>
         </a:lnSpc>
         <a:spcBef>
-          <a:spcPts val="171"/>
+          <a:spcPts val="177"/>
         </a:spcBef>
         <a:buFont typeface="Arial" panose="020B0604020202020204" pitchFamily="34" charset="0"/>
         <a:buChar char="•"/>
-        <a:defRPr sz="685" kern="1200">
+        <a:defRPr sz="709" kern="1200">
           <a:solidFill>
             <a:schemeClr val="tx1"/>
           </a:solidFill>
@@ -2757,16 +4447,16 @@
           <a:cs typeface="+mn-cs"/>
         </a:defRPr>
       </a:lvl3pPr>
-      <a:lvl4pPr marL="548069" indent="-78296" algn="l" defTabSz="313182" rtl="0" eaLnBrk="1" latinLnBrk="0" hangingPunct="1">
+      <a:lvl4pPr marL="567111" indent="-81016" algn="l" defTabSz="324063" rtl="0" eaLnBrk="1" latinLnBrk="0" hangingPunct="1">
         <a:lnSpc>
           <a:spcPct val="90000"/>
         </a:lnSpc>
         <a:spcBef>
-          <a:spcPts val="171"/>
+          <a:spcPts val="177"/>
         </a:spcBef>
         <a:buFont typeface="Arial" panose="020B0604020202020204" pitchFamily="34" charset="0"/>
         <a:buChar char="•"/>
-        <a:defRPr sz="617" kern="1200">
+        <a:defRPr sz="638" kern="1200">
           <a:solidFill>
             <a:schemeClr val="tx1"/>
           </a:solidFill>
@@ -2775,16 +4465,16 @@
           <a:cs typeface="+mn-cs"/>
         </a:defRPr>
       </a:lvl4pPr>
-      <a:lvl5pPr marL="704660" indent="-78296" algn="l" defTabSz="313182" rtl="0" eaLnBrk="1" latinLnBrk="0" hangingPunct="1">
+      <a:lvl5pPr marL="729143" indent="-81016" algn="l" defTabSz="324063" rtl="0" eaLnBrk="1" latinLnBrk="0" hangingPunct="1">
         <a:lnSpc>
           <a:spcPct val="90000"/>
         </a:lnSpc>
         <a:spcBef>
-          <a:spcPts val="171"/>
+          <a:spcPts val="177"/>
         </a:spcBef>
         <a:buFont typeface="Arial" panose="020B0604020202020204" pitchFamily="34" charset="0"/>
         <a:buChar char="•"/>
-        <a:defRPr sz="617" kern="1200">
+        <a:defRPr sz="638" kern="1200">
           <a:solidFill>
             <a:schemeClr val="tx1"/>
           </a:solidFill>
@@ -2793,16 +4483,16 @@
           <a:cs typeface="+mn-cs"/>
         </a:defRPr>
       </a:lvl5pPr>
-      <a:lvl6pPr marL="861251" indent="-78296" algn="l" defTabSz="313182" rtl="0" eaLnBrk="1" latinLnBrk="0" hangingPunct="1">
+      <a:lvl6pPr marL="891174" indent="-81016" algn="l" defTabSz="324063" rtl="0" eaLnBrk="1" latinLnBrk="0" hangingPunct="1">
         <a:lnSpc>
           <a:spcPct val="90000"/>
         </a:lnSpc>
         <a:spcBef>
-          <a:spcPts val="171"/>
+          <a:spcPts val="177"/>
         </a:spcBef>
         <a:buFont typeface="Arial" panose="020B0604020202020204" pitchFamily="34" charset="0"/>
         <a:buChar char="•"/>
-        <a:defRPr sz="617" kern="1200">
+        <a:defRPr sz="638" kern="1200">
           <a:solidFill>
             <a:schemeClr val="tx1"/>
           </a:solidFill>
@@ -2811,16 +4501,16 @@
           <a:cs typeface="+mn-cs"/>
         </a:defRPr>
       </a:lvl6pPr>
-      <a:lvl7pPr marL="1017842" indent="-78296" algn="l" defTabSz="313182" rtl="0" eaLnBrk="1" latinLnBrk="0" hangingPunct="1">
+      <a:lvl7pPr marL="1053206" indent="-81016" algn="l" defTabSz="324063" rtl="0" eaLnBrk="1" latinLnBrk="0" hangingPunct="1">
         <a:lnSpc>
           <a:spcPct val="90000"/>
         </a:lnSpc>
         <a:spcBef>
-          <a:spcPts val="171"/>
+          <a:spcPts val="177"/>
         </a:spcBef>
         <a:buFont typeface="Arial" panose="020B0604020202020204" pitchFamily="34" charset="0"/>
         <a:buChar char="•"/>
-        <a:defRPr sz="617" kern="1200">
+        <a:defRPr sz="638" kern="1200">
           <a:solidFill>
             <a:schemeClr val="tx1"/>
           </a:solidFill>
@@ -2829,16 +4519,16 @@
           <a:cs typeface="+mn-cs"/>
         </a:defRPr>
       </a:lvl7pPr>
-      <a:lvl8pPr marL="1174433" indent="-78296" algn="l" defTabSz="313182" rtl="0" eaLnBrk="1" latinLnBrk="0" hangingPunct="1">
+      <a:lvl8pPr marL="1215238" indent="-81016" algn="l" defTabSz="324063" rtl="0" eaLnBrk="1" latinLnBrk="0" hangingPunct="1">
         <a:lnSpc>
           <a:spcPct val="90000"/>
         </a:lnSpc>
         <a:spcBef>
-          <a:spcPts val="171"/>
+          <a:spcPts val="177"/>
         </a:spcBef>
         <a:buFont typeface="Arial" panose="020B0604020202020204" pitchFamily="34" charset="0"/>
         <a:buChar char="•"/>
-        <a:defRPr sz="617" kern="1200">
+        <a:defRPr sz="638" kern="1200">
           <a:solidFill>
             <a:schemeClr val="tx1"/>
           </a:solidFill>
@@ -2847,16 +4537,16 @@
           <a:cs typeface="+mn-cs"/>
         </a:defRPr>
       </a:lvl8pPr>
-      <a:lvl9pPr marL="1331024" indent="-78296" algn="l" defTabSz="313182" rtl="0" eaLnBrk="1" latinLnBrk="0" hangingPunct="1">
+      <a:lvl9pPr marL="1377269" indent="-81016" algn="l" defTabSz="324063" rtl="0" eaLnBrk="1" latinLnBrk="0" hangingPunct="1">
         <a:lnSpc>
           <a:spcPct val="90000"/>
         </a:lnSpc>
         <a:spcBef>
-          <a:spcPts val="171"/>
+          <a:spcPts val="177"/>
         </a:spcBef>
         <a:buFont typeface="Arial" panose="020B0604020202020204" pitchFamily="34" charset="0"/>
         <a:buChar char="•"/>
-        <a:defRPr sz="617" kern="1200">
+        <a:defRPr sz="638" kern="1200">
           <a:solidFill>
             <a:schemeClr val="tx1"/>
           </a:solidFill>
@@ -2870,8 +4560,8 @@
       <a:defPPr>
         <a:defRPr lang="en-US"/>
       </a:defPPr>
-      <a:lvl1pPr marL="0" algn="l" defTabSz="313182" rtl="0" eaLnBrk="1" latinLnBrk="0" hangingPunct="1">
-        <a:defRPr sz="617" kern="1200">
+      <a:lvl1pPr marL="0" algn="l" defTabSz="324063" rtl="0" eaLnBrk="1" latinLnBrk="0" hangingPunct="1">
+        <a:defRPr sz="638" kern="1200">
           <a:solidFill>
             <a:schemeClr val="tx1"/>
           </a:solidFill>
@@ -2880,8 +4570,8 @@
           <a:cs typeface="+mn-cs"/>
         </a:defRPr>
       </a:lvl1pPr>
-      <a:lvl2pPr marL="156591" algn="l" defTabSz="313182" rtl="0" eaLnBrk="1" latinLnBrk="0" hangingPunct="1">
-        <a:defRPr sz="617" kern="1200">
+      <a:lvl2pPr marL="162032" algn="l" defTabSz="324063" rtl="0" eaLnBrk="1" latinLnBrk="0" hangingPunct="1">
+        <a:defRPr sz="638" kern="1200">
           <a:solidFill>
             <a:schemeClr val="tx1"/>
           </a:solidFill>
@@ -2890,8 +4580,8 @@
           <a:cs typeface="+mn-cs"/>
         </a:defRPr>
       </a:lvl2pPr>
-      <a:lvl3pPr marL="313182" algn="l" defTabSz="313182" rtl="0" eaLnBrk="1" latinLnBrk="0" hangingPunct="1">
-        <a:defRPr sz="617" kern="1200">
+      <a:lvl3pPr marL="324063" algn="l" defTabSz="324063" rtl="0" eaLnBrk="1" latinLnBrk="0" hangingPunct="1">
+        <a:defRPr sz="638" kern="1200">
           <a:solidFill>
             <a:schemeClr val="tx1"/>
           </a:solidFill>
@@ -2900,8 +4590,8 @@
           <a:cs typeface="+mn-cs"/>
         </a:defRPr>
       </a:lvl3pPr>
-      <a:lvl4pPr marL="469773" algn="l" defTabSz="313182" rtl="0" eaLnBrk="1" latinLnBrk="0" hangingPunct="1">
-        <a:defRPr sz="617" kern="1200">
+      <a:lvl4pPr marL="486095" algn="l" defTabSz="324063" rtl="0" eaLnBrk="1" latinLnBrk="0" hangingPunct="1">
+        <a:defRPr sz="638" kern="1200">
           <a:solidFill>
             <a:schemeClr val="tx1"/>
           </a:solidFill>
@@ -2910,8 +4600,8 @@
           <a:cs typeface="+mn-cs"/>
         </a:defRPr>
       </a:lvl4pPr>
-      <a:lvl5pPr marL="626364" algn="l" defTabSz="313182" rtl="0" eaLnBrk="1" latinLnBrk="0" hangingPunct="1">
-        <a:defRPr sz="617" kern="1200">
+      <a:lvl5pPr marL="648127" algn="l" defTabSz="324063" rtl="0" eaLnBrk="1" latinLnBrk="0" hangingPunct="1">
+        <a:defRPr sz="638" kern="1200">
           <a:solidFill>
             <a:schemeClr val="tx1"/>
           </a:solidFill>
@@ -2920,8 +4610,8 @@
           <a:cs typeface="+mn-cs"/>
         </a:defRPr>
       </a:lvl5pPr>
-      <a:lvl6pPr marL="782955" algn="l" defTabSz="313182" rtl="0" eaLnBrk="1" latinLnBrk="0" hangingPunct="1">
-        <a:defRPr sz="617" kern="1200">
+      <a:lvl6pPr marL="810158" algn="l" defTabSz="324063" rtl="0" eaLnBrk="1" latinLnBrk="0" hangingPunct="1">
+        <a:defRPr sz="638" kern="1200">
           <a:solidFill>
             <a:schemeClr val="tx1"/>
           </a:solidFill>
@@ -2930,8 +4620,8 @@
           <a:cs typeface="+mn-cs"/>
         </a:defRPr>
       </a:lvl6pPr>
-      <a:lvl7pPr marL="939546" algn="l" defTabSz="313182" rtl="0" eaLnBrk="1" latinLnBrk="0" hangingPunct="1">
-        <a:defRPr sz="617" kern="1200">
+      <a:lvl7pPr marL="972190" algn="l" defTabSz="324063" rtl="0" eaLnBrk="1" latinLnBrk="0" hangingPunct="1">
+        <a:defRPr sz="638" kern="1200">
           <a:solidFill>
             <a:schemeClr val="tx1"/>
           </a:solidFill>
@@ -2940,8 +4630,8 @@
           <a:cs typeface="+mn-cs"/>
         </a:defRPr>
       </a:lvl7pPr>
-      <a:lvl8pPr marL="1096137" algn="l" defTabSz="313182" rtl="0" eaLnBrk="1" latinLnBrk="0" hangingPunct="1">
-        <a:defRPr sz="617" kern="1200">
+      <a:lvl8pPr marL="1134222" algn="l" defTabSz="324063" rtl="0" eaLnBrk="1" latinLnBrk="0" hangingPunct="1">
+        <a:defRPr sz="638" kern="1200">
           <a:solidFill>
             <a:schemeClr val="tx1"/>
           </a:solidFill>
@@ -2950,8 +4640,8 @@
           <a:cs typeface="+mn-cs"/>
         </a:defRPr>
       </a:lvl8pPr>
-      <a:lvl9pPr marL="1252728" algn="l" defTabSz="313182" rtl="0" eaLnBrk="1" latinLnBrk="0" hangingPunct="1">
-        <a:defRPr sz="617" kern="1200">
+      <a:lvl9pPr marL="1296253" algn="l" defTabSz="324063" rtl="0" eaLnBrk="1" latinLnBrk="0" hangingPunct="1">
+        <a:defRPr sz="638" kern="1200">
           <a:solidFill>
             <a:schemeClr val="tx1"/>
           </a:solidFill>
@@ -2984,10 +4674,10 @@
       </p:grpSpPr>
       <p:sp>
         <p:nvSpPr>
-          <p:cNvPr id="36" name="Isosceles Triangle 35">
+          <p:cNvPr id="118" name="Isosceles Triangle 117">
             <a:extLst>
               <a:ext uri="{FF2B5EF4-FFF2-40B4-BE49-F238E27FC236}">
-                <a16:creationId xmlns:a16="http://schemas.microsoft.com/office/drawing/2014/main" id="{E6ED31B0-62A0-42DA-9C36-DD20C396DDAC}"/>
+                <a16:creationId xmlns:a16="http://schemas.microsoft.com/office/drawing/2014/main" id="{D7EAF5BE-3802-4486-9696-E36FD0802E70}"/>
               </a:ext>
             </a:extLst>
           </p:cNvPr>
@@ -2996,7 +4686,7 @@
         </p:nvSpPr>
         <p:spPr>
           <a:xfrm flipH="1" flipV="1">
-            <a:off x="645806" y="576747"/>
+            <a:off x="628658" y="489118"/>
             <a:ext cx="1555294" cy="1562189"/>
           </a:xfrm>
           <a:prstGeom prst="triangle">
@@ -3045,10 +4735,10 @@
       </p:sp>
       <p:cxnSp>
         <p:nvCxnSpPr>
-          <p:cNvPr id="37" name="Straight Arrow Connector 36">
+          <p:cNvPr id="119" name="Straight Arrow Connector 118">
             <a:extLst>
               <a:ext uri="{FF2B5EF4-FFF2-40B4-BE49-F238E27FC236}">
-                <a16:creationId xmlns:a16="http://schemas.microsoft.com/office/drawing/2014/main" id="{5BC97339-C9D9-4BAA-836C-5F9B70308795}"/>
+                <a16:creationId xmlns:a16="http://schemas.microsoft.com/office/drawing/2014/main" id="{F8E50899-CFFF-48C9-84FA-805441248CDA}"/>
               </a:ext>
             </a:extLst>
           </p:cNvPr>
@@ -3059,7 +4749,7 @@
         </p:nvCxnSpPr>
         <p:spPr>
           <a:xfrm flipV="1">
-            <a:off x="654079" y="286310"/>
+            <a:off x="636931" y="198681"/>
             <a:ext cx="0" cy="1849716"/>
           </a:xfrm>
           <a:prstGeom prst="straightConnector1">
@@ -3086,10 +4776,10 @@
       </p:cxnSp>
       <p:cxnSp>
         <p:nvCxnSpPr>
-          <p:cNvPr id="38" name="Straight Arrow Connector 37">
+          <p:cNvPr id="120" name="Straight Arrow Connector 119">
             <a:extLst>
               <a:ext uri="{FF2B5EF4-FFF2-40B4-BE49-F238E27FC236}">
-                <a16:creationId xmlns:a16="http://schemas.microsoft.com/office/drawing/2014/main" id="{387FC92A-08B5-4D6C-B10F-7953FF9ED35B}"/>
+                <a16:creationId xmlns:a16="http://schemas.microsoft.com/office/drawing/2014/main" id="{42DF6A30-E21A-43D6-ABD4-BD838D3A5562}"/>
               </a:ext>
             </a:extLst>
           </p:cNvPr>
@@ -3100,7 +4790,7 @@
         </p:nvCxnSpPr>
         <p:spPr>
           <a:xfrm flipV="1">
-            <a:off x="647515" y="2134855"/>
+            <a:off x="630367" y="2047226"/>
             <a:ext cx="1954237" cy="0"/>
           </a:xfrm>
           <a:prstGeom prst="straightConnector1">
@@ -3127,10 +4817,10 @@
       </p:cxnSp>
       <p:sp>
         <p:nvSpPr>
-          <p:cNvPr id="39" name="TextBox 38">
+          <p:cNvPr id="121" name="TextBox 120">
             <a:extLst>
               <a:ext uri="{FF2B5EF4-FFF2-40B4-BE49-F238E27FC236}">
-                <a16:creationId xmlns:a16="http://schemas.microsoft.com/office/drawing/2014/main" id="{76E34627-E798-4EFC-90A5-BF205170CD1F}"/>
+                <a16:creationId xmlns:a16="http://schemas.microsoft.com/office/drawing/2014/main" id="{77D43699-6543-4F2F-B211-E711B179F19E}"/>
               </a:ext>
             </a:extLst>
           </p:cNvPr>
@@ -3139,7 +4829,7 @@
         </p:nvSpPr>
         <p:spPr>
           <a:xfrm>
-            <a:off x="2268759" y="1797471"/>
+            <a:off x="2359979" y="2050219"/>
             <a:ext cx="1027952" cy="338554"/>
           </a:xfrm>
           <a:prstGeom prst="rect">
@@ -3166,10 +4856,10 @@
       </p:sp>
       <p:sp>
         <p:nvSpPr>
-          <p:cNvPr id="40" name="TextBox 39">
+          <p:cNvPr id="122" name="TextBox 121">
             <a:extLst>
               <a:ext uri="{FF2B5EF4-FFF2-40B4-BE49-F238E27FC236}">
-                <a16:creationId xmlns:a16="http://schemas.microsoft.com/office/drawing/2014/main" id="{42DB4541-C977-4637-9D7A-78EAE2D87F21}"/>
+                <a16:creationId xmlns:a16="http://schemas.microsoft.com/office/drawing/2014/main" id="{FC88BF95-950A-4784-99DA-2FF069E0EC95}"/>
               </a:ext>
             </a:extLst>
           </p:cNvPr>
@@ -3178,7 +4868,7 @@
         </p:nvSpPr>
         <p:spPr>
           <a:xfrm>
-            <a:off x="164093" y="865"/>
+            <a:off x="477971" y="-28575"/>
             <a:ext cx="968188" cy="338554"/>
           </a:xfrm>
           <a:prstGeom prst="rect">
@@ -3205,10 +4895,10 @@
       </p:sp>
       <p:cxnSp>
         <p:nvCxnSpPr>
-          <p:cNvPr id="41" name="Straight Connector 40">
+          <p:cNvPr id="123" name="Straight Connector 122">
             <a:extLst>
               <a:ext uri="{FF2B5EF4-FFF2-40B4-BE49-F238E27FC236}">
-                <a16:creationId xmlns:a16="http://schemas.microsoft.com/office/drawing/2014/main" id="{B2F02324-9CD6-48AB-AA5B-7BD69EEB4A15}"/>
+                <a16:creationId xmlns:a16="http://schemas.microsoft.com/office/drawing/2014/main" id="{5C0260F0-3C1C-45A0-9E5D-95B7AC88C26A}"/>
               </a:ext>
             </a:extLst>
           </p:cNvPr>
@@ -3217,7 +4907,7 @@
         </p:nvCxnSpPr>
         <p:spPr>
           <a:xfrm>
-            <a:off x="618447" y="2024374"/>
+            <a:off x="601299" y="1936745"/>
             <a:ext cx="72000" cy="0"/>
           </a:xfrm>
           <a:prstGeom prst="line">
@@ -3241,10 +4931,10 @@
       </p:cxnSp>
       <p:cxnSp>
         <p:nvCxnSpPr>
-          <p:cNvPr id="42" name="Straight Connector 41">
+          <p:cNvPr id="124" name="Straight Connector 123">
             <a:extLst>
               <a:ext uri="{FF2B5EF4-FFF2-40B4-BE49-F238E27FC236}">
-                <a16:creationId xmlns:a16="http://schemas.microsoft.com/office/drawing/2014/main" id="{9E85480B-4491-473A-891A-330A4BC07281}"/>
+                <a16:creationId xmlns:a16="http://schemas.microsoft.com/office/drawing/2014/main" id="{E7CC4479-8C1E-46A1-AF6B-7EF92793D54D}"/>
               </a:ext>
             </a:extLst>
           </p:cNvPr>
@@ -3253,7 +4943,7 @@
         </p:nvCxnSpPr>
         <p:spPr>
           <a:xfrm>
-            <a:off x="618580" y="1298709"/>
+            <a:off x="601432" y="1211080"/>
             <a:ext cx="72000" cy="0"/>
           </a:xfrm>
           <a:prstGeom prst="line">
@@ -3277,10 +4967,10 @@
       </p:cxnSp>
       <p:cxnSp>
         <p:nvCxnSpPr>
-          <p:cNvPr id="43" name="Straight Connector 42">
+          <p:cNvPr id="125" name="Straight Connector 124">
             <a:extLst>
               <a:ext uri="{FF2B5EF4-FFF2-40B4-BE49-F238E27FC236}">
-                <a16:creationId xmlns:a16="http://schemas.microsoft.com/office/drawing/2014/main" id="{365CF9F2-43F1-46C7-8663-C728121AFADD}"/>
+                <a16:creationId xmlns:a16="http://schemas.microsoft.com/office/drawing/2014/main" id="{12194293-3104-4441-ACD5-2D33DA8D5A5A}"/>
               </a:ext>
             </a:extLst>
           </p:cNvPr>
@@ -3289,7 +4979,7 @@
         </p:nvCxnSpPr>
         <p:spPr>
           <a:xfrm>
-            <a:off x="618447" y="576747"/>
+            <a:off x="601299" y="489118"/>
             <a:ext cx="72000" cy="0"/>
           </a:xfrm>
           <a:prstGeom prst="line">
@@ -3313,10 +5003,10 @@
       </p:cxnSp>
       <p:cxnSp>
         <p:nvCxnSpPr>
-          <p:cNvPr id="45" name="Straight Connector 44">
+          <p:cNvPr id="126" name="Straight Connector 125">
             <a:extLst>
               <a:ext uri="{FF2B5EF4-FFF2-40B4-BE49-F238E27FC236}">
-                <a16:creationId xmlns:a16="http://schemas.microsoft.com/office/drawing/2014/main" id="{436237BF-AC4B-4DA0-9418-88A3BF37DB32}"/>
+                <a16:creationId xmlns:a16="http://schemas.microsoft.com/office/drawing/2014/main" id="{FAD1AD1E-C85C-4644-A3B6-CB72DE1B77FD}"/>
               </a:ext>
             </a:extLst>
           </p:cNvPr>
@@ -3327,7 +5017,7 @@
         </p:nvCxnSpPr>
         <p:spPr>
           <a:xfrm rot="5400000">
-            <a:off x="719534" y="2130505"/>
+            <a:off x="702386" y="2042876"/>
             <a:ext cx="72000" cy="0"/>
           </a:xfrm>
           <a:prstGeom prst="line">
@@ -3351,10 +5041,10 @@
       </p:cxnSp>
       <p:cxnSp>
         <p:nvCxnSpPr>
-          <p:cNvPr id="46" name="Straight Connector 45">
+          <p:cNvPr id="127" name="Straight Connector 126">
             <a:extLst>
               <a:ext uri="{FF2B5EF4-FFF2-40B4-BE49-F238E27FC236}">
-                <a16:creationId xmlns:a16="http://schemas.microsoft.com/office/drawing/2014/main" id="{97C928B1-B6B5-4E1A-A10A-EFAD40186F16}"/>
+                <a16:creationId xmlns:a16="http://schemas.microsoft.com/office/drawing/2014/main" id="{14856509-04CC-48D1-A498-C12ADCF0E994}"/>
               </a:ext>
             </a:extLst>
           </p:cNvPr>
@@ -3365,7 +5055,7 @@
         </p:nvCxnSpPr>
         <p:spPr>
           <a:xfrm rot="5400000">
-            <a:off x="1445234" y="2130505"/>
+            <a:off x="1428086" y="2042876"/>
             <a:ext cx="72000" cy="0"/>
           </a:xfrm>
           <a:prstGeom prst="line">
@@ -3389,10 +5079,10 @@
       </p:cxnSp>
       <p:sp>
         <p:nvSpPr>
-          <p:cNvPr id="47" name="TextBox 46">
+          <p:cNvPr id="128" name="TextBox 127">
             <a:extLst>
               <a:ext uri="{FF2B5EF4-FFF2-40B4-BE49-F238E27FC236}">
-                <a16:creationId xmlns:a16="http://schemas.microsoft.com/office/drawing/2014/main" id="{84949D9F-8CCA-467B-93B0-1457017402A0}"/>
+                <a16:creationId xmlns:a16="http://schemas.microsoft.com/office/drawing/2014/main" id="{E9D1C55F-474A-4F86-BD32-F566AF11B2E4}"/>
               </a:ext>
             </a:extLst>
           </p:cNvPr>
@@ -3401,7 +5091,7 @@
         </p:nvSpPr>
         <p:spPr>
           <a:xfrm>
-            <a:off x="237681" y="2119701"/>
+            <a:off x="220533" y="2032072"/>
             <a:ext cx="1027952" cy="215444"/>
           </a:xfrm>
           <a:prstGeom prst="rect">
@@ -3428,10 +5118,10 @@
       </p:sp>
       <p:cxnSp>
         <p:nvCxnSpPr>
-          <p:cNvPr id="48" name="Straight Connector 47">
+          <p:cNvPr id="129" name="Straight Connector 128">
             <a:extLst>
               <a:ext uri="{FF2B5EF4-FFF2-40B4-BE49-F238E27FC236}">
-                <a16:creationId xmlns:a16="http://schemas.microsoft.com/office/drawing/2014/main" id="{B755A4EC-14E4-48D3-8477-A133510A61B5}"/>
+                <a16:creationId xmlns:a16="http://schemas.microsoft.com/office/drawing/2014/main" id="{06D91AA9-8A5E-4168-B251-50CCDB3ECA34}"/>
               </a:ext>
             </a:extLst>
           </p:cNvPr>
@@ -3442,7 +5132,7 @@
         </p:nvCxnSpPr>
         <p:spPr>
           <a:xfrm rot="5400000">
-            <a:off x="2165234" y="2130505"/>
+            <a:off x="2148086" y="2042876"/>
             <a:ext cx="72000" cy="0"/>
           </a:xfrm>
           <a:prstGeom prst="line">
@@ -3466,10 +5156,10 @@
       </p:cxnSp>
       <p:sp>
         <p:nvSpPr>
-          <p:cNvPr id="52" name="TextBox 51">
+          <p:cNvPr id="130" name="TextBox 129">
             <a:extLst>
               <a:ext uri="{FF2B5EF4-FFF2-40B4-BE49-F238E27FC236}">
-                <a16:creationId xmlns:a16="http://schemas.microsoft.com/office/drawing/2014/main" id="{8EC8BCF6-1DF8-4F84-A844-06FB9635AA63}"/>
+                <a16:creationId xmlns:a16="http://schemas.microsoft.com/office/drawing/2014/main" id="{40DDE356-114C-4C18-8373-1D58F3D01A2D}"/>
               </a:ext>
             </a:extLst>
           </p:cNvPr>
@@ -3478,7 +5168,7 @@
         </p:nvSpPr>
         <p:spPr>
           <a:xfrm>
-            <a:off x="979213" y="2119701"/>
+            <a:off x="962065" y="2032072"/>
             <a:ext cx="1027952" cy="215444"/>
           </a:xfrm>
           <a:prstGeom prst="rect">
@@ -3505,10 +5195,10 @@
       </p:sp>
       <p:sp>
         <p:nvSpPr>
-          <p:cNvPr id="53" name="TextBox 52">
+          <p:cNvPr id="131" name="TextBox 130">
             <a:extLst>
               <a:ext uri="{FF2B5EF4-FFF2-40B4-BE49-F238E27FC236}">
-                <a16:creationId xmlns:a16="http://schemas.microsoft.com/office/drawing/2014/main" id="{470FE2AC-14AE-4305-8A4B-A4A0529A97AD}"/>
+                <a16:creationId xmlns:a16="http://schemas.microsoft.com/office/drawing/2014/main" id="{01993258-2D42-4049-B8E5-B4676345BECD}"/>
               </a:ext>
             </a:extLst>
           </p:cNvPr>
@@ -3517,7 +5207,7 @@
         </p:nvSpPr>
         <p:spPr>
           <a:xfrm>
-            <a:off x="1687258" y="2119701"/>
+            <a:off x="1670110" y="2032072"/>
             <a:ext cx="1027952" cy="215444"/>
           </a:xfrm>
           <a:prstGeom prst="rect">
@@ -3544,10 +5234,10 @@
       </p:sp>
       <p:sp>
         <p:nvSpPr>
-          <p:cNvPr id="54" name="TextBox 53">
+          <p:cNvPr id="132" name="TextBox 131">
             <a:extLst>
               <a:ext uri="{FF2B5EF4-FFF2-40B4-BE49-F238E27FC236}">
-                <a16:creationId xmlns:a16="http://schemas.microsoft.com/office/drawing/2014/main" id="{3CE350F3-F8C7-44B9-8302-EFB79CE13632}"/>
+                <a16:creationId xmlns:a16="http://schemas.microsoft.com/office/drawing/2014/main" id="{09391332-6AFD-4497-9962-73BABE8C7493}"/>
               </a:ext>
             </a:extLst>
           </p:cNvPr>
@@ -3556,7 +5246,7 @@
         </p:nvSpPr>
         <p:spPr>
           <a:xfrm rot="16200000">
-            <a:off x="28124" y="1852296"/>
+            <a:off x="10976" y="1764667"/>
             <a:ext cx="1027952" cy="215444"/>
           </a:xfrm>
           <a:prstGeom prst="rect">
@@ -3583,10 +5273,10 @@
       </p:sp>
       <p:sp>
         <p:nvSpPr>
-          <p:cNvPr id="55" name="TextBox 54">
+          <p:cNvPr id="133" name="TextBox 132">
             <a:extLst>
               <a:ext uri="{FF2B5EF4-FFF2-40B4-BE49-F238E27FC236}">
-                <a16:creationId xmlns:a16="http://schemas.microsoft.com/office/drawing/2014/main" id="{B8C1964F-9845-4204-82AD-466D9B273734}"/>
+                <a16:creationId xmlns:a16="http://schemas.microsoft.com/office/drawing/2014/main" id="{6D7E80E1-D66E-45F3-8948-EDFDAB64E7FB}"/>
               </a:ext>
             </a:extLst>
           </p:cNvPr>
@@ -3595,7 +5285,7 @@
         </p:nvSpPr>
         <p:spPr>
           <a:xfrm rot="16200000">
-            <a:off x="-33431" y="1131284"/>
+            <a:off x="-50579" y="1043655"/>
             <a:ext cx="1027952" cy="338554"/>
           </a:xfrm>
           <a:prstGeom prst="rect">
@@ -3632,10 +5322,10 @@
       </p:sp>
       <p:sp>
         <p:nvSpPr>
-          <p:cNvPr id="56" name="TextBox 55">
+          <p:cNvPr id="134" name="TextBox 133">
             <a:extLst>
               <a:ext uri="{FF2B5EF4-FFF2-40B4-BE49-F238E27FC236}">
-                <a16:creationId xmlns:a16="http://schemas.microsoft.com/office/drawing/2014/main" id="{DBF43A3C-2D66-4930-ACBE-62C28DCFCA19}"/>
+                <a16:creationId xmlns:a16="http://schemas.microsoft.com/office/drawing/2014/main" id="{DA35C2FB-9256-4E91-8D07-E37F38CF4089}"/>
               </a:ext>
             </a:extLst>
           </p:cNvPr>
@@ -3644,7 +5334,7 @@
         </p:nvSpPr>
         <p:spPr>
           <a:xfrm rot="16200000">
-            <a:off x="-33432" y="414581"/>
+            <a:off x="-33432" y="326952"/>
             <a:ext cx="1027952" cy="338554"/>
           </a:xfrm>
           <a:prstGeom prst="rect">
@@ -3681,22 +5371,22 @@
       </p:sp>
       <p:cxnSp>
         <p:nvCxnSpPr>
-          <p:cNvPr id="57" name="Straight Connector 56">
+          <p:cNvPr id="135" name="Straight Connector 134">
             <a:extLst>
               <a:ext uri="{FF2B5EF4-FFF2-40B4-BE49-F238E27FC236}">
-                <a16:creationId xmlns:a16="http://schemas.microsoft.com/office/drawing/2014/main" id="{05D0D401-BBD2-455A-B08B-040A78C5E2B6}"/>
+                <a16:creationId xmlns:a16="http://schemas.microsoft.com/office/drawing/2014/main" id="{B829B954-8ED3-4F75-8769-CDA7A3296382}"/>
               </a:ext>
             </a:extLst>
           </p:cNvPr>
           <p:cNvCxnSpPr>
             <a:cxnSpLocks/>
-            <a:endCxn id="58" idx="7"/>
+            <a:endCxn id="136" idx="7"/>
           </p:cNvCxnSpPr>
           <p:nvPr/>
         </p:nvCxnSpPr>
         <p:spPr>
           <a:xfrm flipV="1">
-            <a:off x="648187" y="551075"/>
+            <a:off x="631039" y="463446"/>
             <a:ext cx="1578503" cy="1584950"/>
           </a:xfrm>
           <a:prstGeom prst="line">
@@ -3725,10 +5415,10 @@
       </p:cxnSp>
       <p:sp>
         <p:nvSpPr>
-          <p:cNvPr id="58" name="Oval 57">
+          <p:cNvPr id="136" name="Oval 135">
             <a:extLst>
               <a:ext uri="{FF2B5EF4-FFF2-40B4-BE49-F238E27FC236}">
-                <a16:creationId xmlns:a16="http://schemas.microsoft.com/office/drawing/2014/main" id="{22CEABA5-9ACB-42BF-B3C6-29386EE6537B}"/>
+                <a16:creationId xmlns:a16="http://schemas.microsoft.com/office/drawing/2014/main" id="{DD2344AC-16F0-452B-B21A-739B2EC85ECD}"/>
               </a:ext>
             </a:extLst>
           </p:cNvPr>
@@ -3737,7 +5427,7 @@
         </p:nvSpPr>
         <p:spPr>
           <a:xfrm>
-            <a:off x="2165234" y="540531"/>
+            <a:off x="2148086" y="452902"/>
             <a:ext cx="72000" cy="72000"/>
           </a:xfrm>
           <a:prstGeom prst="ellipse">
@@ -3777,10 +5467,10 @@
       </p:sp>
       <p:sp>
         <p:nvSpPr>
-          <p:cNvPr id="59" name="Oval 58">
+          <p:cNvPr id="137" name="Oval 136">
             <a:extLst>
               <a:ext uri="{FF2B5EF4-FFF2-40B4-BE49-F238E27FC236}">
-                <a16:creationId xmlns:a16="http://schemas.microsoft.com/office/drawing/2014/main" id="{C65672B8-5D74-4AD4-9705-BA50D21CC0CA}"/>
+                <a16:creationId xmlns:a16="http://schemas.microsoft.com/office/drawing/2014/main" id="{57E3D636-4F49-4F9A-B8DA-BE2E8FCAB48D}"/>
               </a:ext>
             </a:extLst>
           </p:cNvPr>
@@ -3789,7 +5479,7 @@
         </p:nvSpPr>
         <p:spPr>
           <a:xfrm>
-            <a:off x="715657" y="1988705"/>
+            <a:off x="698509" y="1901076"/>
             <a:ext cx="72000" cy="72000"/>
           </a:xfrm>
           <a:prstGeom prst="ellipse">
@@ -3829,10 +5519,10 @@
       </p:sp>
       <p:sp>
         <p:nvSpPr>
-          <p:cNvPr id="60" name="Oval 59">
+          <p:cNvPr id="138" name="Oval 137">
             <a:extLst>
               <a:ext uri="{FF2B5EF4-FFF2-40B4-BE49-F238E27FC236}">
-                <a16:creationId xmlns:a16="http://schemas.microsoft.com/office/drawing/2014/main" id="{594BF564-575D-431B-B8A2-725A5A0AC68B}"/>
+                <a16:creationId xmlns:a16="http://schemas.microsoft.com/office/drawing/2014/main" id="{C686689D-00B3-4CD4-8EED-584D50ECC5DC}"/>
               </a:ext>
             </a:extLst>
           </p:cNvPr>
@@ -3841,7 +5531,7 @@
         </p:nvSpPr>
         <p:spPr>
           <a:xfrm>
-            <a:off x="1457189" y="1261068"/>
+            <a:off x="1440041" y="1173439"/>
             <a:ext cx="72000" cy="72000"/>
           </a:xfrm>
           <a:prstGeom prst="ellipse">
@@ -3881,10 +5571,10 @@
       </p:sp>
       <p:sp>
         <p:nvSpPr>
-          <p:cNvPr id="61" name="TextBox 60">
+          <p:cNvPr id="139" name="TextBox 138">
             <a:extLst>
               <a:ext uri="{FF2B5EF4-FFF2-40B4-BE49-F238E27FC236}">
-                <a16:creationId xmlns:a16="http://schemas.microsoft.com/office/drawing/2014/main" id="{1E1EDDA7-3690-40A3-BFBE-E03F8F083EEF}"/>
+                <a16:creationId xmlns:a16="http://schemas.microsoft.com/office/drawing/2014/main" id="{C45905E5-C1AD-46E6-81F6-D8CBA15ADC71}"/>
               </a:ext>
             </a:extLst>
           </p:cNvPr>
@@ -3893,7 +5583,7 @@
         </p:nvSpPr>
         <p:spPr>
           <a:xfrm rot="-2700000">
-            <a:off x="259249" y="1199400"/>
+            <a:off x="242101" y="1111771"/>
             <a:ext cx="2202946" cy="215444"/>
           </a:xfrm>
           <a:prstGeom prst="rect">
@@ -3920,10 +5610,10 @@
       </p:sp>
       <p:cxnSp>
         <p:nvCxnSpPr>
-          <p:cNvPr id="62" name="Straight Connector 61">
+          <p:cNvPr id="140" name="Straight Connector 139">
             <a:extLst>
               <a:ext uri="{FF2B5EF4-FFF2-40B4-BE49-F238E27FC236}">
-                <a16:creationId xmlns:a16="http://schemas.microsoft.com/office/drawing/2014/main" id="{DC0006B8-975A-4CC1-AEE0-30243DC4926A}"/>
+                <a16:creationId xmlns:a16="http://schemas.microsoft.com/office/drawing/2014/main" id="{783B6CC4-C1AC-4F4E-94B3-600BCE2A1A03}"/>
               </a:ext>
             </a:extLst>
           </p:cNvPr>
@@ -3934,7 +5624,7 @@
         </p:nvCxnSpPr>
         <p:spPr>
           <a:xfrm flipV="1">
-            <a:off x="645865" y="768624"/>
+            <a:off x="628717" y="680995"/>
             <a:ext cx="1571596" cy="1364414"/>
           </a:xfrm>
           <a:prstGeom prst="line">
@@ -3964,10 +5654,10 @@
       </p:cxnSp>
       <p:sp>
         <p:nvSpPr>
-          <p:cNvPr id="63" name="TextBox 62">
+          <p:cNvPr id="141" name="TextBox 140">
             <a:extLst>
               <a:ext uri="{FF2B5EF4-FFF2-40B4-BE49-F238E27FC236}">
-                <a16:creationId xmlns:a16="http://schemas.microsoft.com/office/drawing/2014/main" id="{B0C8B687-3BE9-4DCA-B0BF-593EF052960B}"/>
+                <a16:creationId xmlns:a16="http://schemas.microsoft.com/office/drawing/2014/main" id="{C8690B1B-7EB6-477F-8A08-9BB2F7F2C5A6}"/>
               </a:ext>
             </a:extLst>
           </p:cNvPr>
@@ -3976,8 +5666,8 @@
         </p:nvSpPr>
         <p:spPr>
           <a:xfrm>
-            <a:off x="2108807" y="603456"/>
-            <a:ext cx="1160049" cy="215444"/>
+            <a:off x="2107565" y="592692"/>
+            <a:ext cx="1152454" cy="215444"/>
           </a:xfrm>
           <a:prstGeom prst="rect">
             <a:avLst/>
@@ -3990,6 +5680,7 @@
           </a:bodyPr>
           <a:lstStyle/>
           <a:p>
+            <a:pPr algn="ctr"/>
             <a:r>
               <a:rPr lang="en-GB" sz="800" dirty="0">
                 <a:solidFill>
@@ -4005,23 +5696,23 @@
       </p:sp>
       <p:cxnSp>
         <p:nvCxnSpPr>
-          <p:cNvPr id="64" name="Straight Connector 63">
+          <p:cNvPr id="142" name="Straight Connector 141">
             <a:extLst>
               <a:ext uri="{FF2B5EF4-FFF2-40B4-BE49-F238E27FC236}">
-                <a16:creationId xmlns:a16="http://schemas.microsoft.com/office/drawing/2014/main" id="{DA89D749-CE49-43D5-B3EC-2C01CF7A1B00}"/>
+                <a16:creationId xmlns:a16="http://schemas.microsoft.com/office/drawing/2014/main" id="{F353CC3A-0F1F-4D34-A664-8FE32AB7FD53}"/>
               </a:ext>
             </a:extLst>
           </p:cNvPr>
           <p:cNvCxnSpPr>
             <a:cxnSpLocks/>
-            <a:endCxn id="78" idx="7"/>
+            <a:endCxn id="147" idx="7"/>
           </p:cNvCxnSpPr>
           <p:nvPr/>
         </p:nvCxnSpPr>
         <p:spPr>
           <a:xfrm flipV="1">
-            <a:off x="645805" y="1014939"/>
-            <a:ext cx="1575613" cy="1119916"/>
+            <a:off x="628657" y="923034"/>
+            <a:ext cx="1575613" cy="1124192"/>
           </a:xfrm>
           <a:prstGeom prst="line">
             <a:avLst/>
@@ -4050,10 +5741,10 @@
       </p:cxnSp>
       <p:sp>
         <p:nvSpPr>
-          <p:cNvPr id="65" name="Oval 64">
+          <p:cNvPr id="143" name="Oval 142">
             <a:extLst>
               <a:ext uri="{FF2B5EF4-FFF2-40B4-BE49-F238E27FC236}">
-                <a16:creationId xmlns:a16="http://schemas.microsoft.com/office/drawing/2014/main" id="{E2C74ECC-57A3-43F5-B19C-9D1B9D4A9BBF}"/>
+                <a16:creationId xmlns:a16="http://schemas.microsoft.com/office/drawing/2014/main" id="{A9374C4D-6BDD-4CA1-BC53-08C2E7056D5D}"/>
               </a:ext>
             </a:extLst>
           </p:cNvPr>
@@ -4062,7 +5753,7 @@
         </p:nvSpPr>
         <p:spPr>
           <a:xfrm>
-            <a:off x="1457189" y="1364120"/>
+            <a:off x="702165" y="1912409"/>
             <a:ext cx="72000" cy="72000"/>
           </a:xfrm>
           <a:prstGeom prst="ellipse">
@@ -4072,9 +5763,7 @@
             <a:srgbClr val="0000FF"/>
           </a:solidFill>
           <a:ln>
-            <a:solidFill>
-              <a:srgbClr val="0000FF"/>
-            </a:solidFill>
+            <a:noFill/>
           </a:ln>
         </p:spPr>
         <p:style>
@@ -4104,10 +5793,10 @@
       </p:sp>
       <p:sp>
         <p:nvSpPr>
-          <p:cNvPr id="70" name="Oval 69">
+          <p:cNvPr id="144" name="Oval 143">
             <a:extLst>
               <a:ext uri="{FF2B5EF4-FFF2-40B4-BE49-F238E27FC236}">
-                <a16:creationId xmlns:a16="http://schemas.microsoft.com/office/drawing/2014/main" id="{1744F0DF-7B9C-41BB-919B-B66D0A4ACB8D}"/>
+                <a16:creationId xmlns:a16="http://schemas.microsoft.com/office/drawing/2014/main" id="{519FF198-B9AD-457F-93BE-E6DD47B03BCE}"/>
               </a:ext>
             </a:extLst>
           </p:cNvPr>
@@ -4116,115 +5805,7 @@
         </p:nvSpPr>
         <p:spPr>
           <a:xfrm>
-            <a:off x="2159962" y="754626"/>
-            <a:ext cx="72000" cy="72000"/>
-          </a:xfrm>
-          <a:prstGeom prst="ellipse">
-            <a:avLst/>
-          </a:prstGeom>
-          <a:solidFill>
-            <a:srgbClr val="0000FF"/>
-          </a:solidFill>
-          <a:ln>
-            <a:solidFill>
-              <a:srgbClr val="0000FF"/>
-            </a:solidFill>
-          </a:ln>
-        </p:spPr>
-        <p:style>
-          <a:lnRef idx="2">
-            <a:schemeClr val="accent1">
-              <a:shade val="50000"/>
-            </a:schemeClr>
-          </a:lnRef>
-          <a:fillRef idx="1">
-            <a:schemeClr val="accent1"/>
-          </a:fillRef>
-          <a:effectRef idx="0">
-            <a:schemeClr val="accent1"/>
-          </a:effectRef>
-          <a:fontRef idx="minor">
-            <a:schemeClr val="lt1"/>
-          </a:fontRef>
-        </p:style>
-        <p:txBody>
-          <a:bodyPr rtlCol="0" anchor="ctr"/>
-          <a:lstStyle/>
-          <a:p>
-            <a:pPr algn="ctr"/>
-            <a:endParaRPr lang="en-GB"/>
-          </a:p>
-        </p:txBody>
-      </p:sp>
-      <p:sp>
-        <p:nvSpPr>
-          <p:cNvPr id="72" name="Oval 71">
-            <a:extLst>
-              <a:ext uri="{FF2B5EF4-FFF2-40B4-BE49-F238E27FC236}">
-                <a16:creationId xmlns:a16="http://schemas.microsoft.com/office/drawing/2014/main" id="{9F02A1D8-32B5-48B1-9BD1-60F7C1C42D90}"/>
-              </a:ext>
-            </a:extLst>
-          </p:cNvPr>
-          <p:cNvSpPr/>
-          <p:nvPr/>
-        </p:nvSpPr>
-        <p:spPr>
-          <a:xfrm>
-            <a:off x="719313" y="2000038"/>
-            <a:ext cx="72000" cy="72000"/>
-          </a:xfrm>
-          <a:prstGeom prst="ellipse">
-            <a:avLst/>
-          </a:prstGeom>
-          <a:solidFill>
-            <a:srgbClr val="0000FF"/>
-          </a:solidFill>
-          <a:ln>
-            <a:solidFill>
-              <a:srgbClr val="0000FF"/>
-            </a:solidFill>
-          </a:ln>
-        </p:spPr>
-        <p:style>
-          <a:lnRef idx="2">
-            <a:schemeClr val="accent1">
-              <a:shade val="50000"/>
-            </a:schemeClr>
-          </a:lnRef>
-          <a:fillRef idx="1">
-            <a:schemeClr val="accent1"/>
-          </a:fillRef>
-          <a:effectRef idx="0">
-            <a:schemeClr val="accent1"/>
-          </a:effectRef>
-          <a:fontRef idx="minor">
-            <a:schemeClr val="lt1"/>
-          </a:fontRef>
-        </p:style>
-        <p:txBody>
-          <a:bodyPr rtlCol="0" anchor="ctr"/>
-          <a:lstStyle/>
-          <a:p>
-            <a:pPr algn="ctr"/>
-            <a:endParaRPr lang="en-GB"/>
-          </a:p>
-        </p:txBody>
-      </p:sp>
-      <p:sp>
-        <p:nvSpPr>
-          <p:cNvPr id="75" name="Oval 74">
-            <a:extLst>
-              <a:ext uri="{FF2B5EF4-FFF2-40B4-BE49-F238E27FC236}">
-                <a16:creationId xmlns:a16="http://schemas.microsoft.com/office/drawing/2014/main" id="{C4E1E234-3BB7-462B-822E-50BF8834ADA2}"/>
-              </a:ext>
-            </a:extLst>
-          </p:cNvPr>
-          <p:cNvSpPr/>
-          <p:nvPr/>
-        </p:nvSpPr>
-        <p:spPr>
-          <a:xfrm>
-            <a:off x="717363" y="2013744"/>
+            <a:off x="700215" y="1926115"/>
             <a:ext cx="72000" cy="72000"/>
           </a:xfrm>
           <a:prstGeom prst="ellipse">
@@ -4264,10 +5845,10 @@
       </p:sp>
       <p:sp>
         <p:nvSpPr>
-          <p:cNvPr id="76" name="TextBox 75">
+          <p:cNvPr id="145" name="TextBox 144">
             <a:extLst>
               <a:ext uri="{FF2B5EF4-FFF2-40B4-BE49-F238E27FC236}">
-                <a16:creationId xmlns:a16="http://schemas.microsoft.com/office/drawing/2014/main" id="{4707B42F-9252-4F3F-8808-FC87942D8D4D}"/>
+                <a16:creationId xmlns:a16="http://schemas.microsoft.com/office/drawing/2014/main" id="{CE4CDC11-0D92-4D7C-9AAE-9F58AFAF2C2E}"/>
               </a:ext>
             </a:extLst>
           </p:cNvPr>
@@ -4276,8 +5857,8 @@
         </p:nvSpPr>
         <p:spPr>
           <a:xfrm>
-            <a:off x="2070140" y="1030969"/>
-            <a:ext cx="1027952" cy="338554"/>
+            <a:off x="2137230" y="843400"/>
+            <a:ext cx="1215178" cy="215444"/>
           </a:xfrm>
           <a:prstGeom prst="rect">
             <a:avLst/>
@@ -4298,29 +5879,17 @@
                 <a:latin typeface="Arial" panose="020B0604020202020204" pitchFamily="34" charset="0"/>
                 <a:cs typeface="Arial" panose="020B0604020202020204" pitchFamily="34" charset="0"/>
               </a:rPr>
-              <a:t>ecPoint FC</a:t>
-            </a:r>
-          </a:p>
-          <a:p>
-            <a:r>
-              <a:rPr lang="en-GB" sz="800" dirty="0">
-                <a:solidFill>
-                  <a:srgbClr val="FF0000"/>
-                </a:solidFill>
-                <a:latin typeface="Arial" panose="020B0604020202020204" pitchFamily="34" charset="0"/>
-                <a:cs typeface="Arial" panose="020B0604020202020204" pitchFamily="34" charset="0"/>
-              </a:rPr>
-              <a:t>(initial estimate)</a:t>
-            </a:r>
-          </a:p>
-        </p:txBody>
-      </p:sp>
-      <p:sp>
-        <p:nvSpPr>
-          <p:cNvPr id="77" name="Oval 76">
+              <a:t>ecPoint FC (estimate)</a:t>
+            </a:r>
+          </a:p>
+        </p:txBody>
+      </p:sp>
+      <p:sp>
+        <p:nvSpPr>
+          <p:cNvPr id="146" name="Oval 145">
             <a:extLst>
               <a:ext uri="{FF2B5EF4-FFF2-40B4-BE49-F238E27FC236}">
-                <a16:creationId xmlns:a16="http://schemas.microsoft.com/office/drawing/2014/main" id="{5D834F6E-8915-40A7-9D06-EBF342220254}"/>
+                <a16:creationId xmlns:a16="http://schemas.microsoft.com/office/drawing/2014/main" id="{51B8912C-76F7-4001-8A6F-963913AAF60B}"/>
               </a:ext>
             </a:extLst>
           </p:cNvPr>
@@ -4329,7 +5898,7 @@
         </p:nvSpPr>
         <p:spPr>
           <a:xfrm>
-            <a:off x="1462793" y="1491184"/>
+            <a:off x="1445645" y="1403555"/>
             <a:ext cx="72000" cy="72000"/>
           </a:xfrm>
           <a:prstGeom prst="ellipse">
@@ -4369,10 +5938,10 @@
       </p:sp>
       <p:sp>
         <p:nvSpPr>
-          <p:cNvPr id="78" name="Oval 77">
+          <p:cNvPr id="147" name="Oval 146">
             <a:extLst>
               <a:ext uri="{FF2B5EF4-FFF2-40B4-BE49-F238E27FC236}">
-                <a16:creationId xmlns:a16="http://schemas.microsoft.com/office/drawing/2014/main" id="{D1437391-FFB2-4EE3-A35F-0752E7FA15F2}"/>
+                <a16:creationId xmlns:a16="http://schemas.microsoft.com/office/drawing/2014/main" id="{6C40F420-1A80-43F7-8237-E469B4ECB1DE}"/>
               </a:ext>
             </a:extLst>
           </p:cNvPr>
@@ -4381,7 +5950,7 @@
         </p:nvSpPr>
         <p:spPr>
           <a:xfrm>
-            <a:off x="2159962" y="1004395"/>
+            <a:off x="2142814" y="912490"/>
             <a:ext cx="72000" cy="72000"/>
           </a:xfrm>
           <a:prstGeom prst="ellipse">
@@ -4421,10 +5990,10 @@
       </p:sp>
       <p:sp>
         <p:nvSpPr>
-          <p:cNvPr id="69" name="Freeform: Shape 68">
+          <p:cNvPr id="148" name="Freeform: Shape 147">
             <a:extLst>
               <a:ext uri="{FF2B5EF4-FFF2-40B4-BE49-F238E27FC236}">
-                <a16:creationId xmlns:a16="http://schemas.microsoft.com/office/drawing/2014/main" id="{E2119B2D-DC77-4E2E-A42D-6A33BDA08477}"/>
+                <a16:creationId xmlns:a16="http://schemas.microsoft.com/office/drawing/2014/main" id="{476866D5-1329-411B-8E00-6054BCDBB4BE}"/>
               </a:ext>
             </a:extLst>
           </p:cNvPr>
@@ -4433,7 +6002,7 @@
         </p:nvSpPr>
         <p:spPr>
           <a:xfrm>
-            <a:off x="641468" y="798599"/>
+            <a:off x="624320" y="710970"/>
             <a:ext cx="1546331" cy="1336254"/>
           </a:xfrm>
           <a:custGeom>
@@ -4510,10 +6079,10 @@
       </p:sp>
       <p:cxnSp>
         <p:nvCxnSpPr>
-          <p:cNvPr id="10" name="Straight Arrow Connector 9">
+          <p:cNvPr id="149" name="Straight Arrow Connector 148">
             <a:extLst>
               <a:ext uri="{FF2B5EF4-FFF2-40B4-BE49-F238E27FC236}">
-                <a16:creationId xmlns:a16="http://schemas.microsoft.com/office/drawing/2014/main" id="{22447704-08DF-4501-A352-615B08535E70}"/>
+                <a16:creationId xmlns:a16="http://schemas.microsoft.com/office/drawing/2014/main" id="{0D7C4CEF-49CD-4693-B536-8214DE9B278B}"/>
               </a:ext>
             </a:extLst>
           </p:cNvPr>
@@ -4523,9 +6092,9 @@
           <p:nvPr/>
         </p:nvCxnSpPr>
         <p:spPr>
-          <a:xfrm flipH="1">
-            <a:off x="2050665" y="942506"/>
-            <a:ext cx="310219" cy="75176"/>
+          <a:xfrm flipH="1" flipV="1">
+            <a:off x="1801912" y="1086827"/>
+            <a:ext cx="474422" cy="106839"/>
           </a:xfrm>
           <a:prstGeom prst="straightConnector1">
             <a:avLst/>
@@ -4534,8 +6103,8 @@
             <a:solidFill>
               <a:srgbClr val="FF33CC"/>
             </a:solidFill>
-            <a:headEnd w="sm" len="sm"/>
-            <a:tailEnd type="triangle" w="sm" len="sm"/>
+            <a:headEnd w="med" len="sm"/>
+            <a:tailEnd type="diamond" w="sm" len="sm"/>
           </a:ln>
         </p:spPr>
         <p:style>
@@ -4555,10 +6124,10 @@
       </p:cxnSp>
       <p:cxnSp>
         <p:nvCxnSpPr>
-          <p:cNvPr id="13" name="Straight Connector 12">
+          <p:cNvPr id="150" name="Straight Connector 149">
             <a:extLst>
               <a:ext uri="{FF2B5EF4-FFF2-40B4-BE49-F238E27FC236}">
-                <a16:creationId xmlns:a16="http://schemas.microsoft.com/office/drawing/2014/main" id="{C901C5CE-FF76-4D34-A6D4-EABF790FF5B6}"/>
+                <a16:creationId xmlns:a16="http://schemas.microsoft.com/office/drawing/2014/main" id="{E6968A13-247B-406E-A618-8B4828738B85}"/>
               </a:ext>
             </a:extLst>
           </p:cNvPr>
@@ -4569,8 +6138,8 @@
         </p:nvCxnSpPr>
         <p:spPr>
           <a:xfrm>
-            <a:off x="2360884" y="942506"/>
-            <a:ext cx="656876" cy="0"/>
+            <a:off x="2270155" y="1190885"/>
+            <a:ext cx="677027" cy="0"/>
           </a:xfrm>
           <a:prstGeom prst="line">
             <a:avLst/>
@@ -4598,10 +6167,10 @@
       </p:cxnSp>
       <p:sp>
         <p:nvSpPr>
-          <p:cNvPr id="71" name="TextBox 70">
+          <p:cNvPr id="151" name="TextBox 150">
             <a:extLst>
               <a:ext uri="{FF2B5EF4-FFF2-40B4-BE49-F238E27FC236}">
-                <a16:creationId xmlns:a16="http://schemas.microsoft.com/office/drawing/2014/main" id="{A88B364F-1543-41BF-AB4E-CE4273B52488}"/>
+                <a16:creationId xmlns:a16="http://schemas.microsoft.com/office/drawing/2014/main" id="{15FADE80-A39C-4E9F-85C7-24A19456D068}"/>
               </a:ext>
             </a:extLst>
           </p:cNvPr>
@@ -4610,7 +6179,7 @@
         </p:nvSpPr>
         <p:spPr>
           <a:xfrm>
-            <a:off x="2268759" y="772577"/>
+            <a:off x="2186554" y="1028231"/>
             <a:ext cx="1160049" cy="215444"/>
           </a:xfrm>
           <a:prstGeom prst="rect">
@@ -4639,10 +6208,10 @@
       </p:sp>
       <p:cxnSp>
         <p:nvCxnSpPr>
-          <p:cNvPr id="17" name="Straight Arrow Connector 16">
+          <p:cNvPr id="152" name="Straight Arrow Connector 151">
             <a:extLst>
               <a:ext uri="{FF2B5EF4-FFF2-40B4-BE49-F238E27FC236}">
-                <a16:creationId xmlns:a16="http://schemas.microsoft.com/office/drawing/2014/main" id="{FF0B7776-C808-433C-A79B-62F1A8A12D78}"/>
+                <a16:creationId xmlns:a16="http://schemas.microsoft.com/office/drawing/2014/main" id="{CF5BEE33-FBCD-4B9D-9E81-8EC2F9C18506}"/>
               </a:ext>
             </a:extLst>
           </p:cNvPr>
@@ -4653,7 +6222,7 @@
         </p:nvCxnSpPr>
         <p:spPr>
           <a:xfrm flipV="1">
-            <a:off x="854256" y="2367015"/>
+            <a:off x="976929" y="2279386"/>
             <a:ext cx="1260000" cy="0"/>
           </a:xfrm>
           <a:prstGeom prst="straightConnector1">
@@ -4685,10 +6254,10 @@
       </p:cxnSp>
       <p:cxnSp>
         <p:nvCxnSpPr>
-          <p:cNvPr id="73" name="Straight Arrow Connector 72">
+          <p:cNvPr id="153" name="Straight Arrow Connector 152">
             <a:extLst>
               <a:ext uri="{FF2B5EF4-FFF2-40B4-BE49-F238E27FC236}">
-                <a16:creationId xmlns:a16="http://schemas.microsoft.com/office/drawing/2014/main" id="{274A09F6-8DB0-47C9-BE59-A21477561DF2}"/>
+                <a16:creationId xmlns:a16="http://schemas.microsoft.com/office/drawing/2014/main" id="{2104AB99-6E01-43DD-B865-F382F2BF1402}"/>
               </a:ext>
             </a:extLst>
           </p:cNvPr>
@@ -4699,7 +6268,7 @@
         </p:nvCxnSpPr>
         <p:spPr>
           <a:xfrm rot="10800000">
-            <a:off x="279244" y="667068"/>
+            <a:off x="281146" y="492368"/>
             <a:ext cx="1546" cy="1260000"/>
           </a:xfrm>
           <a:prstGeom prst="straightConnector1">
@@ -4731,10 +6300,10 @@
       </p:cxnSp>
       <p:sp>
         <p:nvSpPr>
-          <p:cNvPr id="79" name="TextBox 78">
+          <p:cNvPr id="154" name="TextBox 153">
             <a:extLst>
               <a:ext uri="{FF2B5EF4-FFF2-40B4-BE49-F238E27FC236}">
-                <a16:creationId xmlns:a16="http://schemas.microsoft.com/office/drawing/2014/main" id="{728DD634-A389-4169-BE82-8BBCFA2B18BC}"/>
+                <a16:creationId xmlns:a16="http://schemas.microsoft.com/office/drawing/2014/main" id="{B116ED5D-3418-478C-A80B-3C79FA5EA377}"/>
               </a:ext>
             </a:extLst>
           </p:cNvPr>
@@ -4743,7 +6312,7 @@
         </p:nvSpPr>
         <p:spPr>
           <a:xfrm>
-            <a:off x="808658" y="2344449"/>
+            <a:off x="981976" y="2249148"/>
             <a:ext cx="1249906" cy="215444"/>
           </a:xfrm>
           <a:prstGeom prst="rect">
@@ -4775,10 +6344,10 @@
       </p:sp>
       <p:sp>
         <p:nvSpPr>
-          <p:cNvPr id="80" name="TextBox 79">
+          <p:cNvPr id="155" name="TextBox 154">
             <a:extLst>
               <a:ext uri="{FF2B5EF4-FFF2-40B4-BE49-F238E27FC236}">
-                <a16:creationId xmlns:a16="http://schemas.microsoft.com/office/drawing/2014/main" id="{C4B19EAE-BE06-4638-B169-790B249F06E2}"/>
+                <a16:creationId xmlns:a16="http://schemas.microsoft.com/office/drawing/2014/main" id="{CE64A30D-C032-40AE-A77E-F0CC31E36A5E}"/>
               </a:ext>
             </a:extLst>
           </p:cNvPr>
@@ -4787,7 +6356,7 @@
         </p:nvSpPr>
         <p:spPr>
           <a:xfrm rot="16200000">
-            <a:off x="-482633" y="1122744"/>
+            <a:off x="-480731" y="953091"/>
             <a:ext cx="1249906" cy="338554"/>
           </a:xfrm>
           <a:prstGeom prst="rect">
@@ -4817,10 +6386,114 @@
           </a:p>
         </p:txBody>
       </p:sp>
+      <p:sp>
+        <p:nvSpPr>
+          <p:cNvPr id="156" name="Oval 155">
+            <a:extLst>
+              <a:ext uri="{FF2B5EF4-FFF2-40B4-BE49-F238E27FC236}">
+                <a16:creationId xmlns:a16="http://schemas.microsoft.com/office/drawing/2014/main" id="{A1953EBF-74B3-45CF-8FFB-F2311C2027A3}"/>
+              </a:ext>
+            </a:extLst>
+          </p:cNvPr>
+          <p:cNvSpPr/>
+          <p:nvPr/>
+        </p:nvSpPr>
+        <p:spPr>
+          <a:xfrm>
+            <a:off x="1440041" y="1276491"/>
+            <a:ext cx="72000" cy="72000"/>
+          </a:xfrm>
+          <a:prstGeom prst="ellipse">
+            <a:avLst/>
+          </a:prstGeom>
+          <a:solidFill>
+            <a:srgbClr val="0000FF"/>
+          </a:solidFill>
+          <a:ln>
+            <a:noFill/>
+          </a:ln>
+        </p:spPr>
+        <p:style>
+          <a:lnRef idx="2">
+            <a:schemeClr val="accent1">
+              <a:shade val="50000"/>
+            </a:schemeClr>
+          </a:lnRef>
+          <a:fillRef idx="1">
+            <a:schemeClr val="accent1"/>
+          </a:fillRef>
+          <a:effectRef idx="0">
+            <a:schemeClr val="accent1"/>
+          </a:effectRef>
+          <a:fontRef idx="minor">
+            <a:schemeClr val="lt1"/>
+          </a:fontRef>
+        </p:style>
+        <p:txBody>
+          <a:bodyPr rtlCol="0" anchor="ctr"/>
+          <a:lstStyle/>
+          <a:p>
+            <a:pPr algn="ctr"/>
+            <a:endParaRPr lang="en-GB"/>
+          </a:p>
+        </p:txBody>
+      </p:sp>
+      <p:sp>
+        <p:nvSpPr>
+          <p:cNvPr id="157" name="Oval 156">
+            <a:extLst>
+              <a:ext uri="{FF2B5EF4-FFF2-40B4-BE49-F238E27FC236}">
+                <a16:creationId xmlns:a16="http://schemas.microsoft.com/office/drawing/2014/main" id="{8B743732-842B-4E6A-9ABE-4D7766E04B16}"/>
+              </a:ext>
+            </a:extLst>
+          </p:cNvPr>
+          <p:cNvSpPr/>
+          <p:nvPr/>
+        </p:nvSpPr>
+        <p:spPr>
+          <a:xfrm>
+            <a:off x="2142814" y="666997"/>
+            <a:ext cx="72000" cy="72000"/>
+          </a:xfrm>
+          <a:prstGeom prst="ellipse">
+            <a:avLst/>
+          </a:prstGeom>
+          <a:solidFill>
+            <a:srgbClr val="0000FF"/>
+          </a:solidFill>
+          <a:ln>
+            <a:noFill/>
+          </a:ln>
+        </p:spPr>
+        <p:style>
+          <a:lnRef idx="2">
+            <a:schemeClr val="accent1">
+              <a:shade val="50000"/>
+            </a:schemeClr>
+          </a:lnRef>
+          <a:fillRef idx="1">
+            <a:schemeClr val="accent1"/>
+          </a:fillRef>
+          <a:effectRef idx="0">
+            <a:schemeClr val="accent1"/>
+          </a:effectRef>
+          <a:fontRef idx="minor">
+            <a:schemeClr val="lt1"/>
+          </a:fontRef>
+        </p:style>
+        <p:txBody>
+          <a:bodyPr rtlCol="0" anchor="ctr"/>
+          <a:lstStyle/>
+          <a:p>
+            <a:pPr algn="ctr"/>
+            <a:endParaRPr lang="en-GB"/>
+          </a:p>
+        </p:txBody>
+      </p:sp>
     </p:spTree>
     <p:extLst>
       <p:ext uri="{BB962C8B-B14F-4D97-AF65-F5344CB8AC3E}">
-        <p14:creationId xmlns:p14="http://schemas.microsoft.com/office/powerpoint/2010/main" val="2243467327"/>
+        <p14:creationId xmlns:p14="http://schemas.microsoft.com/office/powerpoint/2010/main" val="142998642"/>
       </p:ext>
     </p:extLst>
   </p:cSld>

--- a/manuscript/Figures/ProbFC_Knowledge_Effectiveness_Estimate.pptx
+++ b/manuscript/Figures/ProbFC_Knowledge_Effectiveness_Estimate.pptx
@@ -136,7 +136,7 @@
   <pc:docChgLst>
     <pc:chgData name="Fatima Pillosu" userId="a6295d4dc9e22643" providerId="LiveId" clId="{3117CC99-A8D8-4417-AA48-A79BC152B569}"/>
     <pc:docChg chg="undo custSel addSld delSld modSld sldOrd">
-      <pc:chgData name="Fatima Pillosu" userId="a6295d4dc9e22643" providerId="LiveId" clId="{3117CC99-A8D8-4417-AA48-A79BC152B569}" dt="2020-11-30T04:56:23.011" v="535" actId="2696"/>
+      <pc:chgData name="Fatima Pillosu" userId="a6295d4dc9e22643" providerId="LiveId" clId="{3117CC99-A8D8-4417-AA48-A79BC152B569}" dt="2020-11-30T05:40:35.302" v="545" actId="1038"/>
       <pc:docMkLst>
         <pc:docMk/>
       </pc:docMkLst>
@@ -1706,7 +1706,7 @@
         </pc:cxnChg>
       </pc:sldChg>
       <pc:sldChg chg="delSp modSp add ord">
-        <pc:chgData name="Fatima Pillosu" userId="a6295d4dc9e22643" providerId="LiveId" clId="{3117CC99-A8D8-4417-AA48-A79BC152B569}" dt="2020-11-30T04:55:09.163" v="534"/>
+        <pc:chgData name="Fatima Pillosu" userId="a6295d4dc9e22643" providerId="LiveId" clId="{3117CC99-A8D8-4417-AA48-A79BC152B569}" dt="2020-11-30T05:40:35.302" v="545" actId="1038"/>
         <pc:sldMkLst>
           <pc:docMk/>
           <pc:sldMk cId="142998642" sldId="260"/>
@@ -1719,6 +1719,14 @@
             <ac:spMk id="117" creationId="{D1C31FDC-53F8-4E0A-BD1F-75754661FE84}"/>
           </ac:spMkLst>
         </pc:spChg>
+        <pc:spChg chg="mod">
+          <ac:chgData name="Fatima Pillosu" userId="a6295d4dc9e22643" providerId="LiveId" clId="{3117CC99-A8D8-4417-AA48-A79BC152B569}" dt="2020-11-30T05:40:35.302" v="545" actId="1038"/>
+          <ac:spMkLst>
+            <pc:docMk/>
+            <pc:sldMk cId="142998642" sldId="260"/>
+            <ac:spMk id="151" creationId="{15FADE80-A39C-4E9F-85C7-24A19456D068}"/>
+          </ac:spMkLst>
+        </pc:spChg>
         <pc:spChg chg="del">
           <ac:chgData name="Fatima Pillosu" userId="a6295d4dc9e22643" providerId="LiveId" clId="{3117CC99-A8D8-4417-AA48-A79BC152B569}" dt="2020-11-30T04:54:36.561" v="524" actId="478"/>
           <ac:spMkLst>
@@ -1775,6 +1783,22 @@
             <ac:spMk id="168" creationId="{E516D3E9-1341-430B-B1E7-5B2EA93074B2}"/>
           </ac:spMkLst>
         </pc:spChg>
+        <pc:cxnChg chg="mod">
+          <ac:chgData name="Fatima Pillosu" userId="a6295d4dc9e22643" providerId="LiveId" clId="{3117CC99-A8D8-4417-AA48-A79BC152B569}" dt="2020-11-30T05:40:35.302" v="545" actId="1038"/>
+          <ac:cxnSpMkLst>
+            <pc:docMk/>
+            <pc:sldMk cId="142998642" sldId="260"/>
+            <ac:cxnSpMk id="149" creationId="{0D7C4CEF-49CD-4693-B536-8214DE9B278B}"/>
+          </ac:cxnSpMkLst>
+        </pc:cxnChg>
+        <pc:cxnChg chg="mod">
+          <ac:chgData name="Fatima Pillosu" userId="a6295d4dc9e22643" providerId="LiveId" clId="{3117CC99-A8D8-4417-AA48-A79BC152B569}" dt="2020-11-30T05:40:35.302" v="545" actId="1038"/>
+          <ac:cxnSpMkLst>
+            <pc:docMk/>
+            <pc:sldMk cId="142998642" sldId="260"/>
+            <ac:cxnSpMk id="150" creationId="{E6968A13-247B-406E-A618-8B4828738B85}"/>
+          </ac:cxnSpMkLst>
+        </pc:cxnChg>
         <pc:cxnChg chg="del">
           <ac:chgData name="Fatima Pillosu" userId="a6295d4dc9e22643" providerId="LiveId" clId="{3117CC99-A8D8-4417-AA48-A79BC152B569}" dt="2020-11-30T04:54:44.155" v="531" actId="478"/>
           <ac:cxnSpMkLst>
@@ -6093,7 +6117,7 @@
         </p:nvCxnSpPr>
         <p:spPr>
           <a:xfrm flipH="1" flipV="1">
-            <a:off x="1801912" y="1086827"/>
+            <a:off x="1832802" y="1086827"/>
             <a:ext cx="474422" cy="106839"/>
           </a:xfrm>
           <a:prstGeom prst="straightConnector1">
@@ -6138,7 +6162,7 @@
         </p:nvCxnSpPr>
         <p:spPr>
           <a:xfrm>
-            <a:off x="2270155" y="1190885"/>
+            <a:off x="2301045" y="1190885"/>
             <a:ext cx="677027" cy="0"/>
           </a:xfrm>
           <a:prstGeom prst="line">
@@ -6179,7 +6203,7 @@
         </p:nvSpPr>
         <p:spPr>
           <a:xfrm>
-            <a:off x="2186554" y="1028231"/>
+            <a:off x="2217444" y="1028231"/>
             <a:ext cx="1160049" cy="215444"/>
           </a:xfrm>
           <a:prstGeom prst="rect">

--- a/manuscript/Figures/ProbFC_Knowledge_Effectiveness_Estimate.pptx
+++ b/manuscript/Figures/ProbFC_Knowledge_Effectiveness_Estimate.pptx
@@ -136,7 +136,7 @@
   <pc:docChgLst>
     <pc:chgData name="Fatima Pillosu" userId="a6295d4dc9e22643" providerId="LiveId" clId="{3117CC99-A8D8-4417-AA48-A79BC152B569}"/>
     <pc:docChg chg="undo custSel addSld delSld modSld sldOrd">
-      <pc:chgData name="Fatima Pillosu" userId="a6295d4dc9e22643" providerId="LiveId" clId="{3117CC99-A8D8-4417-AA48-A79BC152B569}" dt="2020-11-30T05:40:35.302" v="545" actId="1038"/>
+      <pc:chgData name="Fatima Pillosu" userId="a6295d4dc9e22643" providerId="LiveId" clId="{3117CC99-A8D8-4417-AA48-A79BC152B569}" dt="2020-12-03T11:50:15.947" v="546" actId="2711"/>
       <pc:docMkLst>
         <pc:docMk/>
       </pc:docMkLst>
@@ -1706,7 +1706,7 @@
         </pc:cxnChg>
       </pc:sldChg>
       <pc:sldChg chg="delSp modSp add ord">
-        <pc:chgData name="Fatima Pillosu" userId="a6295d4dc9e22643" providerId="LiveId" clId="{3117CC99-A8D8-4417-AA48-A79BC152B569}" dt="2020-11-30T05:40:35.302" v="545" actId="1038"/>
+        <pc:chgData name="Fatima Pillosu" userId="a6295d4dc9e22643" providerId="LiveId" clId="{3117CC99-A8D8-4417-AA48-A79BC152B569}" dt="2020-12-03T11:50:15.947" v="546" actId="2711"/>
         <pc:sldMkLst>
           <pc:docMk/>
           <pc:sldMk cId="142998642" sldId="260"/>
@@ -1720,11 +1720,203 @@
           </ac:spMkLst>
         </pc:spChg>
         <pc:spChg chg="mod">
-          <ac:chgData name="Fatima Pillosu" userId="a6295d4dc9e22643" providerId="LiveId" clId="{3117CC99-A8D8-4417-AA48-A79BC152B569}" dt="2020-11-30T05:40:35.302" v="545" actId="1038"/>
+          <ac:chgData name="Fatima Pillosu" userId="a6295d4dc9e22643" providerId="LiveId" clId="{3117CC99-A8D8-4417-AA48-A79BC152B569}" dt="2020-12-03T11:50:15.947" v="546" actId="2711"/>
+          <ac:spMkLst>
+            <pc:docMk/>
+            <pc:sldMk cId="142998642" sldId="260"/>
+            <ac:spMk id="118" creationId="{D7EAF5BE-3802-4486-9696-E36FD0802E70}"/>
+          </ac:spMkLst>
+        </pc:spChg>
+        <pc:spChg chg="mod">
+          <ac:chgData name="Fatima Pillosu" userId="a6295d4dc9e22643" providerId="LiveId" clId="{3117CC99-A8D8-4417-AA48-A79BC152B569}" dt="2020-12-03T11:50:15.947" v="546" actId="2711"/>
+          <ac:spMkLst>
+            <pc:docMk/>
+            <pc:sldMk cId="142998642" sldId="260"/>
+            <ac:spMk id="121" creationId="{77D43699-6543-4F2F-B211-E711B179F19E}"/>
+          </ac:spMkLst>
+        </pc:spChg>
+        <pc:spChg chg="mod">
+          <ac:chgData name="Fatima Pillosu" userId="a6295d4dc9e22643" providerId="LiveId" clId="{3117CC99-A8D8-4417-AA48-A79BC152B569}" dt="2020-12-03T11:50:15.947" v="546" actId="2711"/>
+          <ac:spMkLst>
+            <pc:docMk/>
+            <pc:sldMk cId="142998642" sldId="260"/>
+            <ac:spMk id="122" creationId="{FC88BF95-950A-4784-99DA-2FF069E0EC95}"/>
+          </ac:spMkLst>
+        </pc:spChg>
+        <pc:spChg chg="mod">
+          <ac:chgData name="Fatima Pillosu" userId="a6295d4dc9e22643" providerId="LiveId" clId="{3117CC99-A8D8-4417-AA48-A79BC152B569}" dt="2020-12-03T11:50:15.947" v="546" actId="2711"/>
+          <ac:spMkLst>
+            <pc:docMk/>
+            <pc:sldMk cId="142998642" sldId="260"/>
+            <ac:spMk id="128" creationId="{E9D1C55F-474A-4F86-BD32-F566AF11B2E4}"/>
+          </ac:spMkLst>
+        </pc:spChg>
+        <pc:spChg chg="mod">
+          <ac:chgData name="Fatima Pillosu" userId="a6295d4dc9e22643" providerId="LiveId" clId="{3117CC99-A8D8-4417-AA48-A79BC152B569}" dt="2020-12-03T11:50:15.947" v="546" actId="2711"/>
+          <ac:spMkLst>
+            <pc:docMk/>
+            <pc:sldMk cId="142998642" sldId="260"/>
+            <ac:spMk id="130" creationId="{40DDE356-114C-4C18-8373-1D58F3D01A2D}"/>
+          </ac:spMkLst>
+        </pc:spChg>
+        <pc:spChg chg="mod">
+          <ac:chgData name="Fatima Pillosu" userId="a6295d4dc9e22643" providerId="LiveId" clId="{3117CC99-A8D8-4417-AA48-A79BC152B569}" dt="2020-12-03T11:50:15.947" v="546" actId="2711"/>
+          <ac:spMkLst>
+            <pc:docMk/>
+            <pc:sldMk cId="142998642" sldId="260"/>
+            <ac:spMk id="131" creationId="{01993258-2D42-4049-B8E5-B4676345BECD}"/>
+          </ac:spMkLst>
+        </pc:spChg>
+        <pc:spChg chg="mod">
+          <ac:chgData name="Fatima Pillosu" userId="a6295d4dc9e22643" providerId="LiveId" clId="{3117CC99-A8D8-4417-AA48-A79BC152B569}" dt="2020-12-03T11:50:15.947" v="546" actId="2711"/>
+          <ac:spMkLst>
+            <pc:docMk/>
+            <pc:sldMk cId="142998642" sldId="260"/>
+            <ac:spMk id="132" creationId="{09391332-6AFD-4497-9962-73BABE8C7493}"/>
+          </ac:spMkLst>
+        </pc:spChg>
+        <pc:spChg chg="mod">
+          <ac:chgData name="Fatima Pillosu" userId="a6295d4dc9e22643" providerId="LiveId" clId="{3117CC99-A8D8-4417-AA48-A79BC152B569}" dt="2020-12-03T11:50:15.947" v="546" actId="2711"/>
+          <ac:spMkLst>
+            <pc:docMk/>
+            <pc:sldMk cId="142998642" sldId="260"/>
+            <ac:spMk id="133" creationId="{6D7E80E1-D66E-45F3-8948-EDFDAB64E7FB}"/>
+          </ac:spMkLst>
+        </pc:spChg>
+        <pc:spChg chg="mod">
+          <ac:chgData name="Fatima Pillosu" userId="a6295d4dc9e22643" providerId="LiveId" clId="{3117CC99-A8D8-4417-AA48-A79BC152B569}" dt="2020-12-03T11:50:15.947" v="546" actId="2711"/>
+          <ac:spMkLst>
+            <pc:docMk/>
+            <pc:sldMk cId="142998642" sldId="260"/>
+            <ac:spMk id="134" creationId="{DA35C2FB-9256-4E91-8D07-E37F38CF4089}"/>
+          </ac:spMkLst>
+        </pc:spChg>
+        <pc:spChg chg="mod">
+          <ac:chgData name="Fatima Pillosu" userId="a6295d4dc9e22643" providerId="LiveId" clId="{3117CC99-A8D8-4417-AA48-A79BC152B569}" dt="2020-12-03T11:50:15.947" v="546" actId="2711"/>
+          <ac:spMkLst>
+            <pc:docMk/>
+            <pc:sldMk cId="142998642" sldId="260"/>
+            <ac:spMk id="136" creationId="{DD2344AC-16F0-452B-B21A-739B2EC85ECD}"/>
+          </ac:spMkLst>
+        </pc:spChg>
+        <pc:spChg chg="mod">
+          <ac:chgData name="Fatima Pillosu" userId="a6295d4dc9e22643" providerId="LiveId" clId="{3117CC99-A8D8-4417-AA48-A79BC152B569}" dt="2020-12-03T11:50:15.947" v="546" actId="2711"/>
+          <ac:spMkLst>
+            <pc:docMk/>
+            <pc:sldMk cId="142998642" sldId="260"/>
+            <ac:spMk id="137" creationId="{57E3D636-4F49-4F9A-B8DA-BE2E8FCAB48D}"/>
+          </ac:spMkLst>
+        </pc:spChg>
+        <pc:spChg chg="mod">
+          <ac:chgData name="Fatima Pillosu" userId="a6295d4dc9e22643" providerId="LiveId" clId="{3117CC99-A8D8-4417-AA48-A79BC152B569}" dt="2020-12-03T11:50:15.947" v="546" actId="2711"/>
+          <ac:spMkLst>
+            <pc:docMk/>
+            <pc:sldMk cId="142998642" sldId="260"/>
+            <ac:spMk id="138" creationId="{C686689D-00B3-4CD4-8EED-584D50ECC5DC}"/>
+          </ac:spMkLst>
+        </pc:spChg>
+        <pc:spChg chg="mod">
+          <ac:chgData name="Fatima Pillosu" userId="a6295d4dc9e22643" providerId="LiveId" clId="{3117CC99-A8D8-4417-AA48-A79BC152B569}" dt="2020-12-03T11:50:15.947" v="546" actId="2711"/>
+          <ac:spMkLst>
+            <pc:docMk/>
+            <pc:sldMk cId="142998642" sldId="260"/>
+            <ac:spMk id="139" creationId="{C45905E5-C1AD-46E6-81F6-D8CBA15ADC71}"/>
+          </ac:spMkLst>
+        </pc:spChg>
+        <pc:spChg chg="mod">
+          <ac:chgData name="Fatima Pillosu" userId="a6295d4dc9e22643" providerId="LiveId" clId="{3117CC99-A8D8-4417-AA48-A79BC152B569}" dt="2020-12-03T11:50:15.947" v="546" actId="2711"/>
+          <ac:spMkLst>
+            <pc:docMk/>
+            <pc:sldMk cId="142998642" sldId="260"/>
+            <ac:spMk id="141" creationId="{C8690B1B-7EB6-477F-8A08-9BB2F7F2C5A6}"/>
+          </ac:spMkLst>
+        </pc:spChg>
+        <pc:spChg chg="mod">
+          <ac:chgData name="Fatima Pillosu" userId="a6295d4dc9e22643" providerId="LiveId" clId="{3117CC99-A8D8-4417-AA48-A79BC152B569}" dt="2020-12-03T11:50:15.947" v="546" actId="2711"/>
+          <ac:spMkLst>
+            <pc:docMk/>
+            <pc:sldMk cId="142998642" sldId="260"/>
+            <ac:spMk id="143" creationId="{A9374C4D-6BDD-4CA1-BC53-08C2E7056D5D}"/>
+          </ac:spMkLst>
+        </pc:spChg>
+        <pc:spChg chg="mod">
+          <ac:chgData name="Fatima Pillosu" userId="a6295d4dc9e22643" providerId="LiveId" clId="{3117CC99-A8D8-4417-AA48-A79BC152B569}" dt="2020-12-03T11:50:15.947" v="546" actId="2711"/>
+          <ac:spMkLst>
+            <pc:docMk/>
+            <pc:sldMk cId="142998642" sldId="260"/>
+            <ac:spMk id="144" creationId="{519FF198-B9AD-457F-93BE-E6DD47B03BCE}"/>
+          </ac:spMkLst>
+        </pc:spChg>
+        <pc:spChg chg="mod">
+          <ac:chgData name="Fatima Pillosu" userId="a6295d4dc9e22643" providerId="LiveId" clId="{3117CC99-A8D8-4417-AA48-A79BC152B569}" dt="2020-12-03T11:50:15.947" v="546" actId="2711"/>
+          <ac:spMkLst>
+            <pc:docMk/>
+            <pc:sldMk cId="142998642" sldId="260"/>
+            <ac:spMk id="145" creationId="{CE4CDC11-0D92-4D7C-9AAE-9F58AFAF2C2E}"/>
+          </ac:spMkLst>
+        </pc:spChg>
+        <pc:spChg chg="mod">
+          <ac:chgData name="Fatima Pillosu" userId="a6295d4dc9e22643" providerId="LiveId" clId="{3117CC99-A8D8-4417-AA48-A79BC152B569}" dt="2020-12-03T11:50:15.947" v="546" actId="2711"/>
+          <ac:spMkLst>
+            <pc:docMk/>
+            <pc:sldMk cId="142998642" sldId="260"/>
+            <ac:spMk id="146" creationId="{51B8912C-76F7-4001-8A6F-963913AAF60B}"/>
+          </ac:spMkLst>
+        </pc:spChg>
+        <pc:spChg chg="mod">
+          <ac:chgData name="Fatima Pillosu" userId="a6295d4dc9e22643" providerId="LiveId" clId="{3117CC99-A8D8-4417-AA48-A79BC152B569}" dt="2020-12-03T11:50:15.947" v="546" actId="2711"/>
+          <ac:spMkLst>
+            <pc:docMk/>
+            <pc:sldMk cId="142998642" sldId="260"/>
+            <ac:spMk id="147" creationId="{6C40F420-1A80-43F7-8237-E469B4ECB1DE}"/>
+          </ac:spMkLst>
+        </pc:spChg>
+        <pc:spChg chg="mod">
+          <ac:chgData name="Fatima Pillosu" userId="a6295d4dc9e22643" providerId="LiveId" clId="{3117CC99-A8D8-4417-AA48-A79BC152B569}" dt="2020-12-03T11:50:15.947" v="546" actId="2711"/>
+          <ac:spMkLst>
+            <pc:docMk/>
+            <pc:sldMk cId="142998642" sldId="260"/>
+            <ac:spMk id="148" creationId="{476866D5-1329-411B-8E00-6054BCDBB4BE}"/>
+          </ac:spMkLst>
+        </pc:spChg>
+        <pc:spChg chg="mod">
+          <ac:chgData name="Fatima Pillosu" userId="a6295d4dc9e22643" providerId="LiveId" clId="{3117CC99-A8D8-4417-AA48-A79BC152B569}" dt="2020-12-03T11:50:15.947" v="546" actId="2711"/>
           <ac:spMkLst>
             <pc:docMk/>
             <pc:sldMk cId="142998642" sldId="260"/>
             <ac:spMk id="151" creationId="{15FADE80-A39C-4E9F-85C7-24A19456D068}"/>
+          </ac:spMkLst>
+        </pc:spChg>
+        <pc:spChg chg="mod">
+          <ac:chgData name="Fatima Pillosu" userId="a6295d4dc9e22643" providerId="LiveId" clId="{3117CC99-A8D8-4417-AA48-A79BC152B569}" dt="2020-12-03T11:50:15.947" v="546" actId="2711"/>
+          <ac:spMkLst>
+            <pc:docMk/>
+            <pc:sldMk cId="142998642" sldId="260"/>
+            <ac:spMk id="154" creationId="{B116ED5D-3418-478C-A80B-3C79FA5EA377}"/>
+          </ac:spMkLst>
+        </pc:spChg>
+        <pc:spChg chg="mod">
+          <ac:chgData name="Fatima Pillosu" userId="a6295d4dc9e22643" providerId="LiveId" clId="{3117CC99-A8D8-4417-AA48-A79BC152B569}" dt="2020-12-03T11:50:15.947" v="546" actId="2711"/>
+          <ac:spMkLst>
+            <pc:docMk/>
+            <pc:sldMk cId="142998642" sldId="260"/>
+            <ac:spMk id="155" creationId="{CE64A30D-C032-40AE-A77E-F0CC31E36A5E}"/>
+          </ac:spMkLst>
+        </pc:spChg>
+        <pc:spChg chg="mod">
+          <ac:chgData name="Fatima Pillosu" userId="a6295d4dc9e22643" providerId="LiveId" clId="{3117CC99-A8D8-4417-AA48-A79BC152B569}" dt="2020-12-03T11:50:15.947" v="546" actId="2711"/>
+          <ac:spMkLst>
+            <pc:docMk/>
+            <pc:sldMk cId="142998642" sldId="260"/>
+            <ac:spMk id="156" creationId="{A1953EBF-74B3-45CF-8FFB-F2311C2027A3}"/>
+          </ac:spMkLst>
+        </pc:spChg>
+        <pc:spChg chg="mod">
+          <ac:chgData name="Fatima Pillosu" userId="a6295d4dc9e22643" providerId="LiveId" clId="{3117CC99-A8D8-4417-AA48-A79BC152B569}" dt="2020-12-03T11:50:15.947" v="546" actId="2711"/>
+          <ac:spMkLst>
+            <pc:docMk/>
+            <pc:sldMk cId="142998642" sldId="260"/>
+            <ac:spMk id="157" creationId="{8B743732-842B-4E6A-9ABE-4D7766E04B16}"/>
           </ac:spMkLst>
         </pc:spChg>
         <pc:spChg chg="del">
@@ -1968,7 +2160,7 @@
           <a:p>
             <a:fld id="{167D0764-9DAD-4C7F-9AA0-390EE444472D}" type="datetimeFigureOut">
               <a:rPr lang="en-GB" smtClean="0"/>
-              <a:t>30/11/2020</a:t>
+              <a:t>03/12/2020</a:t>
             </a:fld>
             <a:endParaRPr lang="en-GB"/>
           </a:p>
@@ -2138,7 +2330,7 @@
           <a:p>
             <a:fld id="{167D0764-9DAD-4C7F-9AA0-390EE444472D}" type="datetimeFigureOut">
               <a:rPr lang="en-GB" smtClean="0"/>
-              <a:t>30/11/2020</a:t>
+              <a:t>03/12/2020</a:t>
             </a:fld>
             <a:endParaRPr lang="en-GB"/>
           </a:p>
@@ -2318,7 +2510,7 @@
           <a:p>
             <a:fld id="{167D0764-9DAD-4C7F-9AA0-390EE444472D}" type="datetimeFigureOut">
               <a:rPr lang="en-GB" smtClean="0"/>
-              <a:t>30/11/2020</a:t>
+              <a:t>03/12/2020</a:t>
             </a:fld>
             <a:endParaRPr lang="en-GB"/>
           </a:p>
@@ -2488,7 +2680,7 @@
           <a:p>
             <a:fld id="{167D0764-9DAD-4C7F-9AA0-390EE444472D}" type="datetimeFigureOut">
               <a:rPr lang="en-GB" smtClean="0"/>
-              <a:t>30/11/2020</a:t>
+              <a:t>03/12/2020</a:t>
             </a:fld>
             <a:endParaRPr lang="en-GB"/>
           </a:p>
@@ -2732,7 +2924,7 @@
           <a:p>
             <a:fld id="{167D0764-9DAD-4C7F-9AA0-390EE444472D}" type="datetimeFigureOut">
               <a:rPr lang="en-GB" smtClean="0"/>
-              <a:t>30/11/2020</a:t>
+              <a:t>03/12/2020</a:t>
             </a:fld>
             <a:endParaRPr lang="en-GB"/>
           </a:p>
@@ -2964,7 +3156,7 @@
           <a:p>
             <a:fld id="{167D0764-9DAD-4C7F-9AA0-390EE444472D}" type="datetimeFigureOut">
               <a:rPr lang="en-GB" smtClean="0"/>
-              <a:t>30/11/2020</a:t>
+              <a:t>03/12/2020</a:t>
             </a:fld>
             <a:endParaRPr lang="en-GB"/>
           </a:p>
@@ -3331,7 +3523,7 @@
           <a:p>
             <a:fld id="{167D0764-9DAD-4C7F-9AA0-390EE444472D}" type="datetimeFigureOut">
               <a:rPr lang="en-GB" smtClean="0"/>
-              <a:t>30/11/2020</a:t>
+              <a:t>03/12/2020</a:t>
             </a:fld>
             <a:endParaRPr lang="en-GB"/>
           </a:p>
@@ -3449,7 +3641,7 @@
           <a:p>
             <a:fld id="{167D0764-9DAD-4C7F-9AA0-390EE444472D}" type="datetimeFigureOut">
               <a:rPr lang="en-GB" smtClean="0"/>
-              <a:t>30/11/2020</a:t>
+              <a:t>03/12/2020</a:t>
             </a:fld>
             <a:endParaRPr lang="en-GB"/>
           </a:p>
@@ -3544,7 +3736,7 @@
           <a:p>
             <a:fld id="{167D0764-9DAD-4C7F-9AA0-390EE444472D}" type="datetimeFigureOut">
               <a:rPr lang="en-GB" smtClean="0"/>
-              <a:t>30/11/2020</a:t>
+              <a:t>03/12/2020</a:t>
             </a:fld>
             <a:endParaRPr lang="en-GB"/>
           </a:p>
@@ -3821,7 +4013,7 @@
           <a:p>
             <a:fld id="{167D0764-9DAD-4C7F-9AA0-390EE444472D}" type="datetimeFigureOut">
               <a:rPr lang="en-GB" smtClean="0"/>
-              <a:t>30/11/2020</a:t>
+              <a:t>03/12/2020</a:t>
             </a:fld>
             <a:endParaRPr lang="en-GB"/>
           </a:p>
@@ -4078,7 +4270,7 @@
           <a:p>
             <a:fld id="{167D0764-9DAD-4C7F-9AA0-390EE444472D}" type="datetimeFigureOut">
               <a:rPr lang="en-GB" smtClean="0"/>
-              <a:t>30/11/2020</a:t>
+              <a:t>03/12/2020</a:t>
             </a:fld>
             <a:endParaRPr lang="en-GB"/>
           </a:p>
@@ -4291,7 +4483,7 @@
           <a:p>
             <a:fld id="{167D0764-9DAD-4C7F-9AA0-390EE444472D}" type="datetimeFigureOut">
               <a:rPr lang="en-GB" smtClean="0"/>
-              <a:t>30/11/2020</a:t>
+              <a:t>03/12/2020</a:t>
             </a:fld>
             <a:endParaRPr lang="en-GB"/>
           </a:p>
@@ -4870,7 +5062,6 @@
             <a:pPr algn="ctr"/>
             <a:r>
               <a:rPr lang="en-GB" sz="800" dirty="0">
-                <a:latin typeface="Arial" panose="020B0604020202020204" pitchFamily="34" charset="0"/>
                 <a:cs typeface="Arial" panose="020B0604020202020204" pitchFamily="34" charset="0"/>
               </a:rPr>
               <a:t>Understanding Prob. FC</a:t>
@@ -4909,7 +5100,6 @@
             <a:pPr algn="ctr"/>
             <a:r>
               <a:rPr lang="en-GB" sz="800" dirty="0">
-                <a:latin typeface="Arial" panose="020B0604020202020204" pitchFamily="34" charset="0"/>
                 <a:cs typeface="Arial" panose="020B0604020202020204" pitchFamily="34" charset="0"/>
               </a:rPr>
               <a:t>Effectiveness Prob. FC</a:t>
@@ -5132,7 +5322,6 @@
             <a:pPr algn="ctr"/>
             <a:r>
               <a:rPr lang="en-GB" sz="800" dirty="0">
-                <a:latin typeface="Arial" panose="020B0604020202020204" pitchFamily="34" charset="0"/>
                 <a:cs typeface="Arial" panose="020B0604020202020204" pitchFamily="34" charset="0"/>
               </a:rPr>
               <a:t>Low</a:t>
@@ -5209,7 +5398,6 @@
             <a:pPr algn="ctr"/>
             <a:r>
               <a:rPr lang="en-GB" sz="800" dirty="0">
-                <a:latin typeface="Arial" panose="020B0604020202020204" pitchFamily="34" charset="0"/>
                 <a:cs typeface="Arial" panose="020B0604020202020204" pitchFamily="34" charset="0"/>
               </a:rPr>
               <a:t>Medium</a:t>
@@ -5248,7 +5436,6 @@
             <a:pPr algn="ctr"/>
             <a:r>
               <a:rPr lang="en-GB" sz="800" dirty="0">
-                <a:latin typeface="Arial" panose="020B0604020202020204" pitchFamily="34" charset="0"/>
                 <a:cs typeface="Arial" panose="020B0604020202020204" pitchFamily="34" charset="0"/>
               </a:rPr>
               <a:t>High</a:t>
@@ -5287,7 +5474,6 @@
             <a:pPr algn="ctr"/>
             <a:r>
               <a:rPr lang="en-GB" sz="800" dirty="0">
-                <a:latin typeface="Arial" panose="020B0604020202020204" pitchFamily="34" charset="0"/>
                 <a:cs typeface="Arial" panose="020B0604020202020204" pitchFamily="34" charset="0"/>
               </a:rPr>
               <a:t>Ineffective</a:t>
@@ -5326,7 +5512,6 @@
             <a:pPr algn="ctr"/>
             <a:r>
               <a:rPr lang="en-GB" sz="800" dirty="0">
-                <a:latin typeface="Arial" panose="020B0604020202020204" pitchFamily="34" charset="0"/>
                 <a:cs typeface="Arial" panose="020B0604020202020204" pitchFamily="34" charset="0"/>
               </a:rPr>
               <a:t>Moderately</a:t>
@@ -5336,7 +5521,6 @@
             <a:pPr algn="ctr"/>
             <a:r>
               <a:rPr lang="en-GB" sz="800" dirty="0">
-                <a:latin typeface="Arial" panose="020B0604020202020204" pitchFamily="34" charset="0"/>
                 <a:cs typeface="Arial" panose="020B0604020202020204" pitchFamily="34" charset="0"/>
               </a:rPr>
               <a:t>Effective</a:t>
@@ -5375,7 +5559,6 @@
             <a:pPr algn="ctr"/>
             <a:r>
               <a:rPr lang="en-GB" sz="800" dirty="0">
-                <a:latin typeface="Arial" panose="020B0604020202020204" pitchFamily="34" charset="0"/>
                 <a:cs typeface="Arial" panose="020B0604020202020204" pitchFamily="34" charset="0"/>
               </a:rPr>
               <a:t>Very</a:t>
@@ -5385,7 +5568,6 @@
             <a:pPr algn="ctr"/>
             <a:r>
               <a:rPr lang="en-GB" sz="800" dirty="0">
-                <a:latin typeface="Arial" panose="020B0604020202020204" pitchFamily="34" charset="0"/>
                 <a:cs typeface="Arial" panose="020B0604020202020204" pitchFamily="34" charset="0"/>
               </a:rPr>
               <a:t>Effective</a:t>
@@ -5624,7 +5806,6 @@
             <a:pPr algn="ctr"/>
             <a:r>
               <a:rPr lang="en-GB" sz="800" dirty="0">
-                <a:latin typeface="Arial" panose="020B0604020202020204" pitchFamily="34" charset="0"/>
                 <a:cs typeface="Arial" panose="020B0604020202020204" pitchFamily="34" charset="0"/>
               </a:rPr>
               <a:t>Optimal Understanding - Effectiveness</a:t>
@@ -5710,7 +5891,6 @@
                 <a:solidFill>
                   <a:srgbClr val="0000FF"/>
                 </a:solidFill>
-                <a:latin typeface="Arial" panose="020B0604020202020204" pitchFamily="34" charset="0"/>
                 <a:cs typeface="Arial" panose="020B0604020202020204" pitchFamily="34" charset="0"/>
               </a:rPr>
               <a:t>Traditional Prob. FC</a:t>
@@ -5900,7 +6080,6 @@
                 <a:solidFill>
                   <a:srgbClr val="FF0000"/>
                 </a:solidFill>
-                <a:latin typeface="Arial" panose="020B0604020202020204" pitchFamily="34" charset="0"/>
                 <a:cs typeface="Arial" panose="020B0604020202020204" pitchFamily="34" charset="0"/>
               </a:rPr>
               <a:t>ecPoint FC (estimate)</a:t>
@@ -6222,7 +6401,6 @@
                 <a:solidFill>
                   <a:srgbClr val="FF33CC"/>
                 </a:solidFill>
-                <a:latin typeface="Arial" panose="020B0604020202020204" pitchFamily="34" charset="0"/>
                 <a:cs typeface="Arial" panose="020B0604020202020204" pitchFamily="34" charset="0"/>
               </a:rPr>
               <a:t>Estimated gap</a:t>
@@ -6358,7 +6536,6 @@
                     <a:lumMod val="50000"/>
                   </a:schemeClr>
                 </a:solidFill>
-                <a:latin typeface="Arial" panose="020B0604020202020204" pitchFamily="34" charset="0"/>
                 <a:cs typeface="Arial" panose="020B0604020202020204" pitchFamily="34" charset="0"/>
               </a:rPr>
               <a:t>Prob. FC training</a:t>
@@ -6402,7 +6579,6 @@
                     <a:lumMod val="50000"/>
                   </a:schemeClr>
                 </a:solidFill>
-                <a:latin typeface="Arial" panose="020B0604020202020204" pitchFamily="34" charset="0"/>
                 <a:cs typeface="Arial" panose="020B0604020202020204" pitchFamily="34" charset="0"/>
               </a:rPr>
               <a:t>Training in Prob. FC communication</a:t>
